--- a/causal_6week.pptx
+++ b/causal_6week.pptx
@@ -1153,7 +1153,7 @@
           <a:p>
             <a:fld id="{FEA2D673-B129-4240-A71B-77053A7E7086}" type="datetimeFigureOut">
               <a:rPr lang="ko-KR" altLang="en-US" smtClean="0"/>
-              <a:t>2025-03-18</a:t>
+              <a:t>2025-03-19</a:t>
             </a:fld>
             <a:endParaRPr lang="ko-KR" altLang="en-US"/>
           </a:p>
@@ -1442,7 +1442,7 @@
           <p:cNvPr id="2" name="제목 1">
             <a:extLst>
               <a:ext uri="{FF2B5EF4-FFF2-40B4-BE49-F238E27FC236}">
-                <a16:creationId xmlns:a16="http://schemas.microsoft.com/office/drawing/2014/main" id="{D5EA4483-E104-90D7-91C8-53C95AC4B9F8}"/>
+                <a16:creationId xmlns:a16="http://schemas.microsoft.com/office/drawing/2014/main" xmlns="" id="{D5EA4483-E104-90D7-91C8-53C95AC4B9F8}"/>
               </a:ext>
             </a:extLst>
           </p:cNvPr>
@@ -1479,7 +1479,7 @@
           <p:cNvPr id="3" name="부제목 2">
             <a:extLst>
               <a:ext uri="{FF2B5EF4-FFF2-40B4-BE49-F238E27FC236}">
-                <a16:creationId xmlns:a16="http://schemas.microsoft.com/office/drawing/2014/main" id="{1B538EC8-181D-6488-2088-BC6522D4AC65}"/>
+                <a16:creationId xmlns:a16="http://schemas.microsoft.com/office/drawing/2014/main" xmlns="" id="{1B538EC8-181D-6488-2088-BC6522D4AC65}"/>
               </a:ext>
             </a:extLst>
           </p:cNvPr>
@@ -1549,7 +1549,7 @@
           <p:cNvPr id="4" name="날짜 개체 틀 3">
             <a:extLst>
               <a:ext uri="{FF2B5EF4-FFF2-40B4-BE49-F238E27FC236}">
-                <a16:creationId xmlns:a16="http://schemas.microsoft.com/office/drawing/2014/main" id="{B4DD84E1-21DE-FB93-2D53-476BD8169DAF}"/>
+                <a16:creationId xmlns:a16="http://schemas.microsoft.com/office/drawing/2014/main" xmlns="" id="{B4DD84E1-21DE-FB93-2D53-476BD8169DAF}"/>
               </a:ext>
             </a:extLst>
           </p:cNvPr>
@@ -1567,7 +1567,7 @@
           <a:p>
             <a:fld id="{E0917728-FF84-4733-94D9-96477C72F7D6}" type="datetimeFigureOut">
               <a:rPr lang="ko-KR" altLang="en-US" smtClean="0"/>
-              <a:t>2025-03-18</a:t>
+              <a:t>2025-03-19</a:t>
             </a:fld>
             <a:endParaRPr lang="ko-KR" altLang="en-US"/>
           </a:p>
@@ -1578,7 +1578,7 @@
           <p:cNvPr id="5" name="바닥글 개체 틀 4">
             <a:extLst>
               <a:ext uri="{FF2B5EF4-FFF2-40B4-BE49-F238E27FC236}">
-                <a16:creationId xmlns:a16="http://schemas.microsoft.com/office/drawing/2014/main" id="{9E0484DF-C4AD-3B14-F80B-C05D27B477D3}"/>
+                <a16:creationId xmlns:a16="http://schemas.microsoft.com/office/drawing/2014/main" xmlns="" id="{9E0484DF-C4AD-3B14-F80B-C05D27B477D3}"/>
               </a:ext>
             </a:extLst>
           </p:cNvPr>
@@ -1603,7 +1603,7 @@
           <p:cNvPr id="6" name="슬라이드 번호 개체 틀 5">
             <a:extLst>
               <a:ext uri="{FF2B5EF4-FFF2-40B4-BE49-F238E27FC236}">
-                <a16:creationId xmlns:a16="http://schemas.microsoft.com/office/drawing/2014/main" id="{4DCED38E-3D5F-59AE-F08E-16360B00F3FC}"/>
+                <a16:creationId xmlns:a16="http://schemas.microsoft.com/office/drawing/2014/main" xmlns="" id="{4DCED38E-3D5F-59AE-F08E-16360B00F3FC}"/>
               </a:ext>
             </a:extLst>
           </p:cNvPr>
@@ -1662,7 +1662,7 @@
           <p:cNvPr id="2" name="제목 1">
             <a:extLst>
               <a:ext uri="{FF2B5EF4-FFF2-40B4-BE49-F238E27FC236}">
-                <a16:creationId xmlns:a16="http://schemas.microsoft.com/office/drawing/2014/main" id="{C4AC98FB-ABFD-A4B6-089D-9DC4AE07EC56}"/>
+                <a16:creationId xmlns:a16="http://schemas.microsoft.com/office/drawing/2014/main" xmlns="" id="{C4AC98FB-ABFD-A4B6-089D-9DC4AE07EC56}"/>
               </a:ext>
             </a:extLst>
           </p:cNvPr>
@@ -1690,7 +1690,7 @@
           <p:cNvPr id="3" name="세로 텍스트 개체 틀 2">
             <a:extLst>
               <a:ext uri="{FF2B5EF4-FFF2-40B4-BE49-F238E27FC236}">
-                <a16:creationId xmlns:a16="http://schemas.microsoft.com/office/drawing/2014/main" id="{DE3A8201-83EA-AFA9-2A36-F010FC391D48}"/>
+                <a16:creationId xmlns:a16="http://schemas.microsoft.com/office/drawing/2014/main" xmlns="" id="{DE3A8201-83EA-AFA9-2A36-F010FC391D48}"/>
               </a:ext>
             </a:extLst>
           </p:cNvPr>
@@ -1747,7 +1747,7 @@
           <p:cNvPr id="4" name="날짜 개체 틀 3">
             <a:extLst>
               <a:ext uri="{FF2B5EF4-FFF2-40B4-BE49-F238E27FC236}">
-                <a16:creationId xmlns:a16="http://schemas.microsoft.com/office/drawing/2014/main" id="{1BB76456-FE54-5BEA-500A-22DA741226C4}"/>
+                <a16:creationId xmlns:a16="http://schemas.microsoft.com/office/drawing/2014/main" xmlns="" id="{1BB76456-FE54-5BEA-500A-22DA741226C4}"/>
               </a:ext>
             </a:extLst>
           </p:cNvPr>
@@ -1765,7 +1765,7 @@
           <a:p>
             <a:fld id="{E0917728-FF84-4733-94D9-96477C72F7D6}" type="datetimeFigureOut">
               <a:rPr lang="ko-KR" altLang="en-US" smtClean="0"/>
-              <a:t>2025-03-18</a:t>
+              <a:t>2025-03-19</a:t>
             </a:fld>
             <a:endParaRPr lang="ko-KR" altLang="en-US"/>
           </a:p>
@@ -1776,7 +1776,7 @@
           <p:cNvPr id="5" name="바닥글 개체 틀 4">
             <a:extLst>
               <a:ext uri="{FF2B5EF4-FFF2-40B4-BE49-F238E27FC236}">
-                <a16:creationId xmlns:a16="http://schemas.microsoft.com/office/drawing/2014/main" id="{854DBB57-0AEB-CDE2-0208-7FF1E7AEB91E}"/>
+                <a16:creationId xmlns:a16="http://schemas.microsoft.com/office/drawing/2014/main" xmlns="" id="{854DBB57-0AEB-CDE2-0208-7FF1E7AEB91E}"/>
               </a:ext>
             </a:extLst>
           </p:cNvPr>
@@ -1801,7 +1801,7 @@
           <p:cNvPr id="6" name="슬라이드 번호 개체 틀 5">
             <a:extLst>
               <a:ext uri="{FF2B5EF4-FFF2-40B4-BE49-F238E27FC236}">
-                <a16:creationId xmlns:a16="http://schemas.microsoft.com/office/drawing/2014/main" id="{7BCF589F-FD50-3E2A-886B-9266FAEACFB2}"/>
+                <a16:creationId xmlns:a16="http://schemas.microsoft.com/office/drawing/2014/main" xmlns="" id="{7BCF589F-FD50-3E2A-886B-9266FAEACFB2}"/>
               </a:ext>
             </a:extLst>
           </p:cNvPr>
@@ -1860,7 +1860,7 @@
           <p:cNvPr id="2" name="세로 제목 1">
             <a:extLst>
               <a:ext uri="{FF2B5EF4-FFF2-40B4-BE49-F238E27FC236}">
-                <a16:creationId xmlns:a16="http://schemas.microsoft.com/office/drawing/2014/main" id="{B910D4C0-3AA8-86D4-6F25-E8FC101EDBDB}"/>
+                <a16:creationId xmlns:a16="http://schemas.microsoft.com/office/drawing/2014/main" xmlns="" id="{B910D4C0-3AA8-86D4-6F25-E8FC101EDBDB}"/>
               </a:ext>
             </a:extLst>
           </p:cNvPr>
@@ -1893,7 +1893,7 @@
           <p:cNvPr id="3" name="세로 텍스트 개체 틀 2">
             <a:extLst>
               <a:ext uri="{FF2B5EF4-FFF2-40B4-BE49-F238E27FC236}">
-                <a16:creationId xmlns:a16="http://schemas.microsoft.com/office/drawing/2014/main" id="{BFA7C42E-3949-5B2F-9216-DA642E2072FF}"/>
+                <a16:creationId xmlns:a16="http://schemas.microsoft.com/office/drawing/2014/main" xmlns="" id="{BFA7C42E-3949-5B2F-9216-DA642E2072FF}"/>
               </a:ext>
             </a:extLst>
           </p:cNvPr>
@@ -1955,7 +1955,7 @@
           <p:cNvPr id="4" name="날짜 개체 틀 3">
             <a:extLst>
               <a:ext uri="{FF2B5EF4-FFF2-40B4-BE49-F238E27FC236}">
-                <a16:creationId xmlns:a16="http://schemas.microsoft.com/office/drawing/2014/main" id="{F78D8EA8-7152-7A16-3530-ACD02C0E6A0C}"/>
+                <a16:creationId xmlns:a16="http://schemas.microsoft.com/office/drawing/2014/main" xmlns="" id="{F78D8EA8-7152-7A16-3530-ACD02C0E6A0C}"/>
               </a:ext>
             </a:extLst>
           </p:cNvPr>
@@ -1973,7 +1973,7 @@
           <a:p>
             <a:fld id="{E0917728-FF84-4733-94D9-96477C72F7D6}" type="datetimeFigureOut">
               <a:rPr lang="ko-KR" altLang="en-US" smtClean="0"/>
-              <a:t>2025-03-18</a:t>
+              <a:t>2025-03-19</a:t>
             </a:fld>
             <a:endParaRPr lang="ko-KR" altLang="en-US"/>
           </a:p>
@@ -1984,7 +1984,7 @@
           <p:cNvPr id="5" name="바닥글 개체 틀 4">
             <a:extLst>
               <a:ext uri="{FF2B5EF4-FFF2-40B4-BE49-F238E27FC236}">
-                <a16:creationId xmlns:a16="http://schemas.microsoft.com/office/drawing/2014/main" id="{9315F2CE-789B-F6D4-E968-66CC98084635}"/>
+                <a16:creationId xmlns:a16="http://schemas.microsoft.com/office/drawing/2014/main" xmlns="" id="{9315F2CE-789B-F6D4-E968-66CC98084635}"/>
               </a:ext>
             </a:extLst>
           </p:cNvPr>
@@ -2009,7 +2009,7 @@
           <p:cNvPr id="6" name="슬라이드 번호 개체 틀 5">
             <a:extLst>
               <a:ext uri="{FF2B5EF4-FFF2-40B4-BE49-F238E27FC236}">
-                <a16:creationId xmlns:a16="http://schemas.microsoft.com/office/drawing/2014/main" id="{3ABCABE6-757F-4E3C-7239-F02AC7DFB127}"/>
+                <a16:creationId xmlns:a16="http://schemas.microsoft.com/office/drawing/2014/main" xmlns="" id="{3ABCABE6-757F-4E3C-7239-F02AC7DFB127}"/>
               </a:ext>
             </a:extLst>
           </p:cNvPr>
@@ -2068,7 +2068,7 @@
           <p:cNvPr id="2" name="제목 1">
             <a:extLst>
               <a:ext uri="{FF2B5EF4-FFF2-40B4-BE49-F238E27FC236}">
-                <a16:creationId xmlns:a16="http://schemas.microsoft.com/office/drawing/2014/main" id="{6A13D7EA-1466-B582-E85E-15EFF3EB8928}"/>
+                <a16:creationId xmlns:a16="http://schemas.microsoft.com/office/drawing/2014/main" xmlns="" id="{6A13D7EA-1466-B582-E85E-15EFF3EB8928}"/>
               </a:ext>
             </a:extLst>
           </p:cNvPr>
@@ -2096,7 +2096,7 @@
           <p:cNvPr id="3" name="내용 개체 틀 2">
             <a:extLst>
               <a:ext uri="{FF2B5EF4-FFF2-40B4-BE49-F238E27FC236}">
-                <a16:creationId xmlns:a16="http://schemas.microsoft.com/office/drawing/2014/main" id="{76CB5CE6-4EDA-8547-7174-2528A92B174B}"/>
+                <a16:creationId xmlns:a16="http://schemas.microsoft.com/office/drawing/2014/main" xmlns="" id="{76CB5CE6-4EDA-8547-7174-2528A92B174B}"/>
               </a:ext>
             </a:extLst>
           </p:cNvPr>
@@ -2153,7 +2153,7 @@
           <p:cNvPr id="4" name="날짜 개체 틀 3">
             <a:extLst>
               <a:ext uri="{FF2B5EF4-FFF2-40B4-BE49-F238E27FC236}">
-                <a16:creationId xmlns:a16="http://schemas.microsoft.com/office/drawing/2014/main" id="{D1DC758C-55AF-0D7A-5FBC-8F09D3C4F190}"/>
+                <a16:creationId xmlns:a16="http://schemas.microsoft.com/office/drawing/2014/main" xmlns="" id="{D1DC758C-55AF-0D7A-5FBC-8F09D3C4F190}"/>
               </a:ext>
             </a:extLst>
           </p:cNvPr>
@@ -2171,7 +2171,7 @@
           <a:p>
             <a:fld id="{E0917728-FF84-4733-94D9-96477C72F7D6}" type="datetimeFigureOut">
               <a:rPr lang="ko-KR" altLang="en-US" smtClean="0"/>
-              <a:t>2025-03-18</a:t>
+              <a:t>2025-03-19</a:t>
             </a:fld>
             <a:endParaRPr lang="ko-KR" altLang="en-US"/>
           </a:p>
@@ -2182,7 +2182,7 @@
           <p:cNvPr id="5" name="바닥글 개체 틀 4">
             <a:extLst>
               <a:ext uri="{FF2B5EF4-FFF2-40B4-BE49-F238E27FC236}">
-                <a16:creationId xmlns:a16="http://schemas.microsoft.com/office/drawing/2014/main" id="{A77C4100-AE56-898F-6F75-149196970BE0}"/>
+                <a16:creationId xmlns:a16="http://schemas.microsoft.com/office/drawing/2014/main" xmlns="" id="{A77C4100-AE56-898F-6F75-149196970BE0}"/>
               </a:ext>
             </a:extLst>
           </p:cNvPr>
@@ -2207,7 +2207,7 @@
           <p:cNvPr id="6" name="슬라이드 번호 개체 틀 5">
             <a:extLst>
               <a:ext uri="{FF2B5EF4-FFF2-40B4-BE49-F238E27FC236}">
-                <a16:creationId xmlns:a16="http://schemas.microsoft.com/office/drawing/2014/main" id="{137F35B4-A2AA-CFE2-5E89-4568DEDFF5D5}"/>
+                <a16:creationId xmlns:a16="http://schemas.microsoft.com/office/drawing/2014/main" xmlns="" id="{137F35B4-A2AA-CFE2-5E89-4568DEDFF5D5}"/>
               </a:ext>
             </a:extLst>
           </p:cNvPr>
@@ -2266,7 +2266,7 @@
           <p:cNvPr id="2" name="제목 1">
             <a:extLst>
               <a:ext uri="{FF2B5EF4-FFF2-40B4-BE49-F238E27FC236}">
-                <a16:creationId xmlns:a16="http://schemas.microsoft.com/office/drawing/2014/main" id="{B558CD14-0ECF-2D74-377F-CEF67EA9452E}"/>
+                <a16:creationId xmlns:a16="http://schemas.microsoft.com/office/drawing/2014/main" xmlns="" id="{B558CD14-0ECF-2D74-377F-CEF67EA9452E}"/>
               </a:ext>
             </a:extLst>
           </p:cNvPr>
@@ -2303,7 +2303,7 @@
           <p:cNvPr id="3" name="텍스트 개체 틀 2">
             <a:extLst>
               <a:ext uri="{FF2B5EF4-FFF2-40B4-BE49-F238E27FC236}">
-                <a16:creationId xmlns:a16="http://schemas.microsoft.com/office/drawing/2014/main" id="{1214F566-1D5E-F4DA-83BA-1590A9F5A656}"/>
+                <a16:creationId xmlns:a16="http://schemas.microsoft.com/office/drawing/2014/main" xmlns="" id="{1214F566-1D5E-F4DA-83BA-1590A9F5A656}"/>
               </a:ext>
             </a:extLst>
           </p:cNvPr>
@@ -2428,7 +2428,7 @@
           <p:cNvPr id="4" name="날짜 개체 틀 3">
             <a:extLst>
               <a:ext uri="{FF2B5EF4-FFF2-40B4-BE49-F238E27FC236}">
-                <a16:creationId xmlns:a16="http://schemas.microsoft.com/office/drawing/2014/main" id="{E211600F-70AC-FA5C-D863-4BB0009D194B}"/>
+                <a16:creationId xmlns:a16="http://schemas.microsoft.com/office/drawing/2014/main" xmlns="" id="{E211600F-70AC-FA5C-D863-4BB0009D194B}"/>
               </a:ext>
             </a:extLst>
           </p:cNvPr>
@@ -2446,7 +2446,7 @@
           <a:p>
             <a:fld id="{E0917728-FF84-4733-94D9-96477C72F7D6}" type="datetimeFigureOut">
               <a:rPr lang="ko-KR" altLang="en-US" smtClean="0"/>
-              <a:t>2025-03-18</a:t>
+              <a:t>2025-03-19</a:t>
             </a:fld>
             <a:endParaRPr lang="ko-KR" altLang="en-US"/>
           </a:p>
@@ -2457,7 +2457,7 @@
           <p:cNvPr id="5" name="바닥글 개체 틀 4">
             <a:extLst>
               <a:ext uri="{FF2B5EF4-FFF2-40B4-BE49-F238E27FC236}">
-                <a16:creationId xmlns:a16="http://schemas.microsoft.com/office/drawing/2014/main" id="{7575640A-6772-07B1-4819-AA95D8C912D1}"/>
+                <a16:creationId xmlns:a16="http://schemas.microsoft.com/office/drawing/2014/main" xmlns="" id="{7575640A-6772-07B1-4819-AA95D8C912D1}"/>
               </a:ext>
             </a:extLst>
           </p:cNvPr>
@@ -2482,7 +2482,7 @@
           <p:cNvPr id="6" name="슬라이드 번호 개체 틀 5">
             <a:extLst>
               <a:ext uri="{FF2B5EF4-FFF2-40B4-BE49-F238E27FC236}">
-                <a16:creationId xmlns:a16="http://schemas.microsoft.com/office/drawing/2014/main" id="{5B955BFE-F5E4-9480-C3D9-E02848E1DD95}"/>
+                <a16:creationId xmlns:a16="http://schemas.microsoft.com/office/drawing/2014/main" xmlns="" id="{5B955BFE-F5E4-9480-C3D9-E02848E1DD95}"/>
               </a:ext>
             </a:extLst>
           </p:cNvPr>
@@ -2541,7 +2541,7 @@
           <p:cNvPr id="2" name="제목 1">
             <a:extLst>
               <a:ext uri="{FF2B5EF4-FFF2-40B4-BE49-F238E27FC236}">
-                <a16:creationId xmlns:a16="http://schemas.microsoft.com/office/drawing/2014/main" id="{F1788A65-22FA-14E5-5D42-16BFE7332D67}"/>
+                <a16:creationId xmlns:a16="http://schemas.microsoft.com/office/drawing/2014/main" xmlns="" id="{F1788A65-22FA-14E5-5D42-16BFE7332D67}"/>
               </a:ext>
             </a:extLst>
           </p:cNvPr>
@@ -2569,7 +2569,7 @@
           <p:cNvPr id="3" name="내용 개체 틀 2">
             <a:extLst>
               <a:ext uri="{FF2B5EF4-FFF2-40B4-BE49-F238E27FC236}">
-                <a16:creationId xmlns:a16="http://schemas.microsoft.com/office/drawing/2014/main" id="{8120282E-E60C-68D8-84D8-2D85095708E6}"/>
+                <a16:creationId xmlns:a16="http://schemas.microsoft.com/office/drawing/2014/main" xmlns="" id="{8120282E-E60C-68D8-84D8-2D85095708E6}"/>
               </a:ext>
             </a:extLst>
           </p:cNvPr>
@@ -2631,7 +2631,7 @@
           <p:cNvPr id="4" name="내용 개체 틀 3">
             <a:extLst>
               <a:ext uri="{FF2B5EF4-FFF2-40B4-BE49-F238E27FC236}">
-                <a16:creationId xmlns:a16="http://schemas.microsoft.com/office/drawing/2014/main" id="{17A18627-5291-E1D7-8D9D-8C79A1CEAD6E}"/>
+                <a16:creationId xmlns:a16="http://schemas.microsoft.com/office/drawing/2014/main" xmlns="" id="{17A18627-5291-E1D7-8D9D-8C79A1CEAD6E}"/>
               </a:ext>
             </a:extLst>
           </p:cNvPr>
@@ -2693,7 +2693,7 @@
           <p:cNvPr id="5" name="날짜 개체 틀 4">
             <a:extLst>
               <a:ext uri="{FF2B5EF4-FFF2-40B4-BE49-F238E27FC236}">
-                <a16:creationId xmlns:a16="http://schemas.microsoft.com/office/drawing/2014/main" id="{EB48C52E-9C07-3CD9-0708-19217EF14098}"/>
+                <a16:creationId xmlns:a16="http://schemas.microsoft.com/office/drawing/2014/main" xmlns="" id="{EB48C52E-9C07-3CD9-0708-19217EF14098}"/>
               </a:ext>
             </a:extLst>
           </p:cNvPr>
@@ -2711,7 +2711,7 @@
           <a:p>
             <a:fld id="{E0917728-FF84-4733-94D9-96477C72F7D6}" type="datetimeFigureOut">
               <a:rPr lang="ko-KR" altLang="en-US" smtClean="0"/>
-              <a:t>2025-03-18</a:t>
+              <a:t>2025-03-19</a:t>
             </a:fld>
             <a:endParaRPr lang="ko-KR" altLang="en-US"/>
           </a:p>
@@ -2722,7 +2722,7 @@
           <p:cNvPr id="6" name="바닥글 개체 틀 5">
             <a:extLst>
               <a:ext uri="{FF2B5EF4-FFF2-40B4-BE49-F238E27FC236}">
-                <a16:creationId xmlns:a16="http://schemas.microsoft.com/office/drawing/2014/main" id="{B46DE42B-3867-3114-3B97-CC463716ED3E}"/>
+                <a16:creationId xmlns:a16="http://schemas.microsoft.com/office/drawing/2014/main" xmlns="" id="{B46DE42B-3867-3114-3B97-CC463716ED3E}"/>
               </a:ext>
             </a:extLst>
           </p:cNvPr>
@@ -2747,7 +2747,7 @@
           <p:cNvPr id="7" name="슬라이드 번호 개체 틀 6">
             <a:extLst>
               <a:ext uri="{FF2B5EF4-FFF2-40B4-BE49-F238E27FC236}">
-                <a16:creationId xmlns:a16="http://schemas.microsoft.com/office/drawing/2014/main" id="{C87DFE0C-37BE-4882-1B1D-BF15BEA5F8B9}"/>
+                <a16:creationId xmlns:a16="http://schemas.microsoft.com/office/drawing/2014/main" xmlns="" id="{C87DFE0C-37BE-4882-1B1D-BF15BEA5F8B9}"/>
               </a:ext>
             </a:extLst>
           </p:cNvPr>
@@ -2806,7 +2806,7 @@
           <p:cNvPr id="2" name="제목 1">
             <a:extLst>
               <a:ext uri="{FF2B5EF4-FFF2-40B4-BE49-F238E27FC236}">
-                <a16:creationId xmlns:a16="http://schemas.microsoft.com/office/drawing/2014/main" id="{87A7E97A-87B0-6F34-57EF-E04FE42B9032}"/>
+                <a16:creationId xmlns:a16="http://schemas.microsoft.com/office/drawing/2014/main" xmlns="" id="{87A7E97A-87B0-6F34-57EF-E04FE42B9032}"/>
               </a:ext>
             </a:extLst>
           </p:cNvPr>
@@ -2839,7 +2839,7 @@
           <p:cNvPr id="3" name="텍스트 개체 틀 2">
             <a:extLst>
               <a:ext uri="{FF2B5EF4-FFF2-40B4-BE49-F238E27FC236}">
-                <a16:creationId xmlns:a16="http://schemas.microsoft.com/office/drawing/2014/main" id="{A59A23BA-88AF-3D29-4B0E-827E2A90751D}"/>
+                <a16:creationId xmlns:a16="http://schemas.microsoft.com/office/drawing/2014/main" xmlns="" id="{A59A23BA-88AF-3D29-4B0E-827E2A90751D}"/>
               </a:ext>
             </a:extLst>
           </p:cNvPr>
@@ -2910,7 +2910,7 @@
           <p:cNvPr id="4" name="내용 개체 틀 3">
             <a:extLst>
               <a:ext uri="{FF2B5EF4-FFF2-40B4-BE49-F238E27FC236}">
-                <a16:creationId xmlns:a16="http://schemas.microsoft.com/office/drawing/2014/main" id="{82776E72-CC74-0BC7-DCAB-E7E3232597D3}"/>
+                <a16:creationId xmlns:a16="http://schemas.microsoft.com/office/drawing/2014/main" xmlns="" id="{82776E72-CC74-0BC7-DCAB-E7E3232597D3}"/>
               </a:ext>
             </a:extLst>
           </p:cNvPr>
@@ -2972,7 +2972,7 @@
           <p:cNvPr id="5" name="텍스트 개체 틀 4">
             <a:extLst>
               <a:ext uri="{FF2B5EF4-FFF2-40B4-BE49-F238E27FC236}">
-                <a16:creationId xmlns:a16="http://schemas.microsoft.com/office/drawing/2014/main" id="{03B8C2CD-BCC2-5B60-2C84-B9155362506C}"/>
+                <a16:creationId xmlns:a16="http://schemas.microsoft.com/office/drawing/2014/main" xmlns="" id="{03B8C2CD-BCC2-5B60-2C84-B9155362506C}"/>
               </a:ext>
             </a:extLst>
           </p:cNvPr>
@@ -3043,7 +3043,7 @@
           <p:cNvPr id="6" name="내용 개체 틀 5">
             <a:extLst>
               <a:ext uri="{FF2B5EF4-FFF2-40B4-BE49-F238E27FC236}">
-                <a16:creationId xmlns:a16="http://schemas.microsoft.com/office/drawing/2014/main" id="{6C8A9CB0-92A0-8C61-F633-3E520E341D22}"/>
+                <a16:creationId xmlns:a16="http://schemas.microsoft.com/office/drawing/2014/main" xmlns="" id="{6C8A9CB0-92A0-8C61-F633-3E520E341D22}"/>
               </a:ext>
             </a:extLst>
           </p:cNvPr>
@@ -3105,7 +3105,7 @@
           <p:cNvPr id="7" name="날짜 개체 틀 6">
             <a:extLst>
               <a:ext uri="{FF2B5EF4-FFF2-40B4-BE49-F238E27FC236}">
-                <a16:creationId xmlns:a16="http://schemas.microsoft.com/office/drawing/2014/main" id="{77D52610-2E6B-7F0C-EFAE-34F080D81917}"/>
+                <a16:creationId xmlns:a16="http://schemas.microsoft.com/office/drawing/2014/main" xmlns="" id="{77D52610-2E6B-7F0C-EFAE-34F080D81917}"/>
               </a:ext>
             </a:extLst>
           </p:cNvPr>
@@ -3123,7 +3123,7 @@
           <a:p>
             <a:fld id="{E0917728-FF84-4733-94D9-96477C72F7D6}" type="datetimeFigureOut">
               <a:rPr lang="ko-KR" altLang="en-US" smtClean="0"/>
-              <a:t>2025-03-18</a:t>
+              <a:t>2025-03-19</a:t>
             </a:fld>
             <a:endParaRPr lang="ko-KR" altLang="en-US"/>
           </a:p>
@@ -3134,7 +3134,7 @@
           <p:cNvPr id="8" name="바닥글 개체 틀 7">
             <a:extLst>
               <a:ext uri="{FF2B5EF4-FFF2-40B4-BE49-F238E27FC236}">
-                <a16:creationId xmlns:a16="http://schemas.microsoft.com/office/drawing/2014/main" id="{E96F7A05-AB68-C081-F0B7-44FC69C71994}"/>
+                <a16:creationId xmlns:a16="http://schemas.microsoft.com/office/drawing/2014/main" xmlns="" id="{E96F7A05-AB68-C081-F0B7-44FC69C71994}"/>
               </a:ext>
             </a:extLst>
           </p:cNvPr>
@@ -3159,7 +3159,7 @@
           <p:cNvPr id="9" name="슬라이드 번호 개체 틀 8">
             <a:extLst>
               <a:ext uri="{FF2B5EF4-FFF2-40B4-BE49-F238E27FC236}">
-                <a16:creationId xmlns:a16="http://schemas.microsoft.com/office/drawing/2014/main" id="{833A9A21-FBF0-D717-B686-A182CC61862E}"/>
+                <a16:creationId xmlns:a16="http://schemas.microsoft.com/office/drawing/2014/main" xmlns="" id="{833A9A21-FBF0-D717-B686-A182CC61862E}"/>
               </a:ext>
             </a:extLst>
           </p:cNvPr>
@@ -3218,7 +3218,7 @@
           <p:cNvPr id="2" name="제목 1">
             <a:extLst>
               <a:ext uri="{FF2B5EF4-FFF2-40B4-BE49-F238E27FC236}">
-                <a16:creationId xmlns:a16="http://schemas.microsoft.com/office/drawing/2014/main" id="{315B99FF-AE0D-3DCB-21AD-B2840D069A1A}"/>
+                <a16:creationId xmlns:a16="http://schemas.microsoft.com/office/drawing/2014/main" xmlns="" id="{315B99FF-AE0D-3DCB-21AD-B2840D069A1A}"/>
               </a:ext>
             </a:extLst>
           </p:cNvPr>
@@ -3246,7 +3246,7 @@
           <p:cNvPr id="3" name="날짜 개체 틀 2">
             <a:extLst>
               <a:ext uri="{FF2B5EF4-FFF2-40B4-BE49-F238E27FC236}">
-                <a16:creationId xmlns:a16="http://schemas.microsoft.com/office/drawing/2014/main" id="{DA1DA211-366F-3C69-180B-B98CC283C650}"/>
+                <a16:creationId xmlns:a16="http://schemas.microsoft.com/office/drawing/2014/main" xmlns="" id="{DA1DA211-366F-3C69-180B-B98CC283C650}"/>
               </a:ext>
             </a:extLst>
           </p:cNvPr>
@@ -3264,7 +3264,7 @@
           <a:p>
             <a:fld id="{E0917728-FF84-4733-94D9-96477C72F7D6}" type="datetimeFigureOut">
               <a:rPr lang="ko-KR" altLang="en-US" smtClean="0"/>
-              <a:t>2025-03-18</a:t>
+              <a:t>2025-03-19</a:t>
             </a:fld>
             <a:endParaRPr lang="ko-KR" altLang="en-US"/>
           </a:p>
@@ -3275,7 +3275,7 @@
           <p:cNvPr id="4" name="바닥글 개체 틀 3">
             <a:extLst>
               <a:ext uri="{FF2B5EF4-FFF2-40B4-BE49-F238E27FC236}">
-                <a16:creationId xmlns:a16="http://schemas.microsoft.com/office/drawing/2014/main" id="{621FB0FB-6873-E18F-060A-D6A11D7BB581}"/>
+                <a16:creationId xmlns:a16="http://schemas.microsoft.com/office/drawing/2014/main" xmlns="" id="{621FB0FB-6873-E18F-060A-D6A11D7BB581}"/>
               </a:ext>
             </a:extLst>
           </p:cNvPr>
@@ -3300,7 +3300,7 @@
           <p:cNvPr id="5" name="슬라이드 번호 개체 틀 4">
             <a:extLst>
               <a:ext uri="{FF2B5EF4-FFF2-40B4-BE49-F238E27FC236}">
-                <a16:creationId xmlns:a16="http://schemas.microsoft.com/office/drawing/2014/main" id="{9C0CE81C-E8C3-B810-9D88-E89FB0371290}"/>
+                <a16:creationId xmlns:a16="http://schemas.microsoft.com/office/drawing/2014/main" xmlns="" id="{9C0CE81C-E8C3-B810-9D88-E89FB0371290}"/>
               </a:ext>
             </a:extLst>
           </p:cNvPr>
@@ -3359,7 +3359,7 @@
           <p:cNvPr id="2" name="날짜 개체 틀 1">
             <a:extLst>
               <a:ext uri="{FF2B5EF4-FFF2-40B4-BE49-F238E27FC236}">
-                <a16:creationId xmlns:a16="http://schemas.microsoft.com/office/drawing/2014/main" id="{6539BE36-2BBD-C56A-5430-CC6EB9A109E4}"/>
+                <a16:creationId xmlns:a16="http://schemas.microsoft.com/office/drawing/2014/main" xmlns="" id="{6539BE36-2BBD-C56A-5430-CC6EB9A109E4}"/>
               </a:ext>
             </a:extLst>
           </p:cNvPr>
@@ -3377,7 +3377,7 @@
           <a:p>
             <a:fld id="{E0917728-FF84-4733-94D9-96477C72F7D6}" type="datetimeFigureOut">
               <a:rPr lang="ko-KR" altLang="en-US" smtClean="0"/>
-              <a:t>2025-03-18</a:t>
+              <a:t>2025-03-19</a:t>
             </a:fld>
             <a:endParaRPr lang="ko-KR" altLang="en-US"/>
           </a:p>
@@ -3388,7 +3388,7 @@
           <p:cNvPr id="3" name="바닥글 개체 틀 2">
             <a:extLst>
               <a:ext uri="{FF2B5EF4-FFF2-40B4-BE49-F238E27FC236}">
-                <a16:creationId xmlns:a16="http://schemas.microsoft.com/office/drawing/2014/main" id="{78F671AC-45D8-CF62-4829-91D77EC60932}"/>
+                <a16:creationId xmlns:a16="http://schemas.microsoft.com/office/drawing/2014/main" xmlns="" id="{78F671AC-45D8-CF62-4829-91D77EC60932}"/>
               </a:ext>
             </a:extLst>
           </p:cNvPr>
@@ -3413,7 +3413,7 @@
           <p:cNvPr id="4" name="슬라이드 번호 개체 틀 3">
             <a:extLst>
               <a:ext uri="{FF2B5EF4-FFF2-40B4-BE49-F238E27FC236}">
-                <a16:creationId xmlns:a16="http://schemas.microsoft.com/office/drawing/2014/main" id="{DCDA8975-267D-7D2E-4AE9-863F8F0554E2}"/>
+                <a16:creationId xmlns:a16="http://schemas.microsoft.com/office/drawing/2014/main" xmlns="" id="{DCDA8975-267D-7D2E-4AE9-863F8F0554E2}"/>
               </a:ext>
             </a:extLst>
           </p:cNvPr>
@@ -3472,7 +3472,7 @@
           <p:cNvPr id="2" name="제목 1">
             <a:extLst>
               <a:ext uri="{FF2B5EF4-FFF2-40B4-BE49-F238E27FC236}">
-                <a16:creationId xmlns:a16="http://schemas.microsoft.com/office/drawing/2014/main" id="{21294700-5166-0543-9F04-C3BC542C82E3}"/>
+                <a16:creationId xmlns:a16="http://schemas.microsoft.com/office/drawing/2014/main" xmlns="" id="{21294700-5166-0543-9F04-C3BC542C82E3}"/>
               </a:ext>
             </a:extLst>
           </p:cNvPr>
@@ -3509,7 +3509,7 @@
           <p:cNvPr id="3" name="내용 개체 틀 2">
             <a:extLst>
               <a:ext uri="{FF2B5EF4-FFF2-40B4-BE49-F238E27FC236}">
-                <a16:creationId xmlns:a16="http://schemas.microsoft.com/office/drawing/2014/main" id="{818BF95C-410C-0FCB-0D8D-78EEDD54A360}"/>
+                <a16:creationId xmlns:a16="http://schemas.microsoft.com/office/drawing/2014/main" xmlns="" id="{818BF95C-410C-0FCB-0D8D-78EEDD54A360}"/>
               </a:ext>
             </a:extLst>
           </p:cNvPr>
@@ -3599,7 +3599,7 @@
           <p:cNvPr id="4" name="텍스트 개체 틀 3">
             <a:extLst>
               <a:ext uri="{FF2B5EF4-FFF2-40B4-BE49-F238E27FC236}">
-                <a16:creationId xmlns:a16="http://schemas.microsoft.com/office/drawing/2014/main" id="{B7A31AAF-4997-2455-95CE-3B5C94BC602F}"/>
+                <a16:creationId xmlns:a16="http://schemas.microsoft.com/office/drawing/2014/main" xmlns="" id="{B7A31AAF-4997-2455-95CE-3B5C94BC602F}"/>
               </a:ext>
             </a:extLst>
           </p:cNvPr>
@@ -3670,7 +3670,7 @@
           <p:cNvPr id="5" name="날짜 개체 틀 4">
             <a:extLst>
               <a:ext uri="{FF2B5EF4-FFF2-40B4-BE49-F238E27FC236}">
-                <a16:creationId xmlns:a16="http://schemas.microsoft.com/office/drawing/2014/main" id="{F4E9D385-8F1B-2921-0888-E2FDD6C7164B}"/>
+                <a16:creationId xmlns:a16="http://schemas.microsoft.com/office/drawing/2014/main" xmlns="" id="{F4E9D385-8F1B-2921-0888-E2FDD6C7164B}"/>
               </a:ext>
             </a:extLst>
           </p:cNvPr>
@@ -3688,7 +3688,7 @@
           <a:p>
             <a:fld id="{E0917728-FF84-4733-94D9-96477C72F7D6}" type="datetimeFigureOut">
               <a:rPr lang="ko-KR" altLang="en-US" smtClean="0"/>
-              <a:t>2025-03-18</a:t>
+              <a:t>2025-03-19</a:t>
             </a:fld>
             <a:endParaRPr lang="ko-KR" altLang="en-US"/>
           </a:p>
@@ -3699,7 +3699,7 @@
           <p:cNvPr id="6" name="바닥글 개체 틀 5">
             <a:extLst>
               <a:ext uri="{FF2B5EF4-FFF2-40B4-BE49-F238E27FC236}">
-                <a16:creationId xmlns:a16="http://schemas.microsoft.com/office/drawing/2014/main" id="{74803FAA-41F6-3A6A-3DDC-5D0FA69FE797}"/>
+                <a16:creationId xmlns:a16="http://schemas.microsoft.com/office/drawing/2014/main" xmlns="" id="{74803FAA-41F6-3A6A-3DDC-5D0FA69FE797}"/>
               </a:ext>
             </a:extLst>
           </p:cNvPr>
@@ -3724,7 +3724,7 @@
           <p:cNvPr id="7" name="슬라이드 번호 개체 틀 6">
             <a:extLst>
               <a:ext uri="{FF2B5EF4-FFF2-40B4-BE49-F238E27FC236}">
-                <a16:creationId xmlns:a16="http://schemas.microsoft.com/office/drawing/2014/main" id="{BB7326E7-1EC4-1CAB-6724-F70D2F78DB07}"/>
+                <a16:creationId xmlns:a16="http://schemas.microsoft.com/office/drawing/2014/main" xmlns="" id="{BB7326E7-1EC4-1CAB-6724-F70D2F78DB07}"/>
               </a:ext>
             </a:extLst>
           </p:cNvPr>
@@ -3783,7 +3783,7 @@
           <p:cNvPr id="2" name="제목 1">
             <a:extLst>
               <a:ext uri="{FF2B5EF4-FFF2-40B4-BE49-F238E27FC236}">
-                <a16:creationId xmlns:a16="http://schemas.microsoft.com/office/drawing/2014/main" id="{B0A437B4-DCF7-889F-AC43-55A980B8D9B0}"/>
+                <a16:creationId xmlns:a16="http://schemas.microsoft.com/office/drawing/2014/main" xmlns="" id="{B0A437B4-DCF7-889F-AC43-55A980B8D9B0}"/>
               </a:ext>
             </a:extLst>
           </p:cNvPr>
@@ -3820,7 +3820,7 @@
           <p:cNvPr id="3" name="그림 개체 틀 2">
             <a:extLst>
               <a:ext uri="{FF2B5EF4-FFF2-40B4-BE49-F238E27FC236}">
-                <a16:creationId xmlns:a16="http://schemas.microsoft.com/office/drawing/2014/main" id="{3D99663C-587F-24DA-D777-838799D425DC}"/>
+                <a16:creationId xmlns:a16="http://schemas.microsoft.com/office/drawing/2014/main" xmlns="" id="{3D99663C-587F-24DA-D777-838799D425DC}"/>
               </a:ext>
             </a:extLst>
           </p:cNvPr>
@@ -3887,7 +3887,7 @@
           <p:cNvPr id="4" name="텍스트 개체 틀 3">
             <a:extLst>
               <a:ext uri="{FF2B5EF4-FFF2-40B4-BE49-F238E27FC236}">
-                <a16:creationId xmlns:a16="http://schemas.microsoft.com/office/drawing/2014/main" id="{5CD40B18-171C-2BE4-864B-CF942902731A}"/>
+                <a16:creationId xmlns:a16="http://schemas.microsoft.com/office/drawing/2014/main" xmlns="" id="{5CD40B18-171C-2BE4-864B-CF942902731A}"/>
               </a:ext>
             </a:extLst>
           </p:cNvPr>
@@ -3958,7 +3958,7 @@
           <p:cNvPr id="5" name="날짜 개체 틀 4">
             <a:extLst>
               <a:ext uri="{FF2B5EF4-FFF2-40B4-BE49-F238E27FC236}">
-                <a16:creationId xmlns:a16="http://schemas.microsoft.com/office/drawing/2014/main" id="{861B8F27-A36E-B59E-131A-BF85162FB552}"/>
+                <a16:creationId xmlns:a16="http://schemas.microsoft.com/office/drawing/2014/main" xmlns="" id="{861B8F27-A36E-B59E-131A-BF85162FB552}"/>
               </a:ext>
             </a:extLst>
           </p:cNvPr>
@@ -3976,7 +3976,7 @@
           <a:p>
             <a:fld id="{E0917728-FF84-4733-94D9-96477C72F7D6}" type="datetimeFigureOut">
               <a:rPr lang="ko-KR" altLang="en-US" smtClean="0"/>
-              <a:t>2025-03-18</a:t>
+              <a:t>2025-03-19</a:t>
             </a:fld>
             <a:endParaRPr lang="ko-KR" altLang="en-US"/>
           </a:p>
@@ -3987,7 +3987,7 @@
           <p:cNvPr id="6" name="바닥글 개체 틀 5">
             <a:extLst>
               <a:ext uri="{FF2B5EF4-FFF2-40B4-BE49-F238E27FC236}">
-                <a16:creationId xmlns:a16="http://schemas.microsoft.com/office/drawing/2014/main" id="{AF76A810-1CAA-2912-F6D8-8F5A53E12C17}"/>
+                <a16:creationId xmlns:a16="http://schemas.microsoft.com/office/drawing/2014/main" xmlns="" id="{AF76A810-1CAA-2912-F6D8-8F5A53E12C17}"/>
               </a:ext>
             </a:extLst>
           </p:cNvPr>
@@ -4012,7 +4012,7 @@
           <p:cNvPr id="7" name="슬라이드 번호 개체 틀 6">
             <a:extLst>
               <a:ext uri="{FF2B5EF4-FFF2-40B4-BE49-F238E27FC236}">
-                <a16:creationId xmlns:a16="http://schemas.microsoft.com/office/drawing/2014/main" id="{5AE84830-3613-9AFB-BACE-8228E77BDDE4}"/>
+                <a16:creationId xmlns:a16="http://schemas.microsoft.com/office/drawing/2014/main" xmlns="" id="{5AE84830-3613-9AFB-BACE-8228E77BDDE4}"/>
               </a:ext>
             </a:extLst>
           </p:cNvPr>
@@ -4076,7 +4076,7 @@
           <p:cNvPr id="2" name="제목 개체 틀 1">
             <a:extLst>
               <a:ext uri="{FF2B5EF4-FFF2-40B4-BE49-F238E27FC236}">
-                <a16:creationId xmlns:a16="http://schemas.microsoft.com/office/drawing/2014/main" id="{2E5569DF-56D7-C7A2-53AA-EF726ECB14AF}"/>
+                <a16:creationId xmlns:a16="http://schemas.microsoft.com/office/drawing/2014/main" xmlns="" id="{2E5569DF-56D7-C7A2-53AA-EF726ECB14AF}"/>
               </a:ext>
             </a:extLst>
           </p:cNvPr>
@@ -4114,7 +4114,7 @@
           <p:cNvPr id="3" name="텍스트 개체 틀 2">
             <a:extLst>
               <a:ext uri="{FF2B5EF4-FFF2-40B4-BE49-F238E27FC236}">
-                <a16:creationId xmlns:a16="http://schemas.microsoft.com/office/drawing/2014/main" id="{81E7C24D-A503-11FC-C915-D138EFE0C72E}"/>
+                <a16:creationId xmlns:a16="http://schemas.microsoft.com/office/drawing/2014/main" xmlns="" id="{81E7C24D-A503-11FC-C915-D138EFE0C72E}"/>
               </a:ext>
             </a:extLst>
           </p:cNvPr>
@@ -4181,7 +4181,7 @@
           <p:cNvPr id="4" name="날짜 개체 틀 3">
             <a:extLst>
               <a:ext uri="{FF2B5EF4-FFF2-40B4-BE49-F238E27FC236}">
-                <a16:creationId xmlns:a16="http://schemas.microsoft.com/office/drawing/2014/main" id="{1A92F23E-29F0-6012-74E7-EBF6B57CFCF3}"/>
+                <a16:creationId xmlns:a16="http://schemas.microsoft.com/office/drawing/2014/main" xmlns="" id="{1A92F23E-29F0-6012-74E7-EBF6B57CFCF3}"/>
               </a:ext>
             </a:extLst>
           </p:cNvPr>
@@ -4217,7 +4217,7 @@
           <a:p>
             <a:fld id="{E0917728-FF84-4733-94D9-96477C72F7D6}" type="datetimeFigureOut">
               <a:rPr lang="ko-KR" altLang="en-US" smtClean="0"/>
-              <a:t>2025-03-18</a:t>
+              <a:t>2025-03-19</a:t>
             </a:fld>
             <a:endParaRPr lang="ko-KR" altLang="en-US"/>
           </a:p>
@@ -4228,7 +4228,7 @@
           <p:cNvPr id="5" name="바닥글 개체 틀 4">
             <a:extLst>
               <a:ext uri="{FF2B5EF4-FFF2-40B4-BE49-F238E27FC236}">
-                <a16:creationId xmlns:a16="http://schemas.microsoft.com/office/drawing/2014/main" id="{F7C48327-11E1-F4F4-ECE5-F39C6ADB39A5}"/>
+                <a16:creationId xmlns:a16="http://schemas.microsoft.com/office/drawing/2014/main" xmlns="" id="{F7C48327-11E1-F4F4-ECE5-F39C6ADB39A5}"/>
               </a:ext>
             </a:extLst>
           </p:cNvPr>
@@ -4271,7 +4271,7 @@
           <p:cNvPr id="6" name="슬라이드 번호 개체 틀 5">
             <a:extLst>
               <a:ext uri="{FF2B5EF4-FFF2-40B4-BE49-F238E27FC236}">
-                <a16:creationId xmlns:a16="http://schemas.microsoft.com/office/drawing/2014/main" id="{FE7B1FF4-824B-8C28-5C72-11A5887750DA}"/>
+                <a16:creationId xmlns:a16="http://schemas.microsoft.com/office/drawing/2014/main" xmlns="" id="{FE7B1FF4-824B-8C28-5C72-11A5887750DA}"/>
               </a:ext>
             </a:extLst>
           </p:cNvPr>
@@ -4639,7 +4639,7 @@
           <p:cNvPr id="2" name="제목 1">
             <a:extLst>
               <a:ext uri="{FF2B5EF4-FFF2-40B4-BE49-F238E27FC236}">
-                <a16:creationId xmlns:a16="http://schemas.microsoft.com/office/drawing/2014/main" id="{024DE9E7-37EB-9BB2-C5B6-509C444FC446}"/>
+                <a16:creationId xmlns:a16="http://schemas.microsoft.com/office/drawing/2014/main" xmlns="" id="{024DE9E7-37EB-9BB2-C5B6-509C444FC446}"/>
               </a:ext>
             </a:extLst>
           </p:cNvPr>
@@ -4659,6 +4659,10 @@
               <a:rPr lang="ko-KR" altLang="en-US" dirty="0"/>
               <a:t>인과추론 스터디</a:t>
             </a:r>
+            <a:r>
+              <a:rPr lang="en-US" altLang="ko-KR" dirty="0"/>
+              <a:t/>
+            </a:r>
             <a:br>
               <a:rPr lang="en-US" altLang="ko-KR" dirty="0"/>
             </a:br>
@@ -4678,7 +4682,7 @@
           <p:cNvPr id="3" name="부제목 2">
             <a:extLst>
               <a:ext uri="{FF2B5EF4-FFF2-40B4-BE49-F238E27FC236}">
-                <a16:creationId xmlns:a16="http://schemas.microsoft.com/office/drawing/2014/main" id="{A4FE4722-00EE-7B62-A490-7678E78D594C}"/>
+                <a16:creationId xmlns:a16="http://schemas.microsoft.com/office/drawing/2014/main" xmlns="" id="{A4FE4722-00EE-7B62-A490-7678E78D594C}"/>
               </a:ext>
             </a:extLst>
           </p:cNvPr>
@@ -4747,7 +4751,7 @@
         <p:cNvPr id="1" name="">
           <a:extLst>
             <a:ext uri="{FF2B5EF4-FFF2-40B4-BE49-F238E27FC236}">
-              <a16:creationId xmlns:a16="http://schemas.microsoft.com/office/drawing/2014/main" id="{74D8E53C-32CE-A0BE-B75D-1B5EC5441AEA}"/>
+              <a16:creationId xmlns:a16="http://schemas.microsoft.com/office/drawing/2014/main" xmlns="" id="{74D8E53C-32CE-A0BE-B75D-1B5EC5441AEA}"/>
             </a:ext>
           </a:extLst>
         </p:cNvPr>
@@ -4767,7 +4771,7 @@
           <p:cNvPr id="2" name="제목 1">
             <a:extLst>
               <a:ext uri="{FF2B5EF4-FFF2-40B4-BE49-F238E27FC236}">
-                <a16:creationId xmlns:a16="http://schemas.microsoft.com/office/drawing/2014/main" id="{63172539-1E7B-5B50-7E47-25973CB156A6}"/>
+                <a16:creationId xmlns:a16="http://schemas.microsoft.com/office/drawing/2014/main" xmlns="" id="{63172539-1E7B-5B50-7E47-25973CB156A6}"/>
               </a:ext>
             </a:extLst>
           </p:cNvPr>
@@ -4803,7 +4807,7 @@
           <p:cNvPr id="3" name="TextBox 2">
             <a:extLst>
               <a:ext uri="{FF2B5EF4-FFF2-40B4-BE49-F238E27FC236}">
-                <a16:creationId xmlns:a16="http://schemas.microsoft.com/office/drawing/2014/main" id="{02964F94-EEB1-8706-70CF-7404C15576C2}"/>
+                <a16:creationId xmlns:a16="http://schemas.microsoft.com/office/drawing/2014/main" xmlns="" id="{02964F94-EEB1-8706-70CF-7404C15576C2}"/>
               </a:ext>
             </a:extLst>
           </p:cNvPr>
@@ -5007,7 +5011,7 @@
         <p:cNvPr id="1" name="">
           <a:extLst>
             <a:ext uri="{FF2B5EF4-FFF2-40B4-BE49-F238E27FC236}">
-              <a16:creationId xmlns:a16="http://schemas.microsoft.com/office/drawing/2014/main" id="{18C10840-3832-1DB9-5B13-FCF02AF599EA}"/>
+              <a16:creationId xmlns:a16="http://schemas.microsoft.com/office/drawing/2014/main" xmlns="" id="{18C10840-3832-1DB9-5B13-FCF02AF599EA}"/>
             </a:ext>
           </a:extLst>
         </p:cNvPr>
@@ -5027,7 +5031,7 @@
           <p:cNvPr id="2" name="제목 1">
             <a:extLst>
               <a:ext uri="{FF2B5EF4-FFF2-40B4-BE49-F238E27FC236}">
-                <a16:creationId xmlns:a16="http://schemas.microsoft.com/office/drawing/2014/main" id="{F27A603E-3D55-F09D-ED13-967FE03F333F}"/>
+                <a16:creationId xmlns:a16="http://schemas.microsoft.com/office/drawing/2014/main" xmlns="" id="{F27A603E-3D55-F09D-ED13-967FE03F333F}"/>
               </a:ext>
             </a:extLst>
           </p:cNvPr>
@@ -5058,14 +5062,14 @@
           </a:p>
         </p:txBody>
       </p:sp>
-      <mc:AlternateContent xmlns:mc="http://schemas.openxmlformats.org/markup-compatibility/2006">
-        <mc:Choice xmlns:a14="http://schemas.microsoft.com/office/drawing/2010/main" Requires="a14">
+      <mc:AlternateContent xmlns:mc="http://schemas.openxmlformats.org/markup-compatibility/2006" xmlns:a14="http://schemas.microsoft.com/office/drawing/2010/main">
+        <mc:Choice Requires="a14">
           <p:sp>
             <p:nvSpPr>
               <p:cNvPr id="3" name="TextBox 2">
                 <a:extLst>
                   <a:ext uri="{FF2B5EF4-FFF2-40B4-BE49-F238E27FC236}">
-                    <a16:creationId xmlns:a16="http://schemas.microsoft.com/office/drawing/2014/main" id="{AD04664E-531E-988C-4519-6BB29C02C49D}"/>
+                    <a16:creationId xmlns:a16="http://schemas.microsoft.com/office/drawing/2014/main" xmlns="" id="{AD04664E-531E-988C-4519-6BB29C02C49D}"/>
                   </a:ext>
                 </a:extLst>
               </p:cNvPr>
@@ -5088,6 +5092,7 @@
               </a:bodyPr>
               <a:lstStyle/>
               <a:p>
+                <a:pPr/>
                 <a14:m>
                   <m:oMathPara xmlns:m="http://schemas.openxmlformats.org/officeDocument/2006/math">
                     <m:oMathParaPr>
@@ -5609,7 +5614,7 @@
             </p:txBody>
           </p:sp>
         </mc:Choice>
-        <mc:Fallback>
+        <mc:Fallback xmlns="">
           <p:sp>
             <p:nvSpPr>
               <p:cNvPr id="3" name="TextBox 2">
@@ -5675,7 +5680,7 @@
         <p:cNvPr id="1" name="">
           <a:extLst>
             <a:ext uri="{FF2B5EF4-FFF2-40B4-BE49-F238E27FC236}">
-              <a16:creationId xmlns:a16="http://schemas.microsoft.com/office/drawing/2014/main" id="{9254BFC5-B7AC-5C33-36B9-771C68A6591E}"/>
+              <a16:creationId xmlns:a16="http://schemas.microsoft.com/office/drawing/2014/main" xmlns="" id="{9254BFC5-B7AC-5C33-36B9-771C68A6591E}"/>
             </a:ext>
           </a:extLst>
         </p:cNvPr>
@@ -5695,7 +5700,7 @@
           <p:cNvPr id="2" name="제목 1">
             <a:extLst>
               <a:ext uri="{FF2B5EF4-FFF2-40B4-BE49-F238E27FC236}">
-                <a16:creationId xmlns:a16="http://schemas.microsoft.com/office/drawing/2014/main" id="{D117FE7E-9F83-9DE6-89C6-880C15E9B836}"/>
+                <a16:creationId xmlns:a16="http://schemas.microsoft.com/office/drawing/2014/main" xmlns="" id="{D117FE7E-9F83-9DE6-89C6-880C15E9B836}"/>
               </a:ext>
             </a:extLst>
           </p:cNvPr>
@@ -5731,7 +5736,7 @@
           <p:cNvPr id="4" name="그림 3">
             <a:extLst>
               <a:ext uri="{FF2B5EF4-FFF2-40B4-BE49-F238E27FC236}">
-                <a16:creationId xmlns:a16="http://schemas.microsoft.com/office/drawing/2014/main" id="{8283B87C-A85B-602D-C41D-6031663B480E}"/>
+                <a16:creationId xmlns:a16="http://schemas.microsoft.com/office/drawing/2014/main" xmlns="" id="{8283B87C-A85B-602D-C41D-6031663B480E}"/>
               </a:ext>
             </a:extLst>
           </p:cNvPr>
@@ -5761,7 +5766,7 @@
           <p:cNvPr id="5" name="TextBox 4">
             <a:extLst>
               <a:ext uri="{FF2B5EF4-FFF2-40B4-BE49-F238E27FC236}">
-                <a16:creationId xmlns:a16="http://schemas.microsoft.com/office/drawing/2014/main" id="{EA6B8746-A085-0065-A793-B9B940017EAC}"/>
+                <a16:creationId xmlns:a16="http://schemas.microsoft.com/office/drawing/2014/main" xmlns="" id="{EA6B8746-A085-0065-A793-B9B940017EAC}"/>
               </a:ext>
             </a:extLst>
           </p:cNvPr>
@@ -5800,7 +5805,7 @@
           <p:cNvPr id="7" name="직선 연결선 6">
             <a:extLst>
               <a:ext uri="{FF2B5EF4-FFF2-40B4-BE49-F238E27FC236}">
-                <a16:creationId xmlns:a16="http://schemas.microsoft.com/office/drawing/2014/main" id="{9A5D1B73-7731-0D67-07B7-1AE271161F6E}"/>
+                <a16:creationId xmlns:a16="http://schemas.microsoft.com/office/drawing/2014/main" xmlns="" id="{9A5D1B73-7731-0D67-07B7-1AE271161F6E}"/>
               </a:ext>
             </a:extLst>
           </p:cNvPr>
@@ -5836,7 +5841,7 @@
           <p:cNvPr id="8" name="TextBox 7">
             <a:extLst>
               <a:ext uri="{FF2B5EF4-FFF2-40B4-BE49-F238E27FC236}">
-                <a16:creationId xmlns:a16="http://schemas.microsoft.com/office/drawing/2014/main" id="{C2C3F293-AAD5-6B80-742C-411D7D5EC638}"/>
+                <a16:creationId xmlns:a16="http://schemas.microsoft.com/office/drawing/2014/main" xmlns="" id="{C2C3F293-AAD5-6B80-742C-411D7D5EC638}"/>
               </a:ext>
             </a:extLst>
           </p:cNvPr>
@@ -5846,7 +5851,7 @@
         <p:spPr>
           <a:xfrm>
             <a:off x="6400800" y="2105891"/>
-            <a:ext cx="4641273" cy="2031325"/>
+            <a:ext cx="4641273" cy="3693319"/>
           </a:xfrm>
           <a:prstGeom prst="rect">
             <a:avLst/>
@@ -5927,12 +5932,43 @@
             </a:r>
             <a:r>
               <a:rPr lang="ko-KR" altLang="en-US" dirty="0"/>
-              <a:t> 추정할 수 있음</a:t>
-            </a:r>
-            <a:r>
-              <a:rPr lang="en-US" altLang="ko-KR" dirty="0"/>
+              <a:t> 추정할 수 </a:t>
+            </a:r>
+            <a:r>
+              <a:rPr lang="ko-KR" altLang="en-US"/>
+              <a:t>있음</a:t>
+            </a:r>
+            <a:r>
+              <a:rPr lang="en-US" altLang="ko-KR" dirty="0" smtClean="0"/>
               <a:t>.</a:t>
             </a:r>
+          </a:p>
+          <a:p>
+            <a:endParaRPr lang="en-US" altLang="ko-KR" dirty="0"/>
+          </a:p>
+          <a:p>
+            <a:endParaRPr lang="en-US" altLang="ko-KR" dirty="0" smtClean="0"/>
+          </a:p>
+          <a:p>
+            <a:r>
+              <a:rPr lang="ko-KR" altLang="en-US" dirty="0" smtClean="0"/>
+              <a:t>성향 점수가 같은 사람의 의미 </a:t>
+            </a:r>
+            <a:r>
+              <a:rPr lang="en-US" altLang="ko-KR" dirty="0" smtClean="0"/>
+              <a:t>?</a:t>
+            </a:r>
+          </a:p>
+          <a:p>
+            <a:r>
+              <a:rPr lang="ko-KR" altLang="en-US" dirty="0" smtClean="0"/>
+              <a:t>처치를 선택할 확률이 같은 사람이라는 의미로 그런 의미에서 성향이 비슷한 사람으로 볼 수 있음</a:t>
+            </a:r>
+            <a:r>
+              <a:rPr lang="en-US" altLang="ko-KR" dirty="0" smtClean="0"/>
+              <a:t>.</a:t>
+            </a:r>
+            <a:endParaRPr lang="en-US" altLang="ko-KR" dirty="0"/>
           </a:p>
         </p:txBody>
       </p:sp>
@@ -5957,7 +5993,7 @@
         <p:cNvPr id="1" name="">
           <a:extLst>
             <a:ext uri="{FF2B5EF4-FFF2-40B4-BE49-F238E27FC236}">
-              <a16:creationId xmlns:a16="http://schemas.microsoft.com/office/drawing/2014/main" id="{B3B8C22C-5024-95E5-3CC3-A243CD01A61D}"/>
+              <a16:creationId xmlns:a16="http://schemas.microsoft.com/office/drawing/2014/main" xmlns="" id="{B3B8C22C-5024-95E5-3CC3-A243CD01A61D}"/>
             </a:ext>
           </a:extLst>
         </p:cNvPr>
@@ -5977,7 +6013,7 @@
           <p:cNvPr id="2" name="제목 1">
             <a:extLst>
               <a:ext uri="{FF2B5EF4-FFF2-40B4-BE49-F238E27FC236}">
-                <a16:creationId xmlns:a16="http://schemas.microsoft.com/office/drawing/2014/main" id="{E6288DC9-3F36-5202-28CD-944F3114E946}"/>
+                <a16:creationId xmlns:a16="http://schemas.microsoft.com/office/drawing/2014/main" xmlns="" id="{E6288DC9-3F36-5202-28CD-944F3114E946}"/>
               </a:ext>
             </a:extLst>
           </p:cNvPr>
@@ -6005,6 +6041,319 @@
               <a:rPr lang="ko-KR" altLang="en-US" dirty="0"/>
               <a:t>성향점수 직교화</a:t>
             </a:r>
+          </a:p>
+        </p:txBody>
+      </p:sp>
+      <p:pic>
+        <p:nvPicPr>
+          <p:cNvPr id="3" name="그림 2">
+            <a:extLst>
+              <a:ext uri="{FF2B5EF4-FFF2-40B4-BE49-F238E27FC236}">
+                <a16:creationId xmlns:a16="http://schemas.microsoft.com/office/drawing/2014/main" xmlns="" id="{8283B87C-A85B-602D-C41D-6031663B480E}"/>
+              </a:ext>
+            </a:extLst>
+          </p:cNvPr>
+          <p:cNvPicPr>
+            <a:picLocks noChangeAspect="1"/>
+          </p:cNvPicPr>
+          <p:nvPr/>
+        </p:nvPicPr>
+        <p:blipFill>
+          <a:blip r:embed="rId2"/>
+          <a:stretch>
+            <a:fillRect/>
+          </a:stretch>
+        </p:blipFill>
+        <p:spPr>
+          <a:xfrm>
+            <a:off x="1364872" y="1784265"/>
+            <a:ext cx="3435527" cy="1644735"/>
+          </a:xfrm>
+          <a:prstGeom prst="rect">
+            <a:avLst/>
+          </a:prstGeom>
+        </p:spPr>
+      </p:pic>
+      <p:sp>
+        <p:nvSpPr>
+          <p:cNvPr id="4" name="TextBox 3">
+            <a:extLst>
+              <a:ext uri="{FF2B5EF4-FFF2-40B4-BE49-F238E27FC236}">
+                <a16:creationId xmlns:a16="http://schemas.microsoft.com/office/drawing/2014/main" xmlns="" id="{EA6B8746-A085-0065-A793-B9B940017EAC}"/>
+              </a:ext>
+            </a:extLst>
+          </p:cNvPr>
+          <p:cNvSpPr txBox="1"/>
+          <p:nvPr/>
+        </p:nvSpPr>
+        <p:spPr>
+          <a:xfrm>
+            <a:off x="1279502" y="3615625"/>
+            <a:ext cx="2728210" cy="369332"/>
+          </a:xfrm>
+          <a:prstGeom prst="rect">
+            <a:avLst/>
+          </a:prstGeom>
+          <a:noFill/>
+        </p:spPr>
+        <p:txBody>
+          <a:bodyPr wrap="square" rtlCol="0">
+            <a:spAutoFit/>
+          </a:bodyPr>
+          <a:lstStyle/>
+          <a:p>
+            <a:r>
+              <a:rPr lang="ko-KR" altLang="en-US" dirty="0">
+                <a:solidFill>
+                  <a:schemeClr val="accent1"/>
+                </a:solidFill>
+              </a:rPr>
+              <a:t>성향점수</a:t>
+            </a:r>
+          </a:p>
+        </p:txBody>
+      </p:sp>
+      <p:cxnSp>
+        <p:nvCxnSpPr>
+          <p:cNvPr id="5" name="직선 연결선 4">
+            <a:extLst>
+              <a:ext uri="{FF2B5EF4-FFF2-40B4-BE49-F238E27FC236}">
+                <a16:creationId xmlns:a16="http://schemas.microsoft.com/office/drawing/2014/main" xmlns="" id="{9A5D1B73-7731-0D67-07B7-1AE271161F6E}"/>
+              </a:ext>
+            </a:extLst>
+          </p:cNvPr>
+          <p:cNvCxnSpPr/>
+          <p:nvPr/>
+        </p:nvCxnSpPr>
+        <p:spPr>
+          <a:xfrm flipV="1">
+            <a:off x="1808018" y="3318164"/>
+            <a:ext cx="540327" cy="204413"/>
+          </a:xfrm>
+          <a:prstGeom prst="line">
+            <a:avLst/>
+          </a:prstGeom>
+        </p:spPr>
+        <p:style>
+          <a:lnRef idx="2">
+            <a:schemeClr val="accent1"/>
+          </a:lnRef>
+          <a:fillRef idx="0">
+            <a:schemeClr val="accent1"/>
+          </a:fillRef>
+          <a:effectRef idx="1">
+            <a:schemeClr val="accent1"/>
+          </a:effectRef>
+          <a:fontRef idx="minor">
+            <a:schemeClr val="tx1"/>
+          </a:fontRef>
+        </p:style>
+      </p:cxnSp>
+      <p:sp>
+        <p:nvSpPr>
+          <p:cNvPr id="6" name="TextBox 5"/>
+          <p:cNvSpPr txBox="1"/>
+          <p:nvPr/>
+        </p:nvSpPr>
+        <p:spPr>
+          <a:xfrm>
+            <a:off x="5826034" y="2029097"/>
+            <a:ext cx="4258492" cy="923330"/>
+          </a:xfrm>
+          <a:prstGeom prst="rect">
+            <a:avLst/>
+          </a:prstGeom>
+          <a:noFill/>
+        </p:spPr>
+        <p:txBody>
+          <a:bodyPr wrap="square" rtlCol="0">
+            <a:spAutoFit/>
+          </a:bodyPr>
+          <a:lstStyle/>
+          <a:p>
+            <a:r>
+              <a:rPr lang="en-US" altLang="ko-KR" dirty="0" smtClean="0"/>
+              <a:t>X</a:t>
+            </a:r>
+            <a:r>
+              <a:rPr lang="ko-KR" altLang="en-US" smtClean="0"/>
+              <a:t>가 유일한 교란 변수라고 한다면</a:t>
+            </a:r>
+            <a:endParaRPr lang="en-US" altLang="ko-KR" dirty="0" smtClean="0"/>
+          </a:p>
+          <a:p>
+            <a:endParaRPr lang="en-US" altLang="ko-KR" dirty="0"/>
+          </a:p>
+          <a:p>
+            <a:r>
+              <a:rPr lang="en-US" altLang="ko-KR" dirty="0" smtClean="0"/>
+              <a:t>Y ~ T + e(X)  </a:t>
+            </a:r>
+            <a:r>
+              <a:rPr lang="ko-KR" altLang="en-US" smtClean="0"/>
+              <a:t>회귀분석 진행</a:t>
+            </a:r>
+            <a:endParaRPr lang="ko-KR" altLang="en-US"/>
+          </a:p>
+        </p:txBody>
+      </p:sp>
+      <p:cxnSp>
+        <p:nvCxnSpPr>
+          <p:cNvPr id="8" name="직선 화살표 연결선 7"/>
+          <p:cNvCxnSpPr/>
+          <p:nvPr/>
+        </p:nvCxnSpPr>
+        <p:spPr>
+          <a:xfrm flipH="1" flipV="1">
+            <a:off x="7080069" y="2952427"/>
+            <a:ext cx="592182" cy="570150"/>
+          </a:xfrm>
+          <a:prstGeom prst="straightConnector1">
+            <a:avLst/>
+          </a:prstGeom>
+          <a:ln>
+            <a:tailEnd type="triangle"/>
+          </a:ln>
+        </p:spPr>
+        <p:style>
+          <a:lnRef idx="2">
+            <a:schemeClr val="accent1"/>
+          </a:lnRef>
+          <a:fillRef idx="0">
+            <a:schemeClr val="accent1"/>
+          </a:fillRef>
+          <a:effectRef idx="1">
+            <a:schemeClr val="accent1"/>
+          </a:effectRef>
+          <a:fontRef idx="minor">
+            <a:schemeClr val="tx1"/>
+          </a:fontRef>
+        </p:style>
+      </p:cxnSp>
+      <p:sp>
+        <p:nvSpPr>
+          <p:cNvPr id="9" name="TextBox 8"/>
+          <p:cNvSpPr txBox="1"/>
+          <p:nvPr/>
+        </p:nvSpPr>
+        <p:spPr>
+          <a:xfrm>
+            <a:off x="7707086" y="3318164"/>
+            <a:ext cx="2299063" cy="523220"/>
+          </a:xfrm>
+          <a:prstGeom prst="rect">
+            <a:avLst/>
+          </a:prstGeom>
+          <a:noFill/>
+        </p:spPr>
+        <p:txBody>
+          <a:bodyPr wrap="square" rtlCol="0">
+            <a:spAutoFit/>
+          </a:bodyPr>
+          <a:lstStyle/>
+          <a:p>
+            <a:r>
+              <a:rPr lang="ko-KR" altLang="en-US" sz="1400" dirty="0" err="1" smtClean="0">
+                <a:solidFill>
+                  <a:srgbClr val="7030A0"/>
+                </a:solidFill>
+              </a:rPr>
+              <a:t>로지스틱</a:t>
+            </a:r>
+            <a:r>
+              <a:rPr lang="ko-KR" altLang="en-US" sz="1400" dirty="0" smtClean="0">
+                <a:solidFill>
+                  <a:srgbClr val="7030A0"/>
+                </a:solidFill>
+              </a:rPr>
+              <a:t> 회귀로 </a:t>
+            </a:r>
+            <a:endParaRPr lang="en-US" altLang="ko-KR" sz="1400" dirty="0" smtClean="0">
+              <a:solidFill>
+                <a:srgbClr val="7030A0"/>
+              </a:solidFill>
+            </a:endParaRPr>
+          </a:p>
+          <a:p>
+            <a:r>
+              <a:rPr lang="ko-KR" altLang="en-US" sz="1400" dirty="0" smtClean="0">
+                <a:solidFill>
+                  <a:srgbClr val="7030A0"/>
+                </a:solidFill>
+              </a:rPr>
+              <a:t>추정가능</a:t>
+            </a:r>
+            <a:endParaRPr lang="ko-KR" altLang="en-US" sz="1400" dirty="0">
+              <a:solidFill>
+                <a:srgbClr val="7030A0"/>
+              </a:solidFill>
+            </a:endParaRPr>
+          </a:p>
+        </p:txBody>
+      </p:sp>
+      <p:sp>
+        <p:nvSpPr>
+          <p:cNvPr id="10" name="TextBox 9"/>
+          <p:cNvSpPr txBox="1"/>
+          <p:nvPr/>
+        </p:nvSpPr>
+        <p:spPr>
+          <a:xfrm>
+            <a:off x="5373188" y="4423954"/>
+            <a:ext cx="6662057" cy="369332"/>
+          </a:xfrm>
+          <a:prstGeom prst="rect">
+            <a:avLst/>
+          </a:prstGeom>
+          <a:noFill/>
+        </p:spPr>
+        <p:txBody>
+          <a:bodyPr wrap="square" rtlCol="0">
+            <a:spAutoFit/>
+          </a:bodyPr>
+          <a:lstStyle/>
+          <a:p>
+            <a:r>
+              <a:rPr lang="en-US" altLang="ko-KR" dirty="0" smtClean="0"/>
+              <a:t>T ~ X (</a:t>
+            </a:r>
+            <a:r>
+              <a:rPr lang="ko-KR" altLang="en-US" smtClean="0"/>
+              <a:t>로지스틱 회귀 진행</a:t>
+            </a:r>
+            <a:r>
+              <a:rPr lang="en-US" altLang="ko-KR" dirty="0"/>
+              <a:t> </a:t>
+            </a:r>
+            <a:r>
+              <a:rPr lang="en-US" altLang="ko-KR" dirty="0" smtClean="0"/>
+              <a:t>; T</a:t>
+            </a:r>
+            <a:r>
+              <a:rPr lang="ko-KR" altLang="en-US" smtClean="0"/>
+              <a:t>는 </a:t>
+            </a:r>
+            <a:r>
+              <a:rPr lang="en-US" altLang="ko-KR" dirty="0" smtClean="0"/>
+              <a:t>0 </a:t>
+            </a:r>
+            <a:r>
+              <a:rPr lang="ko-KR" altLang="en-US" smtClean="0"/>
+              <a:t>또는 </a:t>
+            </a:r>
+            <a:r>
+              <a:rPr lang="en-US" altLang="ko-KR" dirty="0" smtClean="0"/>
+              <a:t>1, X</a:t>
+            </a:r>
+            <a:r>
+              <a:rPr lang="ko-KR" altLang="en-US" smtClean="0"/>
+              <a:t>는 모든 교란요인</a:t>
+            </a:r>
+            <a:r>
+              <a:rPr lang="en-US" altLang="ko-KR" dirty="0" smtClean="0"/>
+              <a:t>)</a:t>
+            </a:r>
+            <a:endParaRPr lang="ko-KR" altLang="en-US"/>
           </a:p>
         </p:txBody>
       </p:sp>
@@ -6029,7 +6378,7 @@
         <p:cNvPr id="1" name="">
           <a:extLst>
             <a:ext uri="{FF2B5EF4-FFF2-40B4-BE49-F238E27FC236}">
-              <a16:creationId xmlns:a16="http://schemas.microsoft.com/office/drawing/2014/main" id="{3A814BF5-7EB9-15FB-81DA-C4A7137A38B8}"/>
+              <a16:creationId xmlns:a16="http://schemas.microsoft.com/office/drawing/2014/main" xmlns="" id="{3A814BF5-7EB9-15FB-81DA-C4A7137A38B8}"/>
             </a:ext>
           </a:extLst>
         </p:cNvPr>
@@ -6049,7 +6398,7 @@
           <p:cNvPr id="2" name="제목 1">
             <a:extLst>
               <a:ext uri="{FF2B5EF4-FFF2-40B4-BE49-F238E27FC236}">
-                <a16:creationId xmlns:a16="http://schemas.microsoft.com/office/drawing/2014/main" id="{3E4FC7C6-C760-3359-056B-38059014AC51}"/>
+                <a16:creationId xmlns:a16="http://schemas.microsoft.com/office/drawing/2014/main" xmlns="" id="{3E4FC7C6-C760-3359-056B-38059014AC51}"/>
               </a:ext>
             </a:extLst>
           </p:cNvPr>
@@ -6077,6 +6426,1233 @@
               <a:rPr lang="ko-KR" altLang="en-US" dirty="0"/>
               <a:t>성향점수 매칭</a:t>
             </a:r>
+          </a:p>
+        </p:txBody>
+      </p:sp>
+      <p:sp>
+        <p:nvSpPr>
+          <p:cNvPr id="3" name="TextBox 2"/>
+          <p:cNvSpPr txBox="1"/>
+          <p:nvPr/>
+        </p:nvSpPr>
+        <p:spPr>
+          <a:xfrm>
+            <a:off x="1314994" y="1924594"/>
+            <a:ext cx="7689669" cy="369332"/>
+          </a:xfrm>
+          <a:prstGeom prst="rect">
+            <a:avLst/>
+          </a:prstGeom>
+          <a:noFill/>
+        </p:spPr>
+        <p:txBody>
+          <a:bodyPr wrap="square" rtlCol="0">
+            <a:spAutoFit/>
+          </a:bodyPr>
+          <a:lstStyle/>
+          <a:p>
+            <a:r>
+              <a:rPr lang="en-US" altLang="ko-KR" dirty="0" smtClean="0"/>
+              <a:t>KNN(k=1) </a:t>
+            </a:r>
+            <a:r>
+              <a:rPr lang="ko-KR" altLang="en-US" smtClean="0"/>
+              <a:t>활용하여 성향점수 기준 가장 가까이 있는 대상 찾기</a:t>
+            </a:r>
+            <a:endParaRPr lang="ko-KR" altLang="en-US"/>
+          </a:p>
+        </p:txBody>
+      </p:sp>
+      <p:cxnSp>
+        <p:nvCxnSpPr>
+          <p:cNvPr id="5" name="직선 화살표 연결선 4"/>
+          <p:cNvCxnSpPr/>
+          <p:nvPr/>
+        </p:nvCxnSpPr>
+        <p:spPr>
+          <a:xfrm flipV="1">
+            <a:off x="1724297" y="4781006"/>
+            <a:ext cx="2629988" cy="52251"/>
+          </a:xfrm>
+          <a:prstGeom prst="straightConnector1">
+            <a:avLst/>
+          </a:prstGeom>
+          <a:ln>
+            <a:tailEnd type="triangle"/>
+          </a:ln>
+        </p:spPr>
+        <p:style>
+          <a:lnRef idx="2">
+            <a:schemeClr val="accent1"/>
+          </a:lnRef>
+          <a:fillRef idx="0">
+            <a:schemeClr val="accent1"/>
+          </a:fillRef>
+          <a:effectRef idx="1">
+            <a:schemeClr val="accent1"/>
+          </a:effectRef>
+          <a:fontRef idx="minor">
+            <a:schemeClr val="tx1"/>
+          </a:fontRef>
+        </p:style>
+      </p:cxnSp>
+      <p:cxnSp>
+        <p:nvCxnSpPr>
+          <p:cNvPr id="6" name="직선 화살표 연결선 5"/>
+          <p:cNvCxnSpPr/>
+          <p:nvPr/>
+        </p:nvCxnSpPr>
+        <p:spPr>
+          <a:xfrm flipH="1" flipV="1">
+            <a:off x="2397034" y="3400695"/>
+            <a:ext cx="13064" cy="2146664"/>
+          </a:xfrm>
+          <a:prstGeom prst="straightConnector1">
+            <a:avLst/>
+          </a:prstGeom>
+          <a:ln>
+            <a:tailEnd type="triangle"/>
+          </a:ln>
+        </p:spPr>
+        <p:style>
+          <a:lnRef idx="2">
+            <a:schemeClr val="accent1"/>
+          </a:lnRef>
+          <a:fillRef idx="0">
+            <a:schemeClr val="accent1"/>
+          </a:fillRef>
+          <a:effectRef idx="1">
+            <a:schemeClr val="accent1"/>
+          </a:effectRef>
+          <a:fontRef idx="minor">
+            <a:schemeClr val="tx1"/>
+          </a:fontRef>
+        </p:style>
+      </p:cxnSp>
+      <p:sp>
+        <p:nvSpPr>
+          <p:cNvPr id="8" name="TextBox 7"/>
+          <p:cNvSpPr txBox="1"/>
+          <p:nvPr/>
+        </p:nvSpPr>
+        <p:spPr>
+          <a:xfrm>
+            <a:off x="4206240" y="4833257"/>
+            <a:ext cx="1367246" cy="369332"/>
+          </a:xfrm>
+          <a:prstGeom prst="rect">
+            <a:avLst/>
+          </a:prstGeom>
+          <a:noFill/>
+        </p:spPr>
+        <p:txBody>
+          <a:bodyPr wrap="square" rtlCol="0">
+            <a:spAutoFit/>
+          </a:bodyPr>
+          <a:lstStyle/>
+          <a:p>
+            <a:r>
+              <a:rPr lang="en-US" altLang="ko-KR" dirty="0"/>
+              <a:t>e</a:t>
+            </a:r>
+            <a:r>
+              <a:rPr lang="en-US" altLang="ko-KR" dirty="0" smtClean="0"/>
+              <a:t>(X)</a:t>
+            </a:r>
+            <a:endParaRPr lang="ko-KR" altLang="en-US"/>
+          </a:p>
+        </p:txBody>
+      </p:sp>
+      <p:sp>
+        <p:nvSpPr>
+          <p:cNvPr id="9" name="TextBox 8"/>
+          <p:cNvSpPr txBox="1"/>
+          <p:nvPr/>
+        </p:nvSpPr>
+        <p:spPr>
+          <a:xfrm>
+            <a:off x="1798320" y="3216029"/>
+            <a:ext cx="1367246" cy="369332"/>
+          </a:xfrm>
+          <a:prstGeom prst="rect">
+            <a:avLst/>
+          </a:prstGeom>
+          <a:noFill/>
+        </p:spPr>
+        <p:txBody>
+          <a:bodyPr wrap="square" rtlCol="0">
+            <a:spAutoFit/>
+          </a:bodyPr>
+          <a:lstStyle/>
+          <a:p>
+            <a:r>
+              <a:rPr lang="en-US" altLang="ko-KR" dirty="0"/>
+              <a:t>Y</a:t>
+            </a:r>
+            <a:endParaRPr lang="ko-KR" altLang="en-US"/>
+          </a:p>
+        </p:txBody>
+      </p:sp>
+      <p:sp>
+        <p:nvSpPr>
+          <p:cNvPr id="10" name="타원 9"/>
+          <p:cNvSpPr/>
+          <p:nvPr/>
+        </p:nvSpPr>
+        <p:spPr>
+          <a:xfrm>
+            <a:off x="2786743" y="4563291"/>
+            <a:ext cx="113211" cy="87086"/>
+          </a:xfrm>
+          <a:prstGeom prst="ellipse">
+            <a:avLst/>
+          </a:prstGeom>
+        </p:spPr>
+        <p:style>
+          <a:lnRef idx="2">
+            <a:schemeClr val="accent1">
+              <a:shade val="50000"/>
+            </a:schemeClr>
+          </a:lnRef>
+          <a:fillRef idx="1">
+            <a:schemeClr val="accent1"/>
+          </a:fillRef>
+          <a:effectRef idx="0">
+            <a:schemeClr val="accent1"/>
+          </a:effectRef>
+          <a:fontRef idx="minor">
+            <a:schemeClr val="lt1"/>
+          </a:fontRef>
+        </p:style>
+        <p:txBody>
+          <a:bodyPr rtlCol="0" anchor="ctr"/>
+          <a:lstStyle/>
+          <a:p>
+            <a:pPr algn="ctr"/>
+            <a:endParaRPr lang="ko-KR" altLang="en-US"/>
+          </a:p>
+        </p:txBody>
+      </p:sp>
+      <p:sp>
+        <p:nvSpPr>
+          <p:cNvPr id="11" name="타원 10"/>
+          <p:cNvSpPr/>
+          <p:nvPr/>
+        </p:nvSpPr>
+        <p:spPr>
+          <a:xfrm>
+            <a:off x="2952206" y="4411674"/>
+            <a:ext cx="113211" cy="87086"/>
+          </a:xfrm>
+          <a:prstGeom prst="ellipse">
+            <a:avLst/>
+          </a:prstGeom>
+          <a:solidFill>
+            <a:srgbClr val="FFC000"/>
+          </a:solidFill>
+        </p:spPr>
+        <p:style>
+          <a:lnRef idx="2">
+            <a:schemeClr val="accent1">
+              <a:shade val="50000"/>
+            </a:schemeClr>
+          </a:lnRef>
+          <a:fillRef idx="1">
+            <a:schemeClr val="accent1"/>
+          </a:fillRef>
+          <a:effectRef idx="0">
+            <a:schemeClr val="accent1"/>
+          </a:effectRef>
+          <a:fontRef idx="minor">
+            <a:schemeClr val="lt1"/>
+          </a:fontRef>
+        </p:style>
+        <p:txBody>
+          <a:bodyPr rtlCol="0" anchor="ctr"/>
+          <a:lstStyle/>
+          <a:p>
+            <a:pPr algn="ctr"/>
+            <a:endParaRPr lang="ko-KR" altLang="en-US"/>
+          </a:p>
+        </p:txBody>
+      </p:sp>
+      <p:sp>
+        <p:nvSpPr>
+          <p:cNvPr id="13" name="타원 12"/>
+          <p:cNvSpPr/>
+          <p:nvPr/>
+        </p:nvSpPr>
+        <p:spPr>
+          <a:xfrm>
+            <a:off x="3216729" y="4693920"/>
+            <a:ext cx="113211" cy="87086"/>
+          </a:xfrm>
+          <a:prstGeom prst="ellipse">
+            <a:avLst/>
+          </a:prstGeom>
+          <a:solidFill>
+            <a:srgbClr val="FFC000"/>
+          </a:solidFill>
+        </p:spPr>
+        <p:style>
+          <a:lnRef idx="2">
+            <a:schemeClr val="accent1">
+              <a:shade val="50000"/>
+            </a:schemeClr>
+          </a:lnRef>
+          <a:fillRef idx="1">
+            <a:schemeClr val="accent1"/>
+          </a:fillRef>
+          <a:effectRef idx="0">
+            <a:schemeClr val="accent1"/>
+          </a:effectRef>
+          <a:fontRef idx="minor">
+            <a:schemeClr val="lt1"/>
+          </a:fontRef>
+        </p:style>
+        <p:txBody>
+          <a:bodyPr rtlCol="0" anchor="ctr"/>
+          <a:lstStyle/>
+          <a:p>
+            <a:pPr algn="ctr"/>
+            <a:endParaRPr lang="ko-KR" altLang="en-US"/>
+          </a:p>
+        </p:txBody>
+      </p:sp>
+      <p:sp>
+        <p:nvSpPr>
+          <p:cNvPr id="14" name="타원 13"/>
+          <p:cNvSpPr/>
+          <p:nvPr/>
+        </p:nvSpPr>
+        <p:spPr>
+          <a:xfrm>
+            <a:off x="3325586" y="4580708"/>
+            <a:ext cx="113211" cy="87086"/>
+          </a:xfrm>
+          <a:prstGeom prst="ellipse">
+            <a:avLst/>
+          </a:prstGeom>
+        </p:spPr>
+        <p:style>
+          <a:lnRef idx="2">
+            <a:schemeClr val="accent1">
+              <a:shade val="50000"/>
+            </a:schemeClr>
+          </a:lnRef>
+          <a:fillRef idx="1">
+            <a:schemeClr val="accent1"/>
+          </a:fillRef>
+          <a:effectRef idx="0">
+            <a:schemeClr val="accent1"/>
+          </a:effectRef>
+          <a:fontRef idx="minor">
+            <a:schemeClr val="lt1"/>
+          </a:fontRef>
+        </p:style>
+        <p:txBody>
+          <a:bodyPr rtlCol="0" anchor="ctr"/>
+          <a:lstStyle/>
+          <a:p>
+            <a:pPr algn="ctr"/>
+            <a:endParaRPr lang="ko-KR" altLang="en-US"/>
+          </a:p>
+        </p:txBody>
+      </p:sp>
+      <p:sp>
+        <p:nvSpPr>
+          <p:cNvPr id="15" name="타원 14"/>
+          <p:cNvSpPr/>
+          <p:nvPr/>
+        </p:nvSpPr>
+        <p:spPr>
+          <a:xfrm>
+            <a:off x="3494314" y="4490052"/>
+            <a:ext cx="113211" cy="87086"/>
+          </a:xfrm>
+          <a:prstGeom prst="ellipse">
+            <a:avLst/>
+          </a:prstGeom>
+          <a:solidFill>
+            <a:srgbClr val="FFC000"/>
+          </a:solidFill>
+        </p:spPr>
+        <p:style>
+          <a:lnRef idx="2">
+            <a:schemeClr val="accent1">
+              <a:shade val="50000"/>
+            </a:schemeClr>
+          </a:lnRef>
+          <a:fillRef idx="1">
+            <a:schemeClr val="accent1"/>
+          </a:fillRef>
+          <a:effectRef idx="0">
+            <a:schemeClr val="accent1"/>
+          </a:effectRef>
+          <a:fontRef idx="minor">
+            <a:schemeClr val="lt1"/>
+          </a:fontRef>
+        </p:style>
+        <p:txBody>
+          <a:bodyPr rtlCol="0" anchor="ctr"/>
+          <a:lstStyle/>
+          <a:p>
+            <a:pPr algn="ctr"/>
+            <a:endParaRPr lang="ko-KR" altLang="en-US"/>
+          </a:p>
+        </p:txBody>
+      </p:sp>
+      <p:sp>
+        <p:nvSpPr>
+          <p:cNvPr id="16" name="타원 15"/>
+          <p:cNvSpPr/>
+          <p:nvPr/>
+        </p:nvSpPr>
+        <p:spPr>
+          <a:xfrm>
+            <a:off x="3607525" y="4615543"/>
+            <a:ext cx="113211" cy="87086"/>
+          </a:xfrm>
+          <a:prstGeom prst="ellipse">
+            <a:avLst/>
+          </a:prstGeom>
+        </p:spPr>
+        <p:style>
+          <a:lnRef idx="2">
+            <a:schemeClr val="accent1">
+              <a:shade val="50000"/>
+            </a:schemeClr>
+          </a:lnRef>
+          <a:fillRef idx="1">
+            <a:schemeClr val="accent1"/>
+          </a:fillRef>
+          <a:effectRef idx="0">
+            <a:schemeClr val="accent1"/>
+          </a:effectRef>
+          <a:fontRef idx="minor">
+            <a:schemeClr val="lt1"/>
+          </a:fontRef>
+        </p:style>
+        <p:txBody>
+          <a:bodyPr rtlCol="0" anchor="ctr"/>
+          <a:lstStyle/>
+          <a:p>
+            <a:pPr algn="ctr"/>
+            <a:endParaRPr lang="ko-KR" altLang="en-US"/>
+          </a:p>
+        </p:txBody>
+      </p:sp>
+      <p:sp>
+        <p:nvSpPr>
+          <p:cNvPr id="17" name="타원 16"/>
+          <p:cNvSpPr/>
+          <p:nvPr/>
+        </p:nvSpPr>
+        <p:spPr>
+          <a:xfrm>
+            <a:off x="3607525" y="4381195"/>
+            <a:ext cx="113211" cy="87086"/>
+          </a:xfrm>
+          <a:prstGeom prst="ellipse">
+            <a:avLst/>
+          </a:prstGeom>
+        </p:spPr>
+        <p:style>
+          <a:lnRef idx="2">
+            <a:schemeClr val="accent1">
+              <a:shade val="50000"/>
+            </a:schemeClr>
+          </a:lnRef>
+          <a:fillRef idx="1">
+            <a:schemeClr val="accent1"/>
+          </a:fillRef>
+          <a:effectRef idx="0">
+            <a:schemeClr val="accent1"/>
+          </a:effectRef>
+          <a:fontRef idx="minor">
+            <a:schemeClr val="lt1"/>
+          </a:fontRef>
+        </p:style>
+        <p:txBody>
+          <a:bodyPr rtlCol="0" anchor="ctr"/>
+          <a:lstStyle/>
+          <a:p>
+            <a:pPr algn="ctr"/>
+            <a:endParaRPr lang="ko-KR" altLang="en-US"/>
+          </a:p>
+        </p:txBody>
+      </p:sp>
+      <p:sp>
+        <p:nvSpPr>
+          <p:cNvPr id="18" name="타원 17"/>
+          <p:cNvSpPr/>
+          <p:nvPr/>
+        </p:nvSpPr>
+        <p:spPr>
+          <a:xfrm>
+            <a:off x="3807823" y="4519748"/>
+            <a:ext cx="113211" cy="87086"/>
+          </a:xfrm>
+          <a:prstGeom prst="ellipse">
+            <a:avLst/>
+          </a:prstGeom>
+          <a:solidFill>
+            <a:srgbClr val="FFC000"/>
+          </a:solidFill>
+        </p:spPr>
+        <p:style>
+          <a:lnRef idx="2">
+            <a:schemeClr val="accent1">
+              <a:shade val="50000"/>
+            </a:schemeClr>
+          </a:lnRef>
+          <a:fillRef idx="1">
+            <a:schemeClr val="accent1"/>
+          </a:fillRef>
+          <a:effectRef idx="0">
+            <a:schemeClr val="accent1"/>
+          </a:effectRef>
+          <a:fontRef idx="minor">
+            <a:schemeClr val="lt1"/>
+          </a:fontRef>
+        </p:style>
+        <p:txBody>
+          <a:bodyPr rtlCol="0" anchor="ctr"/>
+          <a:lstStyle/>
+          <a:p>
+            <a:pPr algn="ctr"/>
+            <a:endParaRPr lang="ko-KR" altLang="en-US"/>
+          </a:p>
+        </p:txBody>
+      </p:sp>
+      <p:sp>
+        <p:nvSpPr>
+          <p:cNvPr id="19" name="타원 18"/>
+          <p:cNvSpPr/>
+          <p:nvPr/>
+        </p:nvSpPr>
+        <p:spPr>
+          <a:xfrm>
+            <a:off x="3941715" y="4606834"/>
+            <a:ext cx="113211" cy="87086"/>
+          </a:xfrm>
+          <a:prstGeom prst="ellipse">
+            <a:avLst/>
+          </a:prstGeom>
+        </p:spPr>
+        <p:style>
+          <a:lnRef idx="2">
+            <a:schemeClr val="accent1">
+              <a:shade val="50000"/>
+            </a:schemeClr>
+          </a:lnRef>
+          <a:fillRef idx="1">
+            <a:schemeClr val="accent1"/>
+          </a:fillRef>
+          <a:effectRef idx="0">
+            <a:schemeClr val="accent1"/>
+          </a:effectRef>
+          <a:fontRef idx="minor">
+            <a:schemeClr val="lt1"/>
+          </a:fontRef>
+        </p:style>
+        <p:txBody>
+          <a:bodyPr rtlCol="0" anchor="ctr"/>
+          <a:lstStyle/>
+          <a:p>
+            <a:pPr algn="ctr"/>
+            <a:endParaRPr lang="ko-KR" altLang="en-US"/>
+          </a:p>
+        </p:txBody>
+      </p:sp>
+      <p:sp>
+        <p:nvSpPr>
+          <p:cNvPr id="20" name="타원 19"/>
+          <p:cNvSpPr/>
+          <p:nvPr/>
+        </p:nvSpPr>
+        <p:spPr>
+          <a:xfrm>
+            <a:off x="4033156" y="4463142"/>
+            <a:ext cx="113211" cy="87086"/>
+          </a:xfrm>
+          <a:prstGeom prst="ellipse">
+            <a:avLst/>
+          </a:prstGeom>
+        </p:spPr>
+        <p:style>
+          <a:lnRef idx="2">
+            <a:schemeClr val="accent1">
+              <a:shade val="50000"/>
+            </a:schemeClr>
+          </a:lnRef>
+          <a:fillRef idx="1">
+            <a:schemeClr val="accent1"/>
+          </a:fillRef>
+          <a:effectRef idx="0">
+            <a:schemeClr val="accent1"/>
+          </a:effectRef>
+          <a:fontRef idx="minor">
+            <a:schemeClr val="lt1"/>
+          </a:fontRef>
+        </p:style>
+        <p:txBody>
+          <a:bodyPr rtlCol="0" anchor="ctr"/>
+          <a:lstStyle/>
+          <a:p>
+            <a:pPr algn="ctr"/>
+            <a:endParaRPr lang="ko-KR" altLang="en-US"/>
+          </a:p>
+        </p:txBody>
+      </p:sp>
+      <p:sp>
+        <p:nvSpPr>
+          <p:cNvPr id="21" name="직사각형 20"/>
+          <p:cNvSpPr/>
+          <p:nvPr/>
+        </p:nvSpPr>
+        <p:spPr>
+          <a:xfrm>
+            <a:off x="4857203" y="3585361"/>
+            <a:ext cx="2248991" cy="559919"/>
+          </a:xfrm>
+          <a:prstGeom prst="rect">
+            <a:avLst/>
+          </a:prstGeom>
+        </p:spPr>
+        <p:style>
+          <a:lnRef idx="2">
+            <a:schemeClr val="accent1">
+              <a:shade val="50000"/>
+            </a:schemeClr>
+          </a:lnRef>
+          <a:fillRef idx="1">
+            <a:schemeClr val="accent1"/>
+          </a:fillRef>
+          <a:effectRef idx="0">
+            <a:schemeClr val="accent1"/>
+          </a:effectRef>
+          <a:fontRef idx="minor">
+            <a:schemeClr val="lt1"/>
+          </a:fontRef>
+        </p:style>
+        <p:txBody>
+          <a:bodyPr rtlCol="0" anchor="ctr"/>
+          <a:lstStyle/>
+          <a:p>
+            <a:pPr algn="ctr"/>
+            <a:r>
+              <a:rPr lang="ko-KR" altLang="en-US" dirty="0" smtClean="0"/>
+              <a:t>파란색 </a:t>
+            </a:r>
+            <a:r>
+              <a:rPr lang="en-US" altLang="ko-KR" dirty="0" smtClean="0"/>
+              <a:t>:  T= 1</a:t>
+            </a:r>
+          </a:p>
+          <a:p>
+            <a:pPr algn="ctr"/>
+            <a:r>
+              <a:rPr lang="ko-KR" altLang="en-US" dirty="0" smtClean="0"/>
+              <a:t>주황색 </a:t>
+            </a:r>
+            <a:r>
+              <a:rPr lang="en-US" altLang="ko-KR" dirty="0" smtClean="0"/>
+              <a:t>: T = 0 </a:t>
+            </a:r>
+            <a:endParaRPr lang="ko-KR" altLang="en-US"/>
+          </a:p>
+        </p:txBody>
+      </p:sp>
+      <p:cxnSp>
+        <p:nvCxnSpPr>
+          <p:cNvPr id="23" name="직선 화살표 연결선 22"/>
+          <p:cNvCxnSpPr/>
+          <p:nvPr/>
+        </p:nvCxnSpPr>
+        <p:spPr>
+          <a:xfrm flipV="1">
+            <a:off x="2758566" y="4420497"/>
+            <a:ext cx="186983" cy="111417"/>
+          </a:xfrm>
+          <a:prstGeom prst="straightConnector1">
+            <a:avLst/>
+          </a:prstGeom>
+          <a:ln>
+            <a:headEnd type="triangle"/>
+            <a:tailEnd type="triangle"/>
+          </a:ln>
+        </p:spPr>
+        <p:style>
+          <a:lnRef idx="2">
+            <a:schemeClr val="accent1"/>
+          </a:lnRef>
+          <a:fillRef idx="0">
+            <a:schemeClr val="accent1"/>
+          </a:fillRef>
+          <a:effectRef idx="1">
+            <a:schemeClr val="accent1"/>
+          </a:effectRef>
+          <a:fontRef idx="minor">
+            <a:schemeClr val="tx1"/>
+          </a:fontRef>
+        </p:style>
+      </p:cxnSp>
+      <p:sp>
+        <p:nvSpPr>
+          <p:cNvPr id="25" name="TextBox 24"/>
+          <p:cNvSpPr txBox="1"/>
+          <p:nvPr/>
+        </p:nvSpPr>
+        <p:spPr>
+          <a:xfrm>
+            <a:off x="2547677" y="3849189"/>
+            <a:ext cx="2555545" cy="276999"/>
+          </a:xfrm>
+          <a:prstGeom prst="rect">
+            <a:avLst/>
+          </a:prstGeom>
+          <a:noFill/>
+        </p:spPr>
+        <p:txBody>
+          <a:bodyPr wrap="square" rtlCol="0">
+            <a:spAutoFit/>
+          </a:bodyPr>
+          <a:lstStyle/>
+          <a:p>
+            <a:r>
+              <a:rPr lang="ko-KR" altLang="en-US" sz="1200" dirty="0" smtClean="0">
+                <a:solidFill>
+                  <a:srgbClr val="7030A0"/>
+                </a:solidFill>
+              </a:rPr>
+              <a:t>두 </a:t>
+            </a:r>
+            <a:r>
+              <a:rPr lang="en-US" altLang="ko-KR" sz="1200" dirty="0" smtClean="0">
+                <a:solidFill>
+                  <a:srgbClr val="7030A0"/>
+                </a:solidFill>
+              </a:rPr>
+              <a:t>Y </a:t>
+            </a:r>
+            <a:r>
+              <a:rPr lang="ko-KR" altLang="en-US" sz="1200" smtClean="0">
+                <a:solidFill>
+                  <a:srgbClr val="7030A0"/>
+                </a:solidFill>
+              </a:rPr>
+              <a:t>비교</a:t>
+            </a:r>
+            <a:r>
+              <a:rPr lang="en-US" altLang="ko-KR" sz="1200" dirty="0" smtClean="0">
+                <a:solidFill>
+                  <a:srgbClr val="7030A0"/>
+                </a:solidFill>
+              </a:rPr>
+              <a:t>(</a:t>
+            </a:r>
+            <a:r>
+              <a:rPr lang="ko-KR" altLang="en-US" sz="1200" smtClean="0">
+                <a:solidFill>
+                  <a:srgbClr val="7030A0"/>
+                </a:solidFill>
+              </a:rPr>
+              <a:t>개별 </a:t>
+            </a:r>
+            <a:r>
+              <a:rPr lang="en-US" altLang="ko-KR" sz="1200" dirty="0" smtClean="0">
+                <a:solidFill>
+                  <a:srgbClr val="7030A0"/>
+                </a:solidFill>
+              </a:rPr>
+              <a:t>Causal Effect)</a:t>
+            </a:r>
+            <a:endParaRPr lang="ko-KR" altLang="en-US" sz="1200">
+              <a:solidFill>
+                <a:srgbClr val="7030A0"/>
+              </a:solidFill>
+            </a:endParaRPr>
+          </a:p>
+        </p:txBody>
+      </p:sp>
+      <p:cxnSp>
+        <p:nvCxnSpPr>
+          <p:cNvPr id="27" name="직선 연결선 26"/>
+          <p:cNvCxnSpPr/>
+          <p:nvPr/>
+        </p:nvCxnSpPr>
+        <p:spPr>
+          <a:xfrm>
+            <a:off x="2852057" y="4125635"/>
+            <a:ext cx="0" cy="302614"/>
+          </a:xfrm>
+          <a:prstGeom prst="line">
+            <a:avLst/>
+          </a:prstGeom>
+        </p:spPr>
+        <p:style>
+          <a:lnRef idx="2">
+            <a:schemeClr val="accent5"/>
+          </a:lnRef>
+          <a:fillRef idx="0">
+            <a:schemeClr val="accent5"/>
+          </a:fillRef>
+          <a:effectRef idx="1">
+            <a:schemeClr val="accent5"/>
+          </a:effectRef>
+          <a:fontRef idx="minor">
+            <a:schemeClr val="tx1"/>
+          </a:fontRef>
+        </p:style>
+      </p:cxnSp>
+      <mc:AlternateContent xmlns:mc="http://schemas.openxmlformats.org/markup-compatibility/2006">
+        <mc:Choice xmlns:a14="http://schemas.microsoft.com/office/drawing/2010/main" Requires="a14">
+          <p:sp>
+            <p:nvSpPr>
+              <p:cNvPr id="28" name="TextBox 27"/>
+              <p:cNvSpPr txBox="1"/>
+              <p:nvPr/>
+            </p:nvSpPr>
+            <p:spPr>
+              <a:xfrm>
+                <a:off x="5495109" y="5442857"/>
+                <a:ext cx="6348548" cy="610936"/>
+              </a:xfrm>
+              <a:prstGeom prst="rect">
+                <a:avLst/>
+              </a:prstGeom>
+              <a:noFill/>
+            </p:spPr>
+            <p:txBody>
+              <a:bodyPr wrap="square" rtlCol="0">
+                <a:spAutoFit/>
+              </a:bodyPr>
+              <a:lstStyle/>
+              <a:p>
+                <a14:m>
+                  <m:oMathPara xmlns:m="http://schemas.openxmlformats.org/officeDocument/2006/math">
+                    <m:oMathParaPr>
+                      <m:jc m:val="centerGroup"/>
+                    </m:oMathParaPr>
+                    <m:oMath xmlns:m="http://schemas.openxmlformats.org/officeDocument/2006/math">
+                      <m:acc>
+                        <m:accPr>
+                          <m:chr m:val="̂"/>
+                          <m:ctrlPr>
+                            <a:rPr lang="ko-KR" altLang="en-US" i="1" smtClean="0">
+                              <a:latin typeface="Cambria Math" panose="02040503050406030204" pitchFamily="18" charset="0"/>
+                            </a:rPr>
+                          </m:ctrlPr>
+                        </m:accPr>
+                        <m:e>
+                          <m:r>
+                            <a:rPr lang="en-US" altLang="ko-KR" b="0" i="1" smtClean="0">
+                              <a:latin typeface="Cambria Math" panose="02040503050406030204" pitchFamily="18" charset="0"/>
+                            </a:rPr>
+                            <m:t>𝐴𝑇𝐸</m:t>
+                          </m:r>
+                        </m:e>
+                      </m:acc>
+                      <m:r>
+                        <a:rPr lang="en-US" altLang="ko-KR" b="0" i="1" smtClean="0">
+                          <a:latin typeface="Cambria Math" panose="02040503050406030204" pitchFamily="18" charset="0"/>
+                        </a:rPr>
+                        <m:t>=</m:t>
+                      </m:r>
+                      <m:f>
+                        <m:fPr>
+                          <m:ctrlPr>
+                            <a:rPr lang="en-US" altLang="ko-KR" b="0" i="1" smtClean="0">
+                              <a:latin typeface="Cambria Math" panose="02040503050406030204" pitchFamily="18" charset="0"/>
+                            </a:rPr>
+                          </m:ctrlPr>
+                        </m:fPr>
+                        <m:num>
+                          <m:r>
+                            <a:rPr lang="en-US" altLang="ko-KR" b="0" i="1" smtClean="0">
+                              <a:latin typeface="Cambria Math" panose="02040503050406030204" pitchFamily="18" charset="0"/>
+                            </a:rPr>
+                            <m:t>1</m:t>
+                          </m:r>
+                        </m:num>
+                        <m:den>
+                          <m:r>
+                            <a:rPr lang="en-US" altLang="ko-KR" b="0" i="1" smtClean="0">
+                              <a:latin typeface="Cambria Math" panose="02040503050406030204" pitchFamily="18" charset="0"/>
+                            </a:rPr>
+                            <m:t>𝑁</m:t>
+                          </m:r>
+                        </m:den>
+                      </m:f>
+                      <m:r>
+                        <a:rPr lang="en-US" altLang="ko-KR" b="0" i="1" smtClean="0">
+                          <a:latin typeface="Cambria Math" panose="02040503050406030204" pitchFamily="18" charset="0"/>
+                        </a:rPr>
+                        <m:t>{</m:t>
+                      </m:r>
+                      <m:d>
+                        <m:dPr>
+                          <m:ctrlPr>
+                            <a:rPr lang="en-US" altLang="ko-KR" b="0" i="1" smtClean="0">
+                              <a:latin typeface="Cambria Math" panose="02040503050406030204" pitchFamily="18" charset="0"/>
+                            </a:rPr>
+                          </m:ctrlPr>
+                        </m:dPr>
+                        <m:e>
+                          <m:sSub>
+                            <m:sSubPr>
+                              <m:ctrlPr>
+                                <a:rPr lang="en-US" altLang="ko-KR" b="0" i="1" smtClean="0">
+                                  <a:latin typeface="Cambria Math" panose="02040503050406030204" pitchFamily="18" charset="0"/>
+                                </a:rPr>
+                              </m:ctrlPr>
+                            </m:sSubPr>
+                            <m:e>
+                              <m:r>
+                                <a:rPr lang="en-US" altLang="ko-KR" b="0" i="1" smtClean="0">
+                                  <a:latin typeface="Cambria Math" panose="02040503050406030204" pitchFamily="18" charset="0"/>
+                                </a:rPr>
+                                <m:t>𝑌</m:t>
+                              </m:r>
+                            </m:e>
+                            <m:sub>
+                              <m:r>
+                                <a:rPr lang="en-US" altLang="ko-KR" b="0" i="1" smtClean="0">
+                                  <a:latin typeface="Cambria Math" panose="02040503050406030204" pitchFamily="18" charset="0"/>
+                                </a:rPr>
+                                <m:t>𝑖</m:t>
+                              </m:r>
+                            </m:sub>
+                          </m:sSub>
+                          <m:r>
+                            <a:rPr lang="en-US" altLang="ko-KR" b="0" i="1" smtClean="0">
+                              <a:latin typeface="Cambria Math" panose="02040503050406030204" pitchFamily="18" charset="0"/>
+                            </a:rPr>
+                            <m:t> −</m:t>
+                          </m:r>
+                          <m:sSub>
+                            <m:sSubPr>
+                              <m:ctrlPr>
+                                <a:rPr lang="en-US" altLang="ko-KR" b="0" i="1" smtClean="0">
+                                  <a:latin typeface="Cambria Math" panose="02040503050406030204" pitchFamily="18" charset="0"/>
+                                </a:rPr>
+                              </m:ctrlPr>
+                            </m:sSubPr>
+                            <m:e>
+                              <m:r>
+                                <a:rPr lang="en-US" altLang="ko-KR" b="0" i="1" smtClean="0">
+                                  <a:latin typeface="Cambria Math" panose="02040503050406030204" pitchFamily="18" charset="0"/>
+                                </a:rPr>
+                                <m:t>𝑌</m:t>
+                              </m:r>
+                            </m:e>
+                            <m:sub>
+                              <m:r>
+                                <a:rPr lang="en-US" altLang="ko-KR" b="0" i="1" smtClean="0">
+                                  <a:latin typeface="Cambria Math" panose="02040503050406030204" pitchFamily="18" charset="0"/>
+                                </a:rPr>
+                                <m:t>𝑗𝑚</m:t>
+                              </m:r>
+                            </m:sub>
+                          </m:sSub>
+                          <m:d>
+                            <m:dPr>
+                              <m:ctrlPr>
+                                <a:rPr lang="en-US" altLang="ko-KR" b="0" i="1" smtClean="0">
+                                  <a:latin typeface="Cambria Math" panose="02040503050406030204" pitchFamily="18" charset="0"/>
+                                </a:rPr>
+                              </m:ctrlPr>
+                            </m:dPr>
+                            <m:e>
+                              <m:r>
+                                <a:rPr lang="en-US" altLang="ko-KR" b="0" i="1" smtClean="0">
+                                  <a:latin typeface="Cambria Math" panose="02040503050406030204" pitchFamily="18" charset="0"/>
+                                </a:rPr>
+                                <m:t>𝑖</m:t>
+                              </m:r>
+                            </m:e>
+                          </m:d>
+                        </m:e>
+                      </m:d>
+                      <m:sSub>
+                        <m:sSubPr>
+                          <m:ctrlPr>
+                            <a:rPr lang="en-US" altLang="ko-KR" b="0" i="1" smtClean="0">
+                              <a:latin typeface="Cambria Math" panose="02040503050406030204" pitchFamily="18" charset="0"/>
+                            </a:rPr>
+                          </m:ctrlPr>
+                        </m:sSubPr>
+                        <m:e>
+                          <m:r>
+                            <a:rPr lang="en-US" altLang="ko-KR" b="0" i="1" smtClean="0">
+                              <a:latin typeface="Cambria Math" panose="02040503050406030204" pitchFamily="18" charset="0"/>
+                            </a:rPr>
+                            <m:t>𝑇</m:t>
+                          </m:r>
+                        </m:e>
+                        <m:sub>
+                          <m:r>
+                            <a:rPr lang="en-US" altLang="ko-KR" b="0" i="1" smtClean="0">
+                              <a:latin typeface="Cambria Math" panose="02040503050406030204" pitchFamily="18" charset="0"/>
+                            </a:rPr>
+                            <m:t>𝑖</m:t>
+                          </m:r>
+                        </m:sub>
+                      </m:sSub>
+                      <m:r>
+                        <a:rPr lang="en-US" altLang="ko-KR" b="0" i="1" smtClean="0">
+                          <a:latin typeface="Cambria Math" panose="02040503050406030204" pitchFamily="18" charset="0"/>
+                        </a:rPr>
+                        <m:t>+</m:t>
+                      </m:r>
+                      <m:d>
+                        <m:dPr>
+                          <m:ctrlPr>
+                            <a:rPr lang="en-US" altLang="ko-KR" b="0" i="1" smtClean="0">
+                              <a:latin typeface="Cambria Math" panose="02040503050406030204" pitchFamily="18" charset="0"/>
+                            </a:rPr>
+                          </m:ctrlPr>
+                        </m:dPr>
+                        <m:e>
+                          <m:sSub>
+                            <m:sSubPr>
+                              <m:ctrlPr>
+                                <a:rPr lang="en-US" altLang="ko-KR" b="0" i="1" smtClean="0">
+                                  <a:latin typeface="Cambria Math" panose="02040503050406030204" pitchFamily="18" charset="0"/>
+                                </a:rPr>
+                              </m:ctrlPr>
+                            </m:sSubPr>
+                            <m:e>
+                              <m:r>
+                                <a:rPr lang="en-US" altLang="ko-KR" b="0" i="1" smtClean="0">
+                                  <a:latin typeface="Cambria Math" panose="02040503050406030204" pitchFamily="18" charset="0"/>
+                                </a:rPr>
+                                <m:t>𝑌</m:t>
+                              </m:r>
+                            </m:e>
+                            <m:sub>
+                              <m:r>
+                                <a:rPr lang="en-US" altLang="ko-KR" b="0" i="1" smtClean="0">
+                                  <a:latin typeface="Cambria Math" panose="02040503050406030204" pitchFamily="18" charset="0"/>
+                                </a:rPr>
+                                <m:t>𝑗𝑚</m:t>
+                              </m:r>
+                            </m:sub>
+                          </m:sSub>
+                          <m:d>
+                            <m:dPr>
+                              <m:ctrlPr>
+                                <a:rPr lang="en-US" altLang="ko-KR" b="0" i="1" smtClean="0">
+                                  <a:latin typeface="Cambria Math" panose="02040503050406030204" pitchFamily="18" charset="0"/>
+                                </a:rPr>
+                              </m:ctrlPr>
+                            </m:dPr>
+                            <m:e>
+                              <m:r>
+                                <a:rPr lang="en-US" altLang="ko-KR" b="0" i="1" smtClean="0">
+                                  <a:latin typeface="Cambria Math" panose="02040503050406030204" pitchFamily="18" charset="0"/>
+                                </a:rPr>
+                                <m:t>𝑖</m:t>
+                              </m:r>
+                            </m:e>
+                          </m:d>
+                          <m:r>
+                            <a:rPr lang="en-US" altLang="ko-KR" b="0" i="1" smtClean="0">
+                              <a:latin typeface="Cambria Math" panose="02040503050406030204" pitchFamily="18" charset="0"/>
+                            </a:rPr>
+                            <m:t>−</m:t>
+                          </m:r>
+                          <m:sSub>
+                            <m:sSubPr>
+                              <m:ctrlPr>
+                                <a:rPr lang="en-US" altLang="ko-KR" b="0" i="1" smtClean="0">
+                                  <a:latin typeface="Cambria Math" panose="02040503050406030204" pitchFamily="18" charset="0"/>
+                                </a:rPr>
+                              </m:ctrlPr>
+                            </m:sSubPr>
+                            <m:e>
+                              <m:r>
+                                <a:rPr lang="en-US" altLang="ko-KR" b="0" i="1" smtClean="0">
+                                  <a:latin typeface="Cambria Math" panose="02040503050406030204" pitchFamily="18" charset="0"/>
+                                </a:rPr>
+                                <m:t>𝑌</m:t>
+                              </m:r>
+                            </m:e>
+                            <m:sub>
+                              <m:r>
+                                <a:rPr lang="en-US" altLang="ko-KR" b="0" i="1" smtClean="0">
+                                  <a:latin typeface="Cambria Math" panose="02040503050406030204" pitchFamily="18" charset="0"/>
+                                </a:rPr>
+                                <m:t>𝑖</m:t>
+                              </m:r>
+                            </m:sub>
+                          </m:sSub>
+                        </m:e>
+                      </m:d>
+                      <m:d>
+                        <m:dPr>
+                          <m:ctrlPr>
+                            <a:rPr lang="en-US" altLang="ko-KR" b="0" i="1" smtClean="0">
+                              <a:latin typeface="Cambria Math" panose="02040503050406030204" pitchFamily="18" charset="0"/>
+                            </a:rPr>
+                          </m:ctrlPr>
+                        </m:dPr>
+                        <m:e>
+                          <m:r>
+                            <a:rPr lang="en-US" altLang="ko-KR" b="0" i="1" smtClean="0">
+                              <a:latin typeface="Cambria Math" panose="02040503050406030204" pitchFamily="18" charset="0"/>
+                            </a:rPr>
+                            <m:t>1−</m:t>
+                          </m:r>
+                          <m:sSub>
+                            <m:sSubPr>
+                              <m:ctrlPr>
+                                <a:rPr lang="en-US" altLang="ko-KR" b="0" i="1" smtClean="0">
+                                  <a:latin typeface="Cambria Math" panose="02040503050406030204" pitchFamily="18" charset="0"/>
+                                </a:rPr>
+                              </m:ctrlPr>
+                            </m:sSubPr>
+                            <m:e>
+                              <m:r>
+                                <a:rPr lang="en-US" altLang="ko-KR" b="0" i="1" smtClean="0">
+                                  <a:latin typeface="Cambria Math" panose="02040503050406030204" pitchFamily="18" charset="0"/>
+                                </a:rPr>
+                                <m:t>𝑇</m:t>
+                              </m:r>
+                            </m:e>
+                            <m:sub>
+                              <m:r>
+                                <a:rPr lang="en-US" altLang="ko-KR" b="0" i="1" smtClean="0">
+                                  <a:latin typeface="Cambria Math" panose="02040503050406030204" pitchFamily="18" charset="0"/>
+                                </a:rPr>
+                                <m:t>𝑖</m:t>
+                              </m:r>
+                            </m:sub>
+                          </m:sSub>
+                        </m:e>
+                      </m:d>
+                      <m:r>
+                        <a:rPr lang="en-US" altLang="ko-KR" b="0" i="1" smtClean="0">
+                          <a:latin typeface="Cambria Math" panose="02040503050406030204" pitchFamily="18" charset="0"/>
+                        </a:rPr>
+                        <m:t>}</m:t>
+                      </m:r>
+                    </m:oMath>
+                  </m:oMathPara>
+                </a14:m>
+                <a:endParaRPr lang="ko-KR" altLang="en-US" dirty="0"/>
+              </a:p>
+            </p:txBody>
+          </p:sp>
+        </mc:Choice>
+        <mc:Fallback>
+          <p:sp>
+            <p:nvSpPr>
+              <p:cNvPr id="28" name="TextBox 27"/>
+              <p:cNvSpPr txBox="1">
+                <a:spLocks noRot="1" noChangeAspect="1" noMove="1" noResize="1" noEditPoints="1" noAdjustHandles="1" noChangeArrowheads="1" noChangeShapeType="1" noTextEdit="1"/>
+              </p:cNvSpPr>
+              <p:nvPr/>
+            </p:nvSpPr>
+            <p:spPr>
+              <a:xfrm>
+                <a:off x="5495109" y="5442857"/>
+                <a:ext cx="6348548" cy="610936"/>
+              </a:xfrm>
+              <a:prstGeom prst="rect">
+                <a:avLst/>
+              </a:prstGeom>
+              <a:blipFill rotWithShape="0">
+                <a:blip r:embed="rId2"/>
+                <a:stretch>
+                  <a:fillRect/>
+                </a:stretch>
+              </a:blipFill>
+            </p:spPr>
+            <p:txBody>
+              <a:bodyPr/>
+              <a:lstStyle/>
+              <a:p>
+                <a:r>
+                  <a:rPr lang="ko-KR" altLang="en-US">
+                    <a:noFill/>
+                  </a:rPr>
+                  <a:t> </a:t>
+                </a:r>
+              </a:p>
+            </p:txBody>
+          </p:sp>
+        </mc:Fallback>
+      </mc:AlternateContent>
+      <p:sp>
+        <p:nvSpPr>
+          <p:cNvPr id="29" name="TextBox 28"/>
+          <p:cNvSpPr txBox="1"/>
+          <p:nvPr/>
+        </p:nvSpPr>
+        <p:spPr>
+          <a:xfrm>
+            <a:off x="4410889" y="4246211"/>
+            <a:ext cx="4493622" cy="369332"/>
+          </a:xfrm>
+          <a:prstGeom prst="rect">
+            <a:avLst/>
+          </a:prstGeom>
+          <a:noFill/>
+        </p:spPr>
+        <p:txBody>
+          <a:bodyPr wrap="square" rtlCol="0">
+            <a:spAutoFit/>
+          </a:bodyPr>
+          <a:lstStyle/>
+          <a:p>
+            <a:r>
+              <a:rPr lang="en-US" altLang="ko-KR" dirty="0" smtClean="0">
+                <a:solidFill>
+                  <a:srgbClr val="7030A0"/>
+                </a:solidFill>
+                <a:sym typeface="Wingdings" panose="05000000000000000000" pitchFamily="2" charset="2"/>
+              </a:rPr>
+              <a:t> </a:t>
+            </a:r>
+            <a:r>
+              <a:rPr lang="en-US" altLang="ko-KR" dirty="0" smtClean="0">
+                <a:solidFill>
+                  <a:srgbClr val="7030A0"/>
+                </a:solidFill>
+              </a:rPr>
+              <a:t>ATE</a:t>
+            </a:r>
+            <a:r>
+              <a:rPr lang="ko-KR" altLang="en-US" smtClean="0">
+                <a:solidFill>
+                  <a:srgbClr val="7030A0"/>
+                </a:solidFill>
+              </a:rPr>
+              <a:t>는 개별 </a:t>
+            </a:r>
+            <a:r>
+              <a:rPr lang="en-US" altLang="ko-KR" dirty="0" smtClean="0">
+                <a:solidFill>
+                  <a:srgbClr val="7030A0"/>
+                </a:solidFill>
+              </a:rPr>
+              <a:t>Causal Effect</a:t>
+            </a:r>
+            <a:r>
+              <a:rPr lang="ko-KR" altLang="en-US" smtClean="0">
+                <a:solidFill>
+                  <a:srgbClr val="7030A0"/>
+                </a:solidFill>
+              </a:rPr>
+              <a:t>들의 평균</a:t>
+            </a:r>
+            <a:endParaRPr lang="ko-KR" altLang="en-US">
+              <a:solidFill>
+                <a:srgbClr val="7030A0"/>
+              </a:solidFill>
+            </a:endParaRPr>
           </a:p>
         </p:txBody>
       </p:sp>
@@ -6101,7 +7677,7 @@
         <p:cNvPr id="1" name="">
           <a:extLst>
             <a:ext uri="{FF2B5EF4-FFF2-40B4-BE49-F238E27FC236}">
-              <a16:creationId xmlns:a16="http://schemas.microsoft.com/office/drawing/2014/main" id="{BEB3E296-BFF3-3395-DBDC-64A50A82079D}"/>
+              <a16:creationId xmlns:a16="http://schemas.microsoft.com/office/drawing/2014/main" xmlns="" id="{BEB3E296-BFF3-3395-DBDC-64A50A82079D}"/>
             </a:ext>
           </a:extLst>
         </p:cNvPr>
@@ -6121,7 +7697,7 @@
           <p:cNvPr id="2" name="제목 1">
             <a:extLst>
               <a:ext uri="{FF2B5EF4-FFF2-40B4-BE49-F238E27FC236}">
-                <a16:creationId xmlns:a16="http://schemas.microsoft.com/office/drawing/2014/main" id="{A58B00D9-7B7C-401D-7465-7A2AF160289D}"/>
+                <a16:creationId xmlns:a16="http://schemas.microsoft.com/office/drawing/2014/main" xmlns="" id="{A58B00D9-7B7C-401D-7465-7A2AF160289D}"/>
               </a:ext>
             </a:extLst>
           </p:cNvPr>
@@ -6149,7 +7725,7 @@
           <p:cNvPr id="3" name="타원 2">
             <a:extLst>
               <a:ext uri="{FF2B5EF4-FFF2-40B4-BE49-F238E27FC236}">
-                <a16:creationId xmlns:a16="http://schemas.microsoft.com/office/drawing/2014/main" id="{FF0B015A-13FF-1AA0-2951-446ACF3303B0}"/>
+                <a16:creationId xmlns:a16="http://schemas.microsoft.com/office/drawing/2014/main" xmlns="" id="{FF0B015A-13FF-1AA0-2951-446ACF3303B0}"/>
               </a:ext>
             </a:extLst>
           </p:cNvPr>
@@ -6193,7 +7769,7 @@
           <p:cNvPr id="5" name="직선 화살표 연결선 4">
             <a:extLst>
               <a:ext uri="{FF2B5EF4-FFF2-40B4-BE49-F238E27FC236}">
-                <a16:creationId xmlns:a16="http://schemas.microsoft.com/office/drawing/2014/main" id="{6E795812-A893-2833-43E0-C4195A121588}"/>
+                <a16:creationId xmlns:a16="http://schemas.microsoft.com/office/drawing/2014/main" xmlns="" id="{6E795812-A893-2833-43E0-C4195A121588}"/>
               </a:ext>
             </a:extLst>
           </p:cNvPr>
@@ -6232,7 +7808,7 @@
           <p:cNvPr id="6" name="TextBox 5">
             <a:extLst>
               <a:ext uri="{FF2B5EF4-FFF2-40B4-BE49-F238E27FC236}">
-                <a16:creationId xmlns:a16="http://schemas.microsoft.com/office/drawing/2014/main" id="{622A02EE-0224-6B1C-0EB5-3AF21F66CB57}"/>
+                <a16:creationId xmlns:a16="http://schemas.microsoft.com/office/drawing/2014/main" xmlns="" id="{622A02EE-0224-6B1C-0EB5-3AF21F66CB57}"/>
               </a:ext>
             </a:extLst>
           </p:cNvPr>
@@ -6268,7 +7844,7 @@
           <p:cNvPr id="7" name="직선 화살표 연결선 6">
             <a:extLst>
               <a:ext uri="{FF2B5EF4-FFF2-40B4-BE49-F238E27FC236}">
-                <a16:creationId xmlns:a16="http://schemas.microsoft.com/office/drawing/2014/main" id="{8993A806-6A21-D948-20AE-B0382F947579}"/>
+                <a16:creationId xmlns:a16="http://schemas.microsoft.com/office/drawing/2014/main" xmlns="" id="{8993A806-6A21-D948-20AE-B0382F947579}"/>
               </a:ext>
             </a:extLst>
           </p:cNvPr>
@@ -6309,7 +7885,7 @@
           <p:cNvPr id="9" name="직선 화살표 연결선 8">
             <a:extLst>
               <a:ext uri="{FF2B5EF4-FFF2-40B4-BE49-F238E27FC236}">
-                <a16:creationId xmlns:a16="http://schemas.microsoft.com/office/drawing/2014/main" id="{8D265F69-B204-9F00-4525-77DC4565F1C0}"/>
+                <a16:creationId xmlns:a16="http://schemas.microsoft.com/office/drawing/2014/main" xmlns="" id="{8D265F69-B204-9F00-4525-77DC4565F1C0}"/>
               </a:ext>
             </a:extLst>
           </p:cNvPr>
@@ -6350,7 +7926,7 @@
           <p:cNvPr id="11" name="직선 화살표 연결선 10">
             <a:extLst>
               <a:ext uri="{FF2B5EF4-FFF2-40B4-BE49-F238E27FC236}">
-                <a16:creationId xmlns:a16="http://schemas.microsoft.com/office/drawing/2014/main" id="{6BA8FF11-747D-D2C9-A97D-6FFBB8BAEC35}"/>
+                <a16:creationId xmlns:a16="http://schemas.microsoft.com/office/drawing/2014/main" xmlns="" id="{6BA8FF11-747D-D2C9-A97D-6FFBB8BAEC35}"/>
               </a:ext>
             </a:extLst>
           </p:cNvPr>
@@ -6391,7 +7967,7 @@
           <p:cNvPr id="13" name="TextBox 12">
             <a:extLst>
               <a:ext uri="{FF2B5EF4-FFF2-40B4-BE49-F238E27FC236}">
-                <a16:creationId xmlns:a16="http://schemas.microsoft.com/office/drawing/2014/main" id="{A9E62B51-5338-0D4E-D821-C168CF87EE6C}"/>
+                <a16:creationId xmlns:a16="http://schemas.microsoft.com/office/drawing/2014/main" xmlns="" id="{A9E62B51-5338-0D4E-D821-C168CF87EE6C}"/>
               </a:ext>
             </a:extLst>
           </p:cNvPr>
@@ -6427,7 +8003,7 @@
           <p:cNvPr id="14" name="TextBox 13">
             <a:extLst>
               <a:ext uri="{FF2B5EF4-FFF2-40B4-BE49-F238E27FC236}">
-                <a16:creationId xmlns:a16="http://schemas.microsoft.com/office/drawing/2014/main" id="{E9CA4C93-E2CD-8208-3A0C-F61DAF819D42}"/>
+                <a16:creationId xmlns:a16="http://schemas.microsoft.com/office/drawing/2014/main" xmlns="" id="{E9CA4C93-E2CD-8208-3A0C-F61DAF819D42}"/>
               </a:ext>
             </a:extLst>
           </p:cNvPr>
@@ -6463,7 +8039,7 @@
           <p:cNvPr id="15" name="TextBox 14">
             <a:extLst>
               <a:ext uri="{FF2B5EF4-FFF2-40B4-BE49-F238E27FC236}">
-                <a16:creationId xmlns:a16="http://schemas.microsoft.com/office/drawing/2014/main" id="{0C18587A-DAE6-56F1-DCDB-943325B56976}"/>
+                <a16:creationId xmlns:a16="http://schemas.microsoft.com/office/drawing/2014/main" xmlns="" id="{0C18587A-DAE6-56F1-DCDB-943325B56976}"/>
               </a:ext>
             </a:extLst>
           </p:cNvPr>
@@ -6499,7 +8075,7 @@
           <p:cNvPr id="17" name="직선 연결선 16">
             <a:extLst>
               <a:ext uri="{FF2B5EF4-FFF2-40B4-BE49-F238E27FC236}">
-                <a16:creationId xmlns:a16="http://schemas.microsoft.com/office/drawing/2014/main" id="{57ECAF0C-DD77-3407-44F6-A8DE29258ACB}"/>
+                <a16:creationId xmlns:a16="http://schemas.microsoft.com/office/drawing/2014/main" xmlns="" id="{57ECAF0C-DD77-3407-44F6-A8DE29258ACB}"/>
               </a:ext>
             </a:extLst>
           </p:cNvPr>
@@ -6535,7 +8111,7 @@
           <p:cNvPr id="18" name="TextBox 17">
             <a:extLst>
               <a:ext uri="{FF2B5EF4-FFF2-40B4-BE49-F238E27FC236}">
-                <a16:creationId xmlns:a16="http://schemas.microsoft.com/office/drawing/2014/main" id="{518E7C7E-7280-59A3-0423-E11610532C92}"/>
+                <a16:creationId xmlns:a16="http://schemas.microsoft.com/office/drawing/2014/main" xmlns="" id="{518E7C7E-7280-59A3-0423-E11610532C92}"/>
               </a:ext>
             </a:extLst>
           </p:cNvPr>
@@ -6581,7 +8157,7 @@
           <p:cNvPr id="20" name="직선 연결선 19">
             <a:extLst>
               <a:ext uri="{FF2B5EF4-FFF2-40B4-BE49-F238E27FC236}">
-                <a16:creationId xmlns:a16="http://schemas.microsoft.com/office/drawing/2014/main" id="{15D96320-355D-6466-C701-0AC78AA0C71C}"/>
+                <a16:creationId xmlns:a16="http://schemas.microsoft.com/office/drawing/2014/main" xmlns="" id="{15D96320-355D-6466-C701-0AC78AA0C71C}"/>
               </a:ext>
             </a:extLst>
           </p:cNvPr>
@@ -6622,7 +8198,7 @@
           <p:cNvPr id="21" name="직사각형 20">
             <a:extLst>
               <a:ext uri="{FF2B5EF4-FFF2-40B4-BE49-F238E27FC236}">
-                <a16:creationId xmlns:a16="http://schemas.microsoft.com/office/drawing/2014/main" id="{13337562-C008-EEE4-55F2-325B184C2F34}"/>
+                <a16:creationId xmlns:a16="http://schemas.microsoft.com/office/drawing/2014/main" xmlns="" id="{13337562-C008-EEE4-55F2-325B184C2F34}"/>
               </a:ext>
             </a:extLst>
           </p:cNvPr>
@@ -6674,7 +8250,7 @@
           <p:cNvPr id="23" name="직선 연결선 22">
             <a:extLst>
               <a:ext uri="{FF2B5EF4-FFF2-40B4-BE49-F238E27FC236}">
-                <a16:creationId xmlns:a16="http://schemas.microsoft.com/office/drawing/2014/main" id="{24B4409D-1FFC-96B0-3A15-08C1FBE59E4C}"/>
+                <a16:creationId xmlns:a16="http://schemas.microsoft.com/office/drawing/2014/main" xmlns="" id="{24B4409D-1FFC-96B0-3A15-08C1FBE59E4C}"/>
               </a:ext>
             </a:extLst>
           </p:cNvPr>
@@ -6714,7 +8290,7 @@
               <p:cNvPr id="24" name="TextBox 23">
                 <a:extLst>
                   <a:ext uri="{FF2B5EF4-FFF2-40B4-BE49-F238E27FC236}">
-                    <a16:creationId xmlns:a16="http://schemas.microsoft.com/office/drawing/2014/main" id="{748C1C28-37B9-E2FC-40F6-654AE50B5A27}"/>
+                    <a16:creationId xmlns:a16="http://schemas.microsoft.com/office/drawing/2014/main" xmlns="" id="{748C1C28-37B9-E2FC-40F6-654AE50B5A27}"/>
                   </a:ext>
                 </a:extLst>
               </p:cNvPr>
@@ -6820,7 +8396,7 @@
           <p:cNvPr id="25" name="TextBox 24">
             <a:extLst>
               <a:ext uri="{FF2B5EF4-FFF2-40B4-BE49-F238E27FC236}">
-                <a16:creationId xmlns:a16="http://schemas.microsoft.com/office/drawing/2014/main" id="{D9C4797E-AFFD-B5C9-A83C-EEE2C96A1494}"/>
+                <a16:creationId xmlns:a16="http://schemas.microsoft.com/office/drawing/2014/main" xmlns="" id="{D9C4797E-AFFD-B5C9-A83C-EEE2C96A1494}"/>
               </a:ext>
             </a:extLst>
           </p:cNvPr>
@@ -6858,7 +8434,7 @@
               <p:cNvPr id="26" name="TextBox 25">
                 <a:extLst>
                   <a:ext uri="{FF2B5EF4-FFF2-40B4-BE49-F238E27FC236}">
-                    <a16:creationId xmlns:a16="http://schemas.microsoft.com/office/drawing/2014/main" id="{E4BEB4F0-176F-8929-3ED4-C483CAAB7E5F}"/>
+                    <a16:creationId xmlns:a16="http://schemas.microsoft.com/office/drawing/2014/main" xmlns="" id="{E4BEB4F0-176F-8929-3ED4-C483CAAB7E5F}"/>
                   </a:ext>
                 </a:extLst>
               </p:cNvPr>
@@ -6994,7 +8570,7 @@
           <p:cNvPr id="27" name="TextBox 26">
             <a:extLst>
               <a:ext uri="{FF2B5EF4-FFF2-40B4-BE49-F238E27FC236}">
-                <a16:creationId xmlns:a16="http://schemas.microsoft.com/office/drawing/2014/main" id="{0CB5ECB2-39E9-9C9D-8DD9-729627EDF22E}"/>
+                <a16:creationId xmlns:a16="http://schemas.microsoft.com/office/drawing/2014/main" xmlns="" id="{0CB5ECB2-39E9-9C9D-8DD9-729627EDF22E}"/>
               </a:ext>
             </a:extLst>
           </p:cNvPr>
@@ -7088,7 +8664,7 @@
         <p:cNvPr id="1" name="">
           <a:extLst>
             <a:ext uri="{FF2B5EF4-FFF2-40B4-BE49-F238E27FC236}">
-              <a16:creationId xmlns:a16="http://schemas.microsoft.com/office/drawing/2014/main" id="{A5950ADB-F49C-AF71-D5C2-AE79DC7F6260}"/>
+              <a16:creationId xmlns:a16="http://schemas.microsoft.com/office/drawing/2014/main" xmlns="" id="{A5950ADB-F49C-AF71-D5C2-AE79DC7F6260}"/>
             </a:ext>
           </a:extLst>
         </p:cNvPr>
@@ -7108,7 +8684,7 @@
           <p:cNvPr id="2" name="제목 1">
             <a:extLst>
               <a:ext uri="{FF2B5EF4-FFF2-40B4-BE49-F238E27FC236}">
-                <a16:creationId xmlns:a16="http://schemas.microsoft.com/office/drawing/2014/main" id="{52CC8B7F-39C6-F195-A1B4-F7361B19A756}"/>
+                <a16:creationId xmlns:a16="http://schemas.microsoft.com/office/drawing/2014/main" xmlns="" id="{52CC8B7F-39C6-F195-A1B4-F7361B19A756}"/>
               </a:ext>
             </a:extLst>
           </p:cNvPr>
@@ -7169,7 +8745,7 @@
           <p:cNvPr id="4" name="TextBox 3">
             <a:extLst>
               <a:ext uri="{FF2B5EF4-FFF2-40B4-BE49-F238E27FC236}">
-                <a16:creationId xmlns:a16="http://schemas.microsoft.com/office/drawing/2014/main" id="{98D01A56-84BA-E99D-3DBF-1DF1487B27DB}"/>
+                <a16:creationId xmlns:a16="http://schemas.microsoft.com/office/drawing/2014/main" xmlns="" id="{98D01A56-84BA-E99D-3DBF-1DF1487B27DB}"/>
               </a:ext>
             </a:extLst>
           </p:cNvPr>
@@ -7209,7 +8785,7 @@
           <p:cNvPr id="6" name="그림 5">
             <a:extLst>
               <a:ext uri="{FF2B5EF4-FFF2-40B4-BE49-F238E27FC236}">
-                <a16:creationId xmlns:a16="http://schemas.microsoft.com/office/drawing/2014/main" id="{DF73F12F-6F34-1B44-BF63-7B0C54F48079}"/>
+                <a16:creationId xmlns:a16="http://schemas.microsoft.com/office/drawing/2014/main" xmlns="" id="{DF73F12F-6F34-1B44-BF63-7B0C54F48079}"/>
               </a:ext>
             </a:extLst>
           </p:cNvPr>
@@ -7255,7 +8831,7 @@
         <p:cNvPr id="1" name="">
           <a:extLst>
             <a:ext uri="{FF2B5EF4-FFF2-40B4-BE49-F238E27FC236}">
-              <a16:creationId xmlns:a16="http://schemas.microsoft.com/office/drawing/2014/main" id="{384FF214-3A83-0692-4DB1-15FE4C6455CA}"/>
+              <a16:creationId xmlns:a16="http://schemas.microsoft.com/office/drawing/2014/main" xmlns="" id="{384FF214-3A83-0692-4DB1-15FE4C6455CA}"/>
             </a:ext>
           </a:extLst>
         </p:cNvPr>
@@ -7275,7 +8851,7 @@
           <p:cNvPr id="2" name="제목 1">
             <a:extLst>
               <a:ext uri="{FF2B5EF4-FFF2-40B4-BE49-F238E27FC236}">
-                <a16:creationId xmlns:a16="http://schemas.microsoft.com/office/drawing/2014/main" id="{86806696-678A-0EF7-2F6F-70B74F7D9A58}"/>
+                <a16:creationId xmlns:a16="http://schemas.microsoft.com/office/drawing/2014/main" xmlns="" id="{86806696-678A-0EF7-2F6F-70B74F7D9A58}"/>
               </a:ext>
             </a:extLst>
           </p:cNvPr>
@@ -7336,7 +8912,7 @@
           <p:cNvPr id="4" name="TextBox 3">
             <a:extLst>
               <a:ext uri="{FF2B5EF4-FFF2-40B4-BE49-F238E27FC236}">
-                <a16:creationId xmlns:a16="http://schemas.microsoft.com/office/drawing/2014/main" id="{80FDA4D7-7310-2706-8758-DE202D4546B9}"/>
+                <a16:creationId xmlns:a16="http://schemas.microsoft.com/office/drawing/2014/main" xmlns="" id="{80FDA4D7-7310-2706-8758-DE202D4546B9}"/>
               </a:ext>
             </a:extLst>
           </p:cNvPr>
@@ -7376,7 +8952,7 @@
           <p:cNvPr id="3" name="그림 2">
             <a:extLst>
               <a:ext uri="{FF2B5EF4-FFF2-40B4-BE49-F238E27FC236}">
-                <a16:creationId xmlns:a16="http://schemas.microsoft.com/office/drawing/2014/main" id="{5F291B69-FF93-0873-8A59-0F831022E93C}"/>
+                <a16:creationId xmlns:a16="http://schemas.microsoft.com/office/drawing/2014/main" xmlns="" id="{5F291B69-FF93-0873-8A59-0F831022E93C}"/>
               </a:ext>
             </a:extLst>
           </p:cNvPr>
@@ -7422,7 +8998,7 @@
         <p:cNvPr id="1" name="">
           <a:extLst>
             <a:ext uri="{FF2B5EF4-FFF2-40B4-BE49-F238E27FC236}">
-              <a16:creationId xmlns:a16="http://schemas.microsoft.com/office/drawing/2014/main" id="{E09C9800-9422-2B9A-01F3-2CF79E77DF04}"/>
+              <a16:creationId xmlns:a16="http://schemas.microsoft.com/office/drawing/2014/main" xmlns="" id="{E09C9800-9422-2B9A-01F3-2CF79E77DF04}"/>
             </a:ext>
           </a:extLst>
         </p:cNvPr>
@@ -7442,7 +9018,7 @@
           <p:cNvPr id="2" name="제목 1">
             <a:extLst>
               <a:ext uri="{FF2B5EF4-FFF2-40B4-BE49-F238E27FC236}">
-                <a16:creationId xmlns:a16="http://schemas.microsoft.com/office/drawing/2014/main" id="{6F875218-8F82-69A9-7BAC-48937F6F50C4}"/>
+                <a16:creationId xmlns:a16="http://schemas.microsoft.com/office/drawing/2014/main" xmlns="" id="{6F875218-8F82-69A9-7BAC-48937F6F50C4}"/>
               </a:ext>
             </a:extLst>
           </p:cNvPr>
@@ -7505,7 +9081,7 @@
               <p:cNvPr id="3" name="TextBox 2">
                 <a:extLst>
                   <a:ext uri="{FF2B5EF4-FFF2-40B4-BE49-F238E27FC236}">
-                    <a16:creationId xmlns:a16="http://schemas.microsoft.com/office/drawing/2014/main" id="{4D9C8F0B-4D79-9B49-D8B1-5C1B5C462D8E}"/>
+                    <a16:creationId xmlns:a16="http://schemas.microsoft.com/office/drawing/2014/main" xmlns="" id="{4D9C8F0B-4D79-9B49-D8B1-5C1B5C462D8E}"/>
                   </a:ext>
                 </a:extLst>
               </p:cNvPr>
@@ -8078,7 +9654,7 @@
           <p:cNvPr id="4" name="TextBox 3">
             <a:extLst>
               <a:ext uri="{FF2B5EF4-FFF2-40B4-BE49-F238E27FC236}">
-                <a16:creationId xmlns:a16="http://schemas.microsoft.com/office/drawing/2014/main" id="{4EFDF3EC-55A0-D46C-0228-22E3E122E141}"/>
+                <a16:creationId xmlns:a16="http://schemas.microsoft.com/office/drawing/2014/main" xmlns="" id="{4EFDF3EC-55A0-D46C-0228-22E3E122E141}"/>
               </a:ext>
             </a:extLst>
           </p:cNvPr>
@@ -8120,7 +9696,7 @@
               <p:cNvPr id="5" name="TextBox 4">
                 <a:extLst>
                   <a:ext uri="{FF2B5EF4-FFF2-40B4-BE49-F238E27FC236}">
-                    <a16:creationId xmlns:a16="http://schemas.microsoft.com/office/drawing/2014/main" id="{ACDBEE0D-B826-8D76-8D63-D4AEE13B144D}"/>
+                    <a16:creationId xmlns:a16="http://schemas.microsoft.com/office/drawing/2014/main" xmlns="" id="{ACDBEE0D-B826-8D76-8D63-D4AEE13B144D}"/>
                   </a:ext>
                 </a:extLst>
               </p:cNvPr>
@@ -8253,7 +9829,7 @@
           <p:cNvPr id="2" name="제목 1">
             <a:extLst>
               <a:ext uri="{FF2B5EF4-FFF2-40B4-BE49-F238E27FC236}">
-                <a16:creationId xmlns:a16="http://schemas.microsoft.com/office/drawing/2014/main" id="{14BB1C82-A6EA-6728-B361-E427A5FC1F6A}"/>
+                <a16:creationId xmlns:a16="http://schemas.microsoft.com/office/drawing/2014/main" xmlns="" id="{14BB1C82-A6EA-6728-B361-E427A5FC1F6A}"/>
               </a:ext>
             </a:extLst>
           </p:cNvPr>
@@ -8281,7 +9857,7 @@
           <p:cNvPr id="3" name="TextBox 2">
             <a:extLst>
               <a:ext uri="{FF2B5EF4-FFF2-40B4-BE49-F238E27FC236}">
-                <a16:creationId xmlns:a16="http://schemas.microsoft.com/office/drawing/2014/main" id="{BA1734FD-23B5-B2E9-7423-06CAC347DE34}"/>
+                <a16:creationId xmlns:a16="http://schemas.microsoft.com/office/drawing/2014/main" xmlns="" id="{BA1734FD-23B5-B2E9-7423-06CAC347DE34}"/>
               </a:ext>
             </a:extLst>
           </p:cNvPr>
@@ -8345,7 +9921,7 @@
           <p:cNvPr id="8" name="그림 7">
             <a:extLst>
               <a:ext uri="{FF2B5EF4-FFF2-40B4-BE49-F238E27FC236}">
-                <a16:creationId xmlns:a16="http://schemas.microsoft.com/office/drawing/2014/main" id="{64613356-037B-4FE5-B607-0A471AC23EF4}"/>
+                <a16:creationId xmlns:a16="http://schemas.microsoft.com/office/drawing/2014/main" xmlns="" id="{64613356-037B-4FE5-B607-0A471AC23EF4}"/>
               </a:ext>
             </a:extLst>
           </p:cNvPr>
@@ -8370,14 +9946,14 @@
           </a:prstGeom>
         </p:spPr>
       </p:pic>
-      <mc:AlternateContent xmlns:mc="http://schemas.openxmlformats.org/markup-compatibility/2006">
-        <mc:Choice xmlns:a14="http://schemas.microsoft.com/office/drawing/2010/main" Requires="a14">
+      <mc:AlternateContent xmlns:mc="http://schemas.openxmlformats.org/markup-compatibility/2006" xmlns:a14="http://schemas.microsoft.com/office/drawing/2010/main">
+        <mc:Choice Requires="a14">
           <p:sp>
             <p:nvSpPr>
               <p:cNvPr id="10" name="TextBox 9">
                 <a:extLst>
                   <a:ext uri="{FF2B5EF4-FFF2-40B4-BE49-F238E27FC236}">
-                    <a16:creationId xmlns:a16="http://schemas.microsoft.com/office/drawing/2014/main" id="{58C48D28-6948-1B0C-04E9-B813E89D7888}"/>
+                    <a16:creationId xmlns:a16="http://schemas.microsoft.com/office/drawing/2014/main" xmlns="" id="{58C48D28-6948-1B0C-04E9-B813E89D7888}"/>
                   </a:ext>
                 </a:extLst>
               </p:cNvPr>
@@ -8528,6 +10104,7 @@
                 <a:endParaRPr lang="en-US" altLang="ko-KR" dirty="0"/>
               </a:p>
               <a:p>
+                <a:pPr/>
                 <a14:m>
                   <m:oMathPara xmlns:m="http://schemas.openxmlformats.org/officeDocument/2006/math">
                     <m:oMathParaPr>
@@ -8700,7 +10277,7 @@
             </p:txBody>
           </p:sp>
         </mc:Choice>
-        <mc:Fallback>
+        <mc:Fallback xmlns="">
           <p:sp>
             <p:nvSpPr>
               <p:cNvPr id="10" name="TextBox 9">
@@ -8750,7 +10327,7 @@
           <p:cNvPr id="11" name="직사각형 10">
             <a:extLst>
               <a:ext uri="{FF2B5EF4-FFF2-40B4-BE49-F238E27FC236}">
-                <a16:creationId xmlns:a16="http://schemas.microsoft.com/office/drawing/2014/main" id="{60DB78F1-65BB-8CC9-642D-FB0DCA5D257F}"/>
+                <a16:creationId xmlns:a16="http://schemas.microsoft.com/office/drawing/2014/main" xmlns="" id="{60DB78F1-65BB-8CC9-642D-FB0DCA5D257F}"/>
               </a:ext>
             </a:extLst>
           </p:cNvPr>
@@ -8797,7 +10374,7 @@
           <p:cNvPr id="12" name="TextBox 11">
             <a:extLst>
               <a:ext uri="{FF2B5EF4-FFF2-40B4-BE49-F238E27FC236}">
-                <a16:creationId xmlns:a16="http://schemas.microsoft.com/office/drawing/2014/main" id="{9EB5A7C0-ED4B-9D4E-908C-53A1244FEE72}"/>
+                <a16:creationId xmlns:a16="http://schemas.microsoft.com/office/drawing/2014/main" xmlns="" id="{9EB5A7C0-ED4B-9D4E-908C-53A1244FEE72}"/>
               </a:ext>
             </a:extLst>
           </p:cNvPr>
@@ -8841,7 +10418,7 @@
           <p:cNvPr id="14" name="직선 화살표 연결선 13">
             <a:extLst>
               <a:ext uri="{FF2B5EF4-FFF2-40B4-BE49-F238E27FC236}">
-                <a16:creationId xmlns:a16="http://schemas.microsoft.com/office/drawing/2014/main" id="{879CAF77-0222-A7D0-B4C9-898C17B6A5CB}"/>
+                <a16:creationId xmlns:a16="http://schemas.microsoft.com/office/drawing/2014/main" xmlns="" id="{879CAF77-0222-A7D0-B4C9-898C17B6A5CB}"/>
               </a:ext>
             </a:extLst>
           </p:cNvPr>
@@ -8875,14 +10452,14 @@
           </a:fontRef>
         </p:style>
       </p:cxnSp>
-      <mc:AlternateContent xmlns:mc="http://schemas.openxmlformats.org/markup-compatibility/2006">
-        <mc:Choice xmlns:a14="http://schemas.microsoft.com/office/drawing/2010/main" Requires="a14">
+      <mc:AlternateContent xmlns:mc="http://schemas.openxmlformats.org/markup-compatibility/2006" xmlns:a14="http://schemas.microsoft.com/office/drawing/2010/main">
+        <mc:Choice Requires="a14">
           <p:sp>
             <p:nvSpPr>
               <p:cNvPr id="16" name="TextBox 15">
                 <a:extLst>
                   <a:ext uri="{FF2B5EF4-FFF2-40B4-BE49-F238E27FC236}">
-                    <a16:creationId xmlns:a16="http://schemas.microsoft.com/office/drawing/2014/main" id="{BBF558C1-E7AB-B037-D2EB-84665CAE8DDE}"/>
+                    <a16:creationId xmlns:a16="http://schemas.microsoft.com/office/drawing/2014/main" xmlns="" id="{BBF558C1-E7AB-B037-D2EB-84665CAE8DDE}"/>
                   </a:ext>
                 </a:extLst>
               </p:cNvPr>
@@ -8997,7 +10574,7 @@
             </p:txBody>
           </p:sp>
         </mc:Choice>
-        <mc:Fallback>
+        <mc:Fallback xmlns="">
           <p:sp>
             <p:nvSpPr>
               <p:cNvPr id="16" name="TextBox 15">
@@ -9063,7 +10640,7 @@
         <p:cNvPr id="1" name="">
           <a:extLst>
             <a:ext uri="{FF2B5EF4-FFF2-40B4-BE49-F238E27FC236}">
-              <a16:creationId xmlns:a16="http://schemas.microsoft.com/office/drawing/2014/main" id="{F2ABF2E9-6CAA-1BFC-082B-F540334F5C9C}"/>
+              <a16:creationId xmlns:a16="http://schemas.microsoft.com/office/drawing/2014/main" xmlns="" id="{F2ABF2E9-6CAA-1BFC-082B-F540334F5C9C}"/>
             </a:ext>
           </a:extLst>
         </p:cNvPr>
@@ -9083,7 +10660,7 @@
           <p:cNvPr id="2" name="제목 1">
             <a:extLst>
               <a:ext uri="{FF2B5EF4-FFF2-40B4-BE49-F238E27FC236}">
-                <a16:creationId xmlns:a16="http://schemas.microsoft.com/office/drawing/2014/main" id="{76541239-BC54-DE29-825B-6E21D04E69AE}"/>
+                <a16:creationId xmlns:a16="http://schemas.microsoft.com/office/drawing/2014/main" xmlns="" id="{76541239-BC54-DE29-825B-6E21D04E69AE}"/>
               </a:ext>
             </a:extLst>
           </p:cNvPr>
@@ -9111,7 +10688,7 @@
           <p:cNvPr id="4" name="TextBox 3">
             <a:extLst>
               <a:ext uri="{FF2B5EF4-FFF2-40B4-BE49-F238E27FC236}">
-                <a16:creationId xmlns:a16="http://schemas.microsoft.com/office/drawing/2014/main" id="{515EE11A-A125-CAF2-C642-C2E7193681B5}"/>
+                <a16:creationId xmlns:a16="http://schemas.microsoft.com/office/drawing/2014/main" xmlns="" id="{515EE11A-A125-CAF2-C642-C2E7193681B5}"/>
               </a:ext>
             </a:extLst>
           </p:cNvPr>
@@ -9181,7 +10758,7 @@
           <p:cNvPr id="8" name="그림 7">
             <a:extLst>
               <a:ext uri="{FF2B5EF4-FFF2-40B4-BE49-F238E27FC236}">
-                <a16:creationId xmlns:a16="http://schemas.microsoft.com/office/drawing/2014/main" id="{C28C6014-E9EE-7B10-E7DD-CF5696A2D84C}"/>
+                <a16:creationId xmlns:a16="http://schemas.microsoft.com/office/drawing/2014/main" xmlns="" id="{C28C6014-E9EE-7B10-E7DD-CF5696A2D84C}"/>
               </a:ext>
             </a:extLst>
           </p:cNvPr>
@@ -9211,7 +10788,7 @@
           <p:cNvPr id="9" name="TextBox 8">
             <a:extLst>
               <a:ext uri="{FF2B5EF4-FFF2-40B4-BE49-F238E27FC236}">
-                <a16:creationId xmlns:a16="http://schemas.microsoft.com/office/drawing/2014/main" id="{70A22FFC-9E05-C78D-6829-0E0EF0F28757}"/>
+                <a16:creationId xmlns:a16="http://schemas.microsoft.com/office/drawing/2014/main" xmlns="" id="{70A22FFC-9E05-C78D-6829-0E0EF0F28757}"/>
               </a:ext>
             </a:extLst>
           </p:cNvPr>
@@ -9289,7 +10866,7 @@
           <p:cNvPr id="10" name="직사각형 9">
             <a:extLst>
               <a:ext uri="{FF2B5EF4-FFF2-40B4-BE49-F238E27FC236}">
-                <a16:creationId xmlns:a16="http://schemas.microsoft.com/office/drawing/2014/main" id="{E394B91C-76C9-1258-0238-8629489B1EE0}"/>
+                <a16:creationId xmlns:a16="http://schemas.microsoft.com/office/drawing/2014/main" xmlns="" id="{E394B91C-76C9-1258-0238-8629489B1EE0}"/>
               </a:ext>
             </a:extLst>
           </p:cNvPr>
@@ -9352,7 +10929,7 @@
         <p:cNvPr id="1" name="">
           <a:extLst>
             <a:ext uri="{FF2B5EF4-FFF2-40B4-BE49-F238E27FC236}">
-              <a16:creationId xmlns:a16="http://schemas.microsoft.com/office/drawing/2014/main" id="{58BCE284-379F-426D-7FEB-697EE97F4955}"/>
+              <a16:creationId xmlns:a16="http://schemas.microsoft.com/office/drawing/2014/main" xmlns="" id="{58BCE284-379F-426D-7FEB-697EE97F4955}"/>
             </a:ext>
           </a:extLst>
         </p:cNvPr>
@@ -9372,7 +10949,7 @@
           <p:cNvPr id="2" name="제목 1">
             <a:extLst>
               <a:ext uri="{FF2B5EF4-FFF2-40B4-BE49-F238E27FC236}">
-                <a16:creationId xmlns:a16="http://schemas.microsoft.com/office/drawing/2014/main" id="{17E52FE5-ED2B-6136-662D-7FAADBF0F06A}"/>
+                <a16:creationId xmlns:a16="http://schemas.microsoft.com/office/drawing/2014/main" xmlns="" id="{17E52FE5-ED2B-6136-662D-7FAADBF0F06A}"/>
               </a:ext>
             </a:extLst>
           </p:cNvPr>
@@ -9400,7 +10977,7 @@
           <p:cNvPr id="4" name="TextBox 3">
             <a:extLst>
               <a:ext uri="{FF2B5EF4-FFF2-40B4-BE49-F238E27FC236}">
-                <a16:creationId xmlns:a16="http://schemas.microsoft.com/office/drawing/2014/main" id="{CB567F56-A9BD-E005-7F2A-6C103BE30502}"/>
+                <a16:creationId xmlns:a16="http://schemas.microsoft.com/office/drawing/2014/main" xmlns="" id="{CB567F56-A9BD-E005-7F2A-6C103BE30502}"/>
               </a:ext>
             </a:extLst>
           </p:cNvPr>
@@ -9471,7 +11048,7 @@
           <p:cNvPr id="5" name="그림 4">
             <a:extLst>
               <a:ext uri="{FF2B5EF4-FFF2-40B4-BE49-F238E27FC236}">
-                <a16:creationId xmlns:a16="http://schemas.microsoft.com/office/drawing/2014/main" id="{58BF9930-18B3-5873-09BB-639B2FFA98A0}"/>
+                <a16:creationId xmlns:a16="http://schemas.microsoft.com/office/drawing/2014/main" xmlns="" id="{58BF9930-18B3-5873-09BB-639B2FFA98A0}"/>
               </a:ext>
             </a:extLst>
           </p:cNvPr>
@@ -9501,7 +11078,7 @@
           <p:cNvPr id="6" name="TextBox 5">
             <a:extLst>
               <a:ext uri="{FF2B5EF4-FFF2-40B4-BE49-F238E27FC236}">
-                <a16:creationId xmlns:a16="http://schemas.microsoft.com/office/drawing/2014/main" id="{0C01D5AC-AEA7-CFA4-000D-A94168E285F0}"/>
+                <a16:creationId xmlns:a16="http://schemas.microsoft.com/office/drawing/2014/main" xmlns="" id="{0C01D5AC-AEA7-CFA4-000D-A94168E285F0}"/>
               </a:ext>
             </a:extLst>
           </p:cNvPr>
@@ -9601,7 +11178,7 @@
           <p:cNvPr id="7" name="직사각형 6">
             <a:extLst>
               <a:ext uri="{FF2B5EF4-FFF2-40B4-BE49-F238E27FC236}">
-                <a16:creationId xmlns:a16="http://schemas.microsoft.com/office/drawing/2014/main" id="{470C9A66-D050-080F-EA16-95287C2E0438}"/>
+                <a16:creationId xmlns:a16="http://schemas.microsoft.com/office/drawing/2014/main" xmlns="" id="{470C9A66-D050-080F-EA16-95287C2E0438}"/>
               </a:ext>
             </a:extLst>
           </p:cNvPr>
@@ -9664,7 +11241,7 @@
         <p:cNvPr id="1" name="">
           <a:extLst>
             <a:ext uri="{FF2B5EF4-FFF2-40B4-BE49-F238E27FC236}">
-              <a16:creationId xmlns:a16="http://schemas.microsoft.com/office/drawing/2014/main" id="{33374A11-0A89-3294-5974-D078EE6F031D}"/>
+              <a16:creationId xmlns:a16="http://schemas.microsoft.com/office/drawing/2014/main" xmlns="" id="{33374A11-0A89-3294-5974-D078EE6F031D}"/>
             </a:ext>
           </a:extLst>
         </p:cNvPr>
@@ -9684,7 +11261,7 @@
           <p:cNvPr id="2" name="제목 1">
             <a:extLst>
               <a:ext uri="{FF2B5EF4-FFF2-40B4-BE49-F238E27FC236}">
-                <a16:creationId xmlns:a16="http://schemas.microsoft.com/office/drawing/2014/main" id="{CAA07CD9-66C6-9F5A-F00D-621686950D49}"/>
+                <a16:creationId xmlns:a16="http://schemas.microsoft.com/office/drawing/2014/main" xmlns="" id="{CAA07CD9-66C6-9F5A-F00D-621686950D49}"/>
               </a:ext>
             </a:extLst>
           </p:cNvPr>
@@ -9712,7 +11289,7 @@
           <p:cNvPr id="4" name="TextBox 3">
             <a:extLst>
               <a:ext uri="{FF2B5EF4-FFF2-40B4-BE49-F238E27FC236}">
-                <a16:creationId xmlns:a16="http://schemas.microsoft.com/office/drawing/2014/main" id="{08EC7198-6E5E-F2EE-F9F5-268C596F236A}"/>
+                <a16:creationId xmlns:a16="http://schemas.microsoft.com/office/drawing/2014/main" xmlns="" id="{08EC7198-6E5E-F2EE-F9F5-268C596F236A}"/>
               </a:ext>
             </a:extLst>
           </p:cNvPr>
@@ -9798,7 +11375,7 @@
           <p:cNvPr id="7" name="그림 6">
             <a:extLst>
               <a:ext uri="{FF2B5EF4-FFF2-40B4-BE49-F238E27FC236}">
-                <a16:creationId xmlns:a16="http://schemas.microsoft.com/office/drawing/2014/main" id="{54400E17-FE93-E154-3895-14746CFFF88A}"/>
+                <a16:creationId xmlns:a16="http://schemas.microsoft.com/office/drawing/2014/main" xmlns="" id="{54400E17-FE93-E154-3895-14746CFFF88A}"/>
               </a:ext>
             </a:extLst>
           </p:cNvPr>
@@ -9828,7 +11405,7 @@
           <p:cNvPr id="8" name="TextBox 7">
             <a:extLst>
               <a:ext uri="{FF2B5EF4-FFF2-40B4-BE49-F238E27FC236}">
-                <a16:creationId xmlns:a16="http://schemas.microsoft.com/office/drawing/2014/main" id="{6CC7B855-2475-3A48-DD17-C1632828CC1A}"/>
+                <a16:creationId xmlns:a16="http://schemas.microsoft.com/office/drawing/2014/main" xmlns="" id="{6CC7B855-2475-3A48-DD17-C1632828CC1A}"/>
               </a:ext>
             </a:extLst>
           </p:cNvPr>

--- a/causal_6week.pptx
+++ b/causal_6week.pptx
@@ -1442,7 +1442,7 @@
           <p:cNvPr id="2" name="제목 1">
             <a:extLst>
               <a:ext uri="{FF2B5EF4-FFF2-40B4-BE49-F238E27FC236}">
-                <a16:creationId xmlns:a16="http://schemas.microsoft.com/office/drawing/2014/main" xmlns="" id="{D5EA4483-E104-90D7-91C8-53C95AC4B9F8}"/>
+                <a16:creationId xmlns="" xmlns:a16="http://schemas.microsoft.com/office/drawing/2014/main" id="{D5EA4483-E104-90D7-91C8-53C95AC4B9F8}"/>
               </a:ext>
             </a:extLst>
           </p:cNvPr>
@@ -1479,7 +1479,7 @@
           <p:cNvPr id="3" name="부제목 2">
             <a:extLst>
               <a:ext uri="{FF2B5EF4-FFF2-40B4-BE49-F238E27FC236}">
-                <a16:creationId xmlns:a16="http://schemas.microsoft.com/office/drawing/2014/main" xmlns="" id="{1B538EC8-181D-6488-2088-BC6522D4AC65}"/>
+                <a16:creationId xmlns="" xmlns:a16="http://schemas.microsoft.com/office/drawing/2014/main" id="{1B538EC8-181D-6488-2088-BC6522D4AC65}"/>
               </a:ext>
             </a:extLst>
           </p:cNvPr>
@@ -1549,7 +1549,7 @@
           <p:cNvPr id="4" name="날짜 개체 틀 3">
             <a:extLst>
               <a:ext uri="{FF2B5EF4-FFF2-40B4-BE49-F238E27FC236}">
-                <a16:creationId xmlns:a16="http://schemas.microsoft.com/office/drawing/2014/main" xmlns="" id="{B4DD84E1-21DE-FB93-2D53-476BD8169DAF}"/>
+                <a16:creationId xmlns="" xmlns:a16="http://schemas.microsoft.com/office/drawing/2014/main" id="{B4DD84E1-21DE-FB93-2D53-476BD8169DAF}"/>
               </a:ext>
             </a:extLst>
           </p:cNvPr>
@@ -1578,7 +1578,7 @@
           <p:cNvPr id="5" name="바닥글 개체 틀 4">
             <a:extLst>
               <a:ext uri="{FF2B5EF4-FFF2-40B4-BE49-F238E27FC236}">
-                <a16:creationId xmlns:a16="http://schemas.microsoft.com/office/drawing/2014/main" xmlns="" id="{9E0484DF-C4AD-3B14-F80B-C05D27B477D3}"/>
+                <a16:creationId xmlns="" xmlns:a16="http://schemas.microsoft.com/office/drawing/2014/main" id="{9E0484DF-C4AD-3B14-F80B-C05D27B477D3}"/>
               </a:ext>
             </a:extLst>
           </p:cNvPr>
@@ -1603,7 +1603,7 @@
           <p:cNvPr id="6" name="슬라이드 번호 개체 틀 5">
             <a:extLst>
               <a:ext uri="{FF2B5EF4-FFF2-40B4-BE49-F238E27FC236}">
-                <a16:creationId xmlns:a16="http://schemas.microsoft.com/office/drawing/2014/main" xmlns="" id="{4DCED38E-3D5F-59AE-F08E-16360B00F3FC}"/>
+                <a16:creationId xmlns="" xmlns:a16="http://schemas.microsoft.com/office/drawing/2014/main" id="{4DCED38E-3D5F-59AE-F08E-16360B00F3FC}"/>
               </a:ext>
             </a:extLst>
           </p:cNvPr>
@@ -1662,7 +1662,7 @@
           <p:cNvPr id="2" name="제목 1">
             <a:extLst>
               <a:ext uri="{FF2B5EF4-FFF2-40B4-BE49-F238E27FC236}">
-                <a16:creationId xmlns:a16="http://schemas.microsoft.com/office/drawing/2014/main" xmlns="" id="{C4AC98FB-ABFD-A4B6-089D-9DC4AE07EC56}"/>
+                <a16:creationId xmlns="" xmlns:a16="http://schemas.microsoft.com/office/drawing/2014/main" id="{C4AC98FB-ABFD-A4B6-089D-9DC4AE07EC56}"/>
               </a:ext>
             </a:extLst>
           </p:cNvPr>
@@ -1690,7 +1690,7 @@
           <p:cNvPr id="3" name="세로 텍스트 개체 틀 2">
             <a:extLst>
               <a:ext uri="{FF2B5EF4-FFF2-40B4-BE49-F238E27FC236}">
-                <a16:creationId xmlns:a16="http://schemas.microsoft.com/office/drawing/2014/main" xmlns="" id="{DE3A8201-83EA-AFA9-2A36-F010FC391D48}"/>
+                <a16:creationId xmlns="" xmlns:a16="http://schemas.microsoft.com/office/drawing/2014/main" id="{DE3A8201-83EA-AFA9-2A36-F010FC391D48}"/>
               </a:ext>
             </a:extLst>
           </p:cNvPr>
@@ -1747,7 +1747,7 @@
           <p:cNvPr id="4" name="날짜 개체 틀 3">
             <a:extLst>
               <a:ext uri="{FF2B5EF4-FFF2-40B4-BE49-F238E27FC236}">
-                <a16:creationId xmlns:a16="http://schemas.microsoft.com/office/drawing/2014/main" xmlns="" id="{1BB76456-FE54-5BEA-500A-22DA741226C4}"/>
+                <a16:creationId xmlns="" xmlns:a16="http://schemas.microsoft.com/office/drawing/2014/main" id="{1BB76456-FE54-5BEA-500A-22DA741226C4}"/>
               </a:ext>
             </a:extLst>
           </p:cNvPr>
@@ -1776,7 +1776,7 @@
           <p:cNvPr id="5" name="바닥글 개체 틀 4">
             <a:extLst>
               <a:ext uri="{FF2B5EF4-FFF2-40B4-BE49-F238E27FC236}">
-                <a16:creationId xmlns:a16="http://schemas.microsoft.com/office/drawing/2014/main" xmlns="" id="{854DBB57-0AEB-CDE2-0208-7FF1E7AEB91E}"/>
+                <a16:creationId xmlns="" xmlns:a16="http://schemas.microsoft.com/office/drawing/2014/main" id="{854DBB57-0AEB-CDE2-0208-7FF1E7AEB91E}"/>
               </a:ext>
             </a:extLst>
           </p:cNvPr>
@@ -1801,7 +1801,7 @@
           <p:cNvPr id="6" name="슬라이드 번호 개체 틀 5">
             <a:extLst>
               <a:ext uri="{FF2B5EF4-FFF2-40B4-BE49-F238E27FC236}">
-                <a16:creationId xmlns:a16="http://schemas.microsoft.com/office/drawing/2014/main" xmlns="" id="{7BCF589F-FD50-3E2A-886B-9266FAEACFB2}"/>
+                <a16:creationId xmlns="" xmlns:a16="http://schemas.microsoft.com/office/drawing/2014/main" id="{7BCF589F-FD50-3E2A-886B-9266FAEACFB2}"/>
               </a:ext>
             </a:extLst>
           </p:cNvPr>
@@ -1860,7 +1860,7 @@
           <p:cNvPr id="2" name="세로 제목 1">
             <a:extLst>
               <a:ext uri="{FF2B5EF4-FFF2-40B4-BE49-F238E27FC236}">
-                <a16:creationId xmlns:a16="http://schemas.microsoft.com/office/drawing/2014/main" xmlns="" id="{B910D4C0-3AA8-86D4-6F25-E8FC101EDBDB}"/>
+                <a16:creationId xmlns="" xmlns:a16="http://schemas.microsoft.com/office/drawing/2014/main" id="{B910D4C0-3AA8-86D4-6F25-E8FC101EDBDB}"/>
               </a:ext>
             </a:extLst>
           </p:cNvPr>
@@ -1893,7 +1893,7 @@
           <p:cNvPr id="3" name="세로 텍스트 개체 틀 2">
             <a:extLst>
               <a:ext uri="{FF2B5EF4-FFF2-40B4-BE49-F238E27FC236}">
-                <a16:creationId xmlns:a16="http://schemas.microsoft.com/office/drawing/2014/main" xmlns="" id="{BFA7C42E-3949-5B2F-9216-DA642E2072FF}"/>
+                <a16:creationId xmlns="" xmlns:a16="http://schemas.microsoft.com/office/drawing/2014/main" id="{BFA7C42E-3949-5B2F-9216-DA642E2072FF}"/>
               </a:ext>
             </a:extLst>
           </p:cNvPr>
@@ -1955,7 +1955,7 @@
           <p:cNvPr id="4" name="날짜 개체 틀 3">
             <a:extLst>
               <a:ext uri="{FF2B5EF4-FFF2-40B4-BE49-F238E27FC236}">
-                <a16:creationId xmlns:a16="http://schemas.microsoft.com/office/drawing/2014/main" xmlns="" id="{F78D8EA8-7152-7A16-3530-ACD02C0E6A0C}"/>
+                <a16:creationId xmlns="" xmlns:a16="http://schemas.microsoft.com/office/drawing/2014/main" id="{F78D8EA8-7152-7A16-3530-ACD02C0E6A0C}"/>
               </a:ext>
             </a:extLst>
           </p:cNvPr>
@@ -1984,7 +1984,7 @@
           <p:cNvPr id="5" name="바닥글 개체 틀 4">
             <a:extLst>
               <a:ext uri="{FF2B5EF4-FFF2-40B4-BE49-F238E27FC236}">
-                <a16:creationId xmlns:a16="http://schemas.microsoft.com/office/drawing/2014/main" xmlns="" id="{9315F2CE-789B-F6D4-E968-66CC98084635}"/>
+                <a16:creationId xmlns="" xmlns:a16="http://schemas.microsoft.com/office/drawing/2014/main" id="{9315F2CE-789B-F6D4-E968-66CC98084635}"/>
               </a:ext>
             </a:extLst>
           </p:cNvPr>
@@ -2009,7 +2009,7 @@
           <p:cNvPr id="6" name="슬라이드 번호 개체 틀 5">
             <a:extLst>
               <a:ext uri="{FF2B5EF4-FFF2-40B4-BE49-F238E27FC236}">
-                <a16:creationId xmlns:a16="http://schemas.microsoft.com/office/drawing/2014/main" xmlns="" id="{3ABCABE6-757F-4E3C-7239-F02AC7DFB127}"/>
+                <a16:creationId xmlns="" xmlns:a16="http://schemas.microsoft.com/office/drawing/2014/main" id="{3ABCABE6-757F-4E3C-7239-F02AC7DFB127}"/>
               </a:ext>
             </a:extLst>
           </p:cNvPr>
@@ -2068,7 +2068,7 @@
           <p:cNvPr id="2" name="제목 1">
             <a:extLst>
               <a:ext uri="{FF2B5EF4-FFF2-40B4-BE49-F238E27FC236}">
-                <a16:creationId xmlns:a16="http://schemas.microsoft.com/office/drawing/2014/main" xmlns="" id="{6A13D7EA-1466-B582-E85E-15EFF3EB8928}"/>
+                <a16:creationId xmlns="" xmlns:a16="http://schemas.microsoft.com/office/drawing/2014/main" id="{6A13D7EA-1466-B582-E85E-15EFF3EB8928}"/>
               </a:ext>
             </a:extLst>
           </p:cNvPr>
@@ -2096,7 +2096,7 @@
           <p:cNvPr id="3" name="내용 개체 틀 2">
             <a:extLst>
               <a:ext uri="{FF2B5EF4-FFF2-40B4-BE49-F238E27FC236}">
-                <a16:creationId xmlns:a16="http://schemas.microsoft.com/office/drawing/2014/main" xmlns="" id="{76CB5CE6-4EDA-8547-7174-2528A92B174B}"/>
+                <a16:creationId xmlns="" xmlns:a16="http://schemas.microsoft.com/office/drawing/2014/main" id="{76CB5CE6-4EDA-8547-7174-2528A92B174B}"/>
               </a:ext>
             </a:extLst>
           </p:cNvPr>
@@ -2153,7 +2153,7 @@
           <p:cNvPr id="4" name="날짜 개체 틀 3">
             <a:extLst>
               <a:ext uri="{FF2B5EF4-FFF2-40B4-BE49-F238E27FC236}">
-                <a16:creationId xmlns:a16="http://schemas.microsoft.com/office/drawing/2014/main" xmlns="" id="{D1DC758C-55AF-0D7A-5FBC-8F09D3C4F190}"/>
+                <a16:creationId xmlns="" xmlns:a16="http://schemas.microsoft.com/office/drawing/2014/main" id="{D1DC758C-55AF-0D7A-5FBC-8F09D3C4F190}"/>
               </a:ext>
             </a:extLst>
           </p:cNvPr>
@@ -2182,7 +2182,7 @@
           <p:cNvPr id="5" name="바닥글 개체 틀 4">
             <a:extLst>
               <a:ext uri="{FF2B5EF4-FFF2-40B4-BE49-F238E27FC236}">
-                <a16:creationId xmlns:a16="http://schemas.microsoft.com/office/drawing/2014/main" xmlns="" id="{A77C4100-AE56-898F-6F75-149196970BE0}"/>
+                <a16:creationId xmlns="" xmlns:a16="http://schemas.microsoft.com/office/drawing/2014/main" id="{A77C4100-AE56-898F-6F75-149196970BE0}"/>
               </a:ext>
             </a:extLst>
           </p:cNvPr>
@@ -2207,7 +2207,7 @@
           <p:cNvPr id="6" name="슬라이드 번호 개체 틀 5">
             <a:extLst>
               <a:ext uri="{FF2B5EF4-FFF2-40B4-BE49-F238E27FC236}">
-                <a16:creationId xmlns:a16="http://schemas.microsoft.com/office/drawing/2014/main" xmlns="" id="{137F35B4-A2AA-CFE2-5E89-4568DEDFF5D5}"/>
+                <a16:creationId xmlns="" xmlns:a16="http://schemas.microsoft.com/office/drawing/2014/main" id="{137F35B4-A2AA-CFE2-5E89-4568DEDFF5D5}"/>
               </a:ext>
             </a:extLst>
           </p:cNvPr>
@@ -2266,7 +2266,7 @@
           <p:cNvPr id="2" name="제목 1">
             <a:extLst>
               <a:ext uri="{FF2B5EF4-FFF2-40B4-BE49-F238E27FC236}">
-                <a16:creationId xmlns:a16="http://schemas.microsoft.com/office/drawing/2014/main" xmlns="" id="{B558CD14-0ECF-2D74-377F-CEF67EA9452E}"/>
+                <a16:creationId xmlns="" xmlns:a16="http://schemas.microsoft.com/office/drawing/2014/main" id="{B558CD14-0ECF-2D74-377F-CEF67EA9452E}"/>
               </a:ext>
             </a:extLst>
           </p:cNvPr>
@@ -2303,7 +2303,7 @@
           <p:cNvPr id="3" name="텍스트 개체 틀 2">
             <a:extLst>
               <a:ext uri="{FF2B5EF4-FFF2-40B4-BE49-F238E27FC236}">
-                <a16:creationId xmlns:a16="http://schemas.microsoft.com/office/drawing/2014/main" xmlns="" id="{1214F566-1D5E-F4DA-83BA-1590A9F5A656}"/>
+                <a16:creationId xmlns="" xmlns:a16="http://schemas.microsoft.com/office/drawing/2014/main" id="{1214F566-1D5E-F4DA-83BA-1590A9F5A656}"/>
               </a:ext>
             </a:extLst>
           </p:cNvPr>
@@ -2428,7 +2428,7 @@
           <p:cNvPr id="4" name="날짜 개체 틀 3">
             <a:extLst>
               <a:ext uri="{FF2B5EF4-FFF2-40B4-BE49-F238E27FC236}">
-                <a16:creationId xmlns:a16="http://schemas.microsoft.com/office/drawing/2014/main" xmlns="" id="{E211600F-70AC-FA5C-D863-4BB0009D194B}"/>
+                <a16:creationId xmlns="" xmlns:a16="http://schemas.microsoft.com/office/drawing/2014/main" id="{E211600F-70AC-FA5C-D863-4BB0009D194B}"/>
               </a:ext>
             </a:extLst>
           </p:cNvPr>
@@ -2457,7 +2457,7 @@
           <p:cNvPr id="5" name="바닥글 개체 틀 4">
             <a:extLst>
               <a:ext uri="{FF2B5EF4-FFF2-40B4-BE49-F238E27FC236}">
-                <a16:creationId xmlns:a16="http://schemas.microsoft.com/office/drawing/2014/main" xmlns="" id="{7575640A-6772-07B1-4819-AA95D8C912D1}"/>
+                <a16:creationId xmlns="" xmlns:a16="http://schemas.microsoft.com/office/drawing/2014/main" id="{7575640A-6772-07B1-4819-AA95D8C912D1}"/>
               </a:ext>
             </a:extLst>
           </p:cNvPr>
@@ -2482,7 +2482,7 @@
           <p:cNvPr id="6" name="슬라이드 번호 개체 틀 5">
             <a:extLst>
               <a:ext uri="{FF2B5EF4-FFF2-40B4-BE49-F238E27FC236}">
-                <a16:creationId xmlns:a16="http://schemas.microsoft.com/office/drawing/2014/main" xmlns="" id="{5B955BFE-F5E4-9480-C3D9-E02848E1DD95}"/>
+                <a16:creationId xmlns="" xmlns:a16="http://schemas.microsoft.com/office/drawing/2014/main" id="{5B955BFE-F5E4-9480-C3D9-E02848E1DD95}"/>
               </a:ext>
             </a:extLst>
           </p:cNvPr>
@@ -2541,7 +2541,7 @@
           <p:cNvPr id="2" name="제목 1">
             <a:extLst>
               <a:ext uri="{FF2B5EF4-FFF2-40B4-BE49-F238E27FC236}">
-                <a16:creationId xmlns:a16="http://schemas.microsoft.com/office/drawing/2014/main" xmlns="" id="{F1788A65-22FA-14E5-5D42-16BFE7332D67}"/>
+                <a16:creationId xmlns="" xmlns:a16="http://schemas.microsoft.com/office/drawing/2014/main" id="{F1788A65-22FA-14E5-5D42-16BFE7332D67}"/>
               </a:ext>
             </a:extLst>
           </p:cNvPr>
@@ -2569,7 +2569,7 @@
           <p:cNvPr id="3" name="내용 개체 틀 2">
             <a:extLst>
               <a:ext uri="{FF2B5EF4-FFF2-40B4-BE49-F238E27FC236}">
-                <a16:creationId xmlns:a16="http://schemas.microsoft.com/office/drawing/2014/main" xmlns="" id="{8120282E-E60C-68D8-84D8-2D85095708E6}"/>
+                <a16:creationId xmlns="" xmlns:a16="http://schemas.microsoft.com/office/drawing/2014/main" id="{8120282E-E60C-68D8-84D8-2D85095708E6}"/>
               </a:ext>
             </a:extLst>
           </p:cNvPr>
@@ -2631,7 +2631,7 @@
           <p:cNvPr id="4" name="내용 개체 틀 3">
             <a:extLst>
               <a:ext uri="{FF2B5EF4-FFF2-40B4-BE49-F238E27FC236}">
-                <a16:creationId xmlns:a16="http://schemas.microsoft.com/office/drawing/2014/main" xmlns="" id="{17A18627-5291-E1D7-8D9D-8C79A1CEAD6E}"/>
+                <a16:creationId xmlns="" xmlns:a16="http://schemas.microsoft.com/office/drawing/2014/main" id="{17A18627-5291-E1D7-8D9D-8C79A1CEAD6E}"/>
               </a:ext>
             </a:extLst>
           </p:cNvPr>
@@ -2693,7 +2693,7 @@
           <p:cNvPr id="5" name="날짜 개체 틀 4">
             <a:extLst>
               <a:ext uri="{FF2B5EF4-FFF2-40B4-BE49-F238E27FC236}">
-                <a16:creationId xmlns:a16="http://schemas.microsoft.com/office/drawing/2014/main" xmlns="" id="{EB48C52E-9C07-3CD9-0708-19217EF14098}"/>
+                <a16:creationId xmlns="" xmlns:a16="http://schemas.microsoft.com/office/drawing/2014/main" id="{EB48C52E-9C07-3CD9-0708-19217EF14098}"/>
               </a:ext>
             </a:extLst>
           </p:cNvPr>
@@ -2722,7 +2722,7 @@
           <p:cNvPr id="6" name="바닥글 개체 틀 5">
             <a:extLst>
               <a:ext uri="{FF2B5EF4-FFF2-40B4-BE49-F238E27FC236}">
-                <a16:creationId xmlns:a16="http://schemas.microsoft.com/office/drawing/2014/main" xmlns="" id="{B46DE42B-3867-3114-3B97-CC463716ED3E}"/>
+                <a16:creationId xmlns="" xmlns:a16="http://schemas.microsoft.com/office/drawing/2014/main" id="{B46DE42B-3867-3114-3B97-CC463716ED3E}"/>
               </a:ext>
             </a:extLst>
           </p:cNvPr>
@@ -2747,7 +2747,7 @@
           <p:cNvPr id="7" name="슬라이드 번호 개체 틀 6">
             <a:extLst>
               <a:ext uri="{FF2B5EF4-FFF2-40B4-BE49-F238E27FC236}">
-                <a16:creationId xmlns:a16="http://schemas.microsoft.com/office/drawing/2014/main" xmlns="" id="{C87DFE0C-37BE-4882-1B1D-BF15BEA5F8B9}"/>
+                <a16:creationId xmlns="" xmlns:a16="http://schemas.microsoft.com/office/drawing/2014/main" id="{C87DFE0C-37BE-4882-1B1D-BF15BEA5F8B9}"/>
               </a:ext>
             </a:extLst>
           </p:cNvPr>
@@ -2806,7 +2806,7 @@
           <p:cNvPr id="2" name="제목 1">
             <a:extLst>
               <a:ext uri="{FF2B5EF4-FFF2-40B4-BE49-F238E27FC236}">
-                <a16:creationId xmlns:a16="http://schemas.microsoft.com/office/drawing/2014/main" xmlns="" id="{87A7E97A-87B0-6F34-57EF-E04FE42B9032}"/>
+                <a16:creationId xmlns="" xmlns:a16="http://schemas.microsoft.com/office/drawing/2014/main" id="{87A7E97A-87B0-6F34-57EF-E04FE42B9032}"/>
               </a:ext>
             </a:extLst>
           </p:cNvPr>
@@ -2839,7 +2839,7 @@
           <p:cNvPr id="3" name="텍스트 개체 틀 2">
             <a:extLst>
               <a:ext uri="{FF2B5EF4-FFF2-40B4-BE49-F238E27FC236}">
-                <a16:creationId xmlns:a16="http://schemas.microsoft.com/office/drawing/2014/main" xmlns="" id="{A59A23BA-88AF-3D29-4B0E-827E2A90751D}"/>
+                <a16:creationId xmlns="" xmlns:a16="http://schemas.microsoft.com/office/drawing/2014/main" id="{A59A23BA-88AF-3D29-4B0E-827E2A90751D}"/>
               </a:ext>
             </a:extLst>
           </p:cNvPr>
@@ -2910,7 +2910,7 @@
           <p:cNvPr id="4" name="내용 개체 틀 3">
             <a:extLst>
               <a:ext uri="{FF2B5EF4-FFF2-40B4-BE49-F238E27FC236}">
-                <a16:creationId xmlns:a16="http://schemas.microsoft.com/office/drawing/2014/main" xmlns="" id="{82776E72-CC74-0BC7-DCAB-E7E3232597D3}"/>
+                <a16:creationId xmlns="" xmlns:a16="http://schemas.microsoft.com/office/drawing/2014/main" id="{82776E72-CC74-0BC7-DCAB-E7E3232597D3}"/>
               </a:ext>
             </a:extLst>
           </p:cNvPr>
@@ -2972,7 +2972,7 @@
           <p:cNvPr id="5" name="텍스트 개체 틀 4">
             <a:extLst>
               <a:ext uri="{FF2B5EF4-FFF2-40B4-BE49-F238E27FC236}">
-                <a16:creationId xmlns:a16="http://schemas.microsoft.com/office/drawing/2014/main" xmlns="" id="{03B8C2CD-BCC2-5B60-2C84-B9155362506C}"/>
+                <a16:creationId xmlns="" xmlns:a16="http://schemas.microsoft.com/office/drawing/2014/main" id="{03B8C2CD-BCC2-5B60-2C84-B9155362506C}"/>
               </a:ext>
             </a:extLst>
           </p:cNvPr>
@@ -3043,7 +3043,7 @@
           <p:cNvPr id="6" name="내용 개체 틀 5">
             <a:extLst>
               <a:ext uri="{FF2B5EF4-FFF2-40B4-BE49-F238E27FC236}">
-                <a16:creationId xmlns:a16="http://schemas.microsoft.com/office/drawing/2014/main" xmlns="" id="{6C8A9CB0-92A0-8C61-F633-3E520E341D22}"/>
+                <a16:creationId xmlns="" xmlns:a16="http://schemas.microsoft.com/office/drawing/2014/main" id="{6C8A9CB0-92A0-8C61-F633-3E520E341D22}"/>
               </a:ext>
             </a:extLst>
           </p:cNvPr>
@@ -3105,7 +3105,7 @@
           <p:cNvPr id="7" name="날짜 개체 틀 6">
             <a:extLst>
               <a:ext uri="{FF2B5EF4-FFF2-40B4-BE49-F238E27FC236}">
-                <a16:creationId xmlns:a16="http://schemas.microsoft.com/office/drawing/2014/main" xmlns="" id="{77D52610-2E6B-7F0C-EFAE-34F080D81917}"/>
+                <a16:creationId xmlns="" xmlns:a16="http://schemas.microsoft.com/office/drawing/2014/main" id="{77D52610-2E6B-7F0C-EFAE-34F080D81917}"/>
               </a:ext>
             </a:extLst>
           </p:cNvPr>
@@ -3134,7 +3134,7 @@
           <p:cNvPr id="8" name="바닥글 개체 틀 7">
             <a:extLst>
               <a:ext uri="{FF2B5EF4-FFF2-40B4-BE49-F238E27FC236}">
-                <a16:creationId xmlns:a16="http://schemas.microsoft.com/office/drawing/2014/main" xmlns="" id="{E96F7A05-AB68-C081-F0B7-44FC69C71994}"/>
+                <a16:creationId xmlns="" xmlns:a16="http://schemas.microsoft.com/office/drawing/2014/main" id="{E96F7A05-AB68-C081-F0B7-44FC69C71994}"/>
               </a:ext>
             </a:extLst>
           </p:cNvPr>
@@ -3159,7 +3159,7 @@
           <p:cNvPr id="9" name="슬라이드 번호 개체 틀 8">
             <a:extLst>
               <a:ext uri="{FF2B5EF4-FFF2-40B4-BE49-F238E27FC236}">
-                <a16:creationId xmlns:a16="http://schemas.microsoft.com/office/drawing/2014/main" xmlns="" id="{833A9A21-FBF0-D717-B686-A182CC61862E}"/>
+                <a16:creationId xmlns="" xmlns:a16="http://schemas.microsoft.com/office/drawing/2014/main" id="{833A9A21-FBF0-D717-B686-A182CC61862E}"/>
               </a:ext>
             </a:extLst>
           </p:cNvPr>
@@ -3218,7 +3218,7 @@
           <p:cNvPr id="2" name="제목 1">
             <a:extLst>
               <a:ext uri="{FF2B5EF4-FFF2-40B4-BE49-F238E27FC236}">
-                <a16:creationId xmlns:a16="http://schemas.microsoft.com/office/drawing/2014/main" xmlns="" id="{315B99FF-AE0D-3DCB-21AD-B2840D069A1A}"/>
+                <a16:creationId xmlns="" xmlns:a16="http://schemas.microsoft.com/office/drawing/2014/main" id="{315B99FF-AE0D-3DCB-21AD-B2840D069A1A}"/>
               </a:ext>
             </a:extLst>
           </p:cNvPr>
@@ -3246,7 +3246,7 @@
           <p:cNvPr id="3" name="날짜 개체 틀 2">
             <a:extLst>
               <a:ext uri="{FF2B5EF4-FFF2-40B4-BE49-F238E27FC236}">
-                <a16:creationId xmlns:a16="http://schemas.microsoft.com/office/drawing/2014/main" xmlns="" id="{DA1DA211-366F-3C69-180B-B98CC283C650}"/>
+                <a16:creationId xmlns="" xmlns:a16="http://schemas.microsoft.com/office/drawing/2014/main" id="{DA1DA211-366F-3C69-180B-B98CC283C650}"/>
               </a:ext>
             </a:extLst>
           </p:cNvPr>
@@ -3275,7 +3275,7 @@
           <p:cNvPr id="4" name="바닥글 개체 틀 3">
             <a:extLst>
               <a:ext uri="{FF2B5EF4-FFF2-40B4-BE49-F238E27FC236}">
-                <a16:creationId xmlns:a16="http://schemas.microsoft.com/office/drawing/2014/main" xmlns="" id="{621FB0FB-6873-E18F-060A-D6A11D7BB581}"/>
+                <a16:creationId xmlns="" xmlns:a16="http://schemas.microsoft.com/office/drawing/2014/main" id="{621FB0FB-6873-E18F-060A-D6A11D7BB581}"/>
               </a:ext>
             </a:extLst>
           </p:cNvPr>
@@ -3300,7 +3300,7 @@
           <p:cNvPr id="5" name="슬라이드 번호 개체 틀 4">
             <a:extLst>
               <a:ext uri="{FF2B5EF4-FFF2-40B4-BE49-F238E27FC236}">
-                <a16:creationId xmlns:a16="http://schemas.microsoft.com/office/drawing/2014/main" xmlns="" id="{9C0CE81C-E8C3-B810-9D88-E89FB0371290}"/>
+                <a16:creationId xmlns="" xmlns:a16="http://schemas.microsoft.com/office/drawing/2014/main" id="{9C0CE81C-E8C3-B810-9D88-E89FB0371290}"/>
               </a:ext>
             </a:extLst>
           </p:cNvPr>
@@ -3359,7 +3359,7 @@
           <p:cNvPr id="2" name="날짜 개체 틀 1">
             <a:extLst>
               <a:ext uri="{FF2B5EF4-FFF2-40B4-BE49-F238E27FC236}">
-                <a16:creationId xmlns:a16="http://schemas.microsoft.com/office/drawing/2014/main" xmlns="" id="{6539BE36-2BBD-C56A-5430-CC6EB9A109E4}"/>
+                <a16:creationId xmlns="" xmlns:a16="http://schemas.microsoft.com/office/drawing/2014/main" id="{6539BE36-2BBD-C56A-5430-CC6EB9A109E4}"/>
               </a:ext>
             </a:extLst>
           </p:cNvPr>
@@ -3388,7 +3388,7 @@
           <p:cNvPr id="3" name="바닥글 개체 틀 2">
             <a:extLst>
               <a:ext uri="{FF2B5EF4-FFF2-40B4-BE49-F238E27FC236}">
-                <a16:creationId xmlns:a16="http://schemas.microsoft.com/office/drawing/2014/main" xmlns="" id="{78F671AC-45D8-CF62-4829-91D77EC60932}"/>
+                <a16:creationId xmlns="" xmlns:a16="http://schemas.microsoft.com/office/drawing/2014/main" id="{78F671AC-45D8-CF62-4829-91D77EC60932}"/>
               </a:ext>
             </a:extLst>
           </p:cNvPr>
@@ -3413,7 +3413,7 @@
           <p:cNvPr id="4" name="슬라이드 번호 개체 틀 3">
             <a:extLst>
               <a:ext uri="{FF2B5EF4-FFF2-40B4-BE49-F238E27FC236}">
-                <a16:creationId xmlns:a16="http://schemas.microsoft.com/office/drawing/2014/main" xmlns="" id="{DCDA8975-267D-7D2E-4AE9-863F8F0554E2}"/>
+                <a16:creationId xmlns="" xmlns:a16="http://schemas.microsoft.com/office/drawing/2014/main" id="{DCDA8975-267D-7D2E-4AE9-863F8F0554E2}"/>
               </a:ext>
             </a:extLst>
           </p:cNvPr>
@@ -3472,7 +3472,7 @@
           <p:cNvPr id="2" name="제목 1">
             <a:extLst>
               <a:ext uri="{FF2B5EF4-FFF2-40B4-BE49-F238E27FC236}">
-                <a16:creationId xmlns:a16="http://schemas.microsoft.com/office/drawing/2014/main" xmlns="" id="{21294700-5166-0543-9F04-C3BC542C82E3}"/>
+                <a16:creationId xmlns="" xmlns:a16="http://schemas.microsoft.com/office/drawing/2014/main" id="{21294700-5166-0543-9F04-C3BC542C82E3}"/>
               </a:ext>
             </a:extLst>
           </p:cNvPr>
@@ -3509,7 +3509,7 @@
           <p:cNvPr id="3" name="내용 개체 틀 2">
             <a:extLst>
               <a:ext uri="{FF2B5EF4-FFF2-40B4-BE49-F238E27FC236}">
-                <a16:creationId xmlns:a16="http://schemas.microsoft.com/office/drawing/2014/main" xmlns="" id="{818BF95C-410C-0FCB-0D8D-78EEDD54A360}"/>
+                <a16:creationId xmlns="" xmlns:a16="http://schemas.microsoft.com/office/drawing/2014/main" id="{818BF95C-410C-0FCB-0D8D-78EEDD54A360}"/>
               </a:ext>
             </a:extLst>
           </p:cNvPr>
@@ -3599,7 +3599,7 @@
           <p:cNvPr id="4" name="텍스트 개체 틀 3">
             <a:extLst>
               <a:ext uri="{FF2B5EF4-FFF2-40B4-BE49-F238E27FC236}">
-                <a16:creationId xmlns:a16="http://schemas.microsoft.com/office/drawing/2014/main" xmlns="" id="{B7A31AAF-4997-2455-95CE-3B5C94BC602F}"/>
+                <a16:creationId xmlns="" xmlns:a16="http://schemas.microsoft.com/office/drawing/2014/main" id="{B7A31AAF-4997-2455-95CE-3B5C94BC602F}"/>
               </a:ext>
             </a:extLst>
           </p:cNvPr>
@@ -3670,7 +3670,7 @@
           <p:cNvPr id="5" name="날짜 개체 틀 4">
             <a:extLst>
               <a:ext uri="{FF2B5EF4-FFF2-40B4-BE49-F238E27FC236}">
-                <a16:creationId xmlns:a16="http://schemas.microsoft.com/office/drawing/2014/main" xmlns="" id="{F4E9D385-8F1B-2921-0888-E2FDD6C7164B}"/>
+                <a16:creationId xmlns="" xmlns:a16="http://schemas.microsoft.com/office/drawing/2014/main" id="{F4E9D385-8F1B-2921-0888-E2FDD6C7164B}"/>
               </a:ext>
             </a:extLst>
           </p:cNvPr>
@@ -3699,7 +3699,7 @@
           <p:cNvPr id="6" name="바닥글 개체 틀 5">
             <a:extLst>
               <a:ext uri="{FF2B5EF4-FFF2-40B4-BE49-F238E27FC236}">
-                <a16:creationId xmlns:a16="http://schemas.microsoft.com/office/drawing/2014/main" xmlns="" id="{74803FAA-41F6-3A6A-3DDC-5D0FA69FE797}"/>
+                <a16:creationId xmlns="" xmlns:a16="http://schemas.microsoft.com/office/drawing/2014/main" id="{74803FAA-41F6-3A6A-3DDC-5D0FA69FE797}"/>
               </a:ext>
             </a:extLst>
           </p:cNvPr>
@@ -3724,7 +3724,7 @@
           <p:cNvPr id="7" name="슬라이드 번호 개체 틀 6">
             <a:extLst>
               <a:ext uri="{FF2B5EF4-FFF2-40B4-BE49-F238E27FC236}">
-                <a16:creationId xmlns:a16="http://schemas.microsoft.com/office/drawing/2014/main" xmlns="" id="{BB7326E7-1EC4-1CAB-6724-F70D2F78DB07}"/>
+                <a16:creationId xmlns="" xmlns:a16="http://schemas.microsoft.com/office/drawing/2014/main" id="{BB7326E7-1EC4-1CAB-6724-F70D2F78DB07}"/>
               </a:ext>
             </a:extLst>
           </p:cNvPr>
@@ -3783,7 +3783,7 @@
           <p:cNvPr id="2" name="제목 1">
             <a:extLst>
               <a:ext uri="{FF2B5EF4-FFF2-40B4-BE49-F238E27FC236}">
-                <a16:creationId xmlns:a16="http://schemas.microsoft.com/office/drawing/2014/main" xmlns="" id="{B0A437B4-DCF7-889F-AC43-55A980B8D9B0}"/>
+                <a16:creationId xmlns="" xmlns:a16="http://schemas.microsoft.com/office/drawing/2014/main" id="{B0A437B4-DCF7-889F-AC43-55A980B8D9B0}"/>
               </a:ext>
             </a:extLst>
           </p:cNvPr>
@@ -3820,7 +3820,7 @@
           <p:cNvPr id="3" name="그림 개체 틀 2">
             <a:extLst>
               <a:ext uri="{FF2B5EF4-FFF2-40B4-BE49-F238E27FC236}">
-                <a16:creationId xmlns:a16="http://schemas.microsoft.com/office/drawing/2014/main" xmlns="" id="{3D99663C-587F-24DA-D777-838799D425DC}"/>
+                <a16:creationId xmlns="" xmlns:a16="http://schemas.microsoft.com/office/drawing/2014/main" id="{3D99663C-587F-24DA-D777-838799D425DC}"/>
               </a:ext>
             </a:extLst>
           </p:cNvPr>
@@ -3887,7 +3887,7 @@
           <p:cNvPr id="4" name="텍스트 개체 틀 3">
             <a:extLst>
               <a:ext uri="{FF2B5EF4-FFF2-40B4-BE49-F238E27FC236}">
-                <a16:creationId xmlns:a16="http://schemas.microsoft.com/office/drawing/2014/main" xmlns="" id="{5CD40B18-171C-2BE4-864B-CF942902731A}"/>
+                <a16:creationId xmlns="" xmlns:a16="http://schemas.microsoft.com/office/drawing/2014/main" id="{5CD40B18-171C-2BE4-864B-CF942902731A}"/>
               </a:ext>
             </a:extLst>
           </p:cNvPr>
@@ -3958,7 +3958,7 @@
           <p:cNvPr id="5" name="날짜 개체 틀 4">
             <a:extLst>
               <a:ext uri="{FF2B5EF4-FFF2-40B4-BE49-F238E27FC236}">
-                <a16:creationId xmlns:a16="http://schemas.microsoft.com/office/drawing/2014/main" xmlns="" id="{861B8F27-A36E-B59E-131A-BF85162FB552}"/>
+                <a16:creationId xmlns="" xmlns:a16="http://schemas.microsoft.com/office/drawing/2014/main" id="{861B8F27-A36E-B59E-131A-BF85162FB552}"/>
               </a:ext>
             </a:extLst>
           </p:cNvPr>
@@ -3987,7 +3987,7 @@
           <p:cNvPr id="6" name="바닥글 개체 틀 5">
             <a:extLst>
               <a:ext uri="{FF2B5EF4-FFF2-40B4-BE49-F238E27FC236}">
-                <a16:creationId xmlns:a16="http://schemas.microsoft.com/office/drawing/2014/main" xmlns="" id="{AF76A810-1CAA-2912-F6D8-8F5A53E12C17}"/>
+                <a16:creationId xmlns="" xmlns:a16="http://schemas.microsoft.com/office/drawing/2014/main" id="{AF76A810-1CAA-2912-F6D8-8F5A53E12C17}"/>
               </a:ext>
             </a:extLst>
           </p:cNvPr>
@@ -4012,7 +4012,7 @@
           <p:cNvPr id="7" name="슬라이드 번호 개체 틀 6">
             <a:extLst>
               <a:ext uri="{FF2B5EF4-FFF2-40B4-BE49-F238E27FC236}">
-                <a16:creationId xmlns:a16="http://schemas.microsoft.com/office/drawing/2014/main" xmlns="" id="{5AE84830-3613-9AFB-BACE-8228E77BDDE4}"/>
+                <a16:creationId xmlns="" xmlns:a16="http://schemas.microsoft.com/office/drawing/2014/main" id="{5AE84830-3613-9AFB-BACE-8228E77BDDE4}"/>
               </a:ext>
             </a:extLst>
           </p:cNvPr>
@@ -4076,7 +4076,7 @@
           <p:cNvPr id="2" name="제목 개체 틀 1">
             <a:extLst>
               <a:ext uri="{FF2B5EF4-FFF2-40B4-BE49-F238E27FC236}">
-                <a16:creationId xmlns:a16="http://schemas.microsoft.com/office/drawing/2014/main" xmlns="" id="{2E5569DF-56D7-C7A2-53AA-EF726ECB14AF}"/>
+                <a16:creationId xmlns="" xmlns:a16="http://schemas.microsoft.com/office/drawing/2014/main" id="{2E5569DF-56D7-C7A2-53AA-EF726ECB14AF}"/>
               </a:ext>
             </a:extLst>
           </p:cNvPr>
@@ -4114,7 +4114,7 @@
           <p:cNvPr id="3" name="텍스트 개체 틀 2">
             <a:extLst>
               <a:ext uri="{FF2B5EF4-FFF2-40B4-BE49-F238E27FC236}">
-                <a16:creationId xmlns:a16="http://schemas.microsoft.com/office/drawing/2014/main" xmlns="" id="{81E7C24D-A503-11FC-C915-D138EFE0C72E}"/>
+                <a16:creationId xmlns="" xmlns:a16="http://schemas.microsoft.com/office/drawing/2014/main" id="{81E7C24D-A503-11FC-C915-D138EFE0C72E}"/>
               </a:ext>
             </a:extLst>
           </p:cNvPr>
@@ -4181,7 +4181,7 @@
           <p:cNvPr id="4" name="날짜 개체 틀 3">
             <a:extLst>
               <a:ext uri="{FF2B5EF4-FFF2-40B4-BE49-F238E27FC236}">
-                <a16:creationId xmlns:a16="http://schemas.microsoft.com/office/drawing/2014/main" xmlns="" id="{1A92F23E-29F0-6012-74E7-EBF6B57CFCF3}"/>
+                <a16:creationId xmlns="" xmlns:a16="http://schemas.microsoft.com/office/drawing/2014/main" id="{1A92F23E-29F0-6012-74E7-EBF6B57CFCF3}"/>
               </a:ext>
             </a:extLst>
           </p:cNvPr>
@@ -4228,7 +4228,7 @@
           <p:cNvPr id="5" name="바닥글 개체 틀 4">
             <a:extLst>
               <a:ext uri="{FF2B5EF4-FFF2-40B4-BE49-F238E27FC236}">
-                <a16:creationId xmlns:a16="http://schemas.microsoft.com/office/drawing/2014/main" xmlns="" id="{F7C48327-11E1-F4F4-ECE5-F39C6ADB39A5}"/>
+                <a16:creationId xmlns="" xmlns:a16="http://schemas.microsoft.com/office/drawing/2014/main" id="{F7C48327-11E1-F4F4-ECE5-F39C6ADB39A5}"/>
               </a:ext>
             </a:extLst>
           </p:cNvPr>
@@ -4271,7 +4271,7 @@
           <p:cNvPr id="6" name="슬라이드 번호 개체 틀 5">
             <a:extLst>
               <a:ext uri="{FF2B5EF4-FFF2-40B4-BE49-F238E27FC236}">
-                <a16:creationId xmlns:a16="http://schemas.microsoft.com/office/drawing/2014/main" xmlns="" id="{FE7B1FF4-824B-8C28-5C72-11A5887750DA}"/>
+                <a16:creationId xmlns="" xmlns:a16="http://schemas.microsoft.com/office/drawing/2014/main" id="{FE7B1FF4-824B-8C28-5C72-11A5887750DA}"/>
               </a:ext>
             </a:extLst>
           </p:cNvPr>
@@ -4639,7 +4639,7 @@
           <p:cNvPr id="2" name="제목 1">
             <a:extLst>
               <a:ext uri="{FF2B5EF4-FFF2-40B4-BE49-F238E27FC236}">
-                <a16:creationId xmlns:a16="http://schemas.microsoft.com/office/drawing/2014/main" xmlns="" id="{024DE9E7-37EB-9BB2-C5B6-509C444FC446}"/>
+                <a16:creationId xmlns="" xmlns:a16="http://schemas.microsoft.com/office/drawing/2014/main" id="{024DE9E7-37EB-9BB2-C5B6-509C444FC446}"/>
               </a:ext>
             </a:extLst>
           </p:cNvPr>
@@ -4682,7 +4682,7 @@
           <p:cNvPr id="3" name="부제목 2">
             <a:extLst>
               <a:ext uri="{FF2B5EF4-FFF2-40B4-BE49-F238E27FC236}">
-                <a16:creationId xmlns:a16="http://schemas.microsoft.com/office/drawing/2014/main" xmlns="" id="{A4FE4722-00EE-7B62-A490-7678E78D594C}"/>
+                <a16:creationId xmlns="" xmlns:a16="http://schemas.microsoft.com/office/drawing/2014/main" id="{A4FE4722-00EE-7B62-A490-7678E78D594C}"/>
               </a:ext>
             </a:extLst>
           </p:cNvPr>
@@ -4751,7 +4751,7 @@
         <p:cNvPr id="1" name="">
           <a:extLst>
             <a:ext uri="{FF2B5EF4-FFF2-40B4-BE49-F238E27FC236}">
-              <a16:creationId xmlns:a16="http://schemas.microsoft.com/office/drawing/2014/main" xmlns="" id="{74D8E53C-32CE-A0BE-B75D-1B5EC5441AEA}"/>
+              <a16:creationId xmlns="" xmlns:a16="http://schemas.microsoft.com/office/drawing/2014/main" id="{74D8E53C-32CE-A0BE-B75D-1B5EC5441AEA}"/>
             </a:ext>
           </a:extLst>
         </p:cNvPr>
@@ -4771,7 +4771,7 @@
           <p:cNvPr id="2" name="제목 1">
             <a:extLst>
               <a:ext uri="{FF2B5EF4-FFF2-40B4-BE49-F238E27FC236}">
-                <a16:creationId xmlns:a16="http://schemas.microsoft.com/office/drawing/2014/main" xmlns="" id="{63172539-1E7B-5B50-7E47-25973CB156A6}"/>
+                <a16:creationId xmlns="" xmlns:a16="http://schemas.microsoft.com/office/drawing/2014/main" id="{63172539-1E7B-5B50-7E47-25973CB156A6}"/>
               </a:ext>
             </a:extLst>
           </p:cNvPr>
@@ -4807,7 +4807,7 @@
           <p:cNvPr id="3" name="TextBox 2">
             <a:extLst>
               <a:ext uri="{FF2B5EF4-FFF2-40B4-BE49-F238E27FC236}">
-                <a16:creationId xmlns:a16="http://schemas.microsoft.com/office/drawing/2014/main" xmlns="" id="{02964F94-EEB1-8706-70CF-7404C15576C2}"/>
+                <a16:creationId xmlns="" xmlns:a16="http://schemas.microsoft.com/office/drawing/2014/main" id="{02964F94-EEB1-8706-70CF-7404C15576C2}"/>
               </a:ext>
             </a:extLst>
           </p:cNvPr>
@@ -5011,7 +5011,7 @@
         <p:cNvPr id="1" name="">
           <a:extLst>
             <a:ext uri="{FF2B5EF4-FFF2-40B4-BE49-F238E27FC236}">
-              <a16:creationId xmlns:a16="http://schemas.microsoft.com/office/drawing/2014/main" xmlns="" id="{18C10840-3832-1DB9-5B13-FCF02AF599EA}"/>
+              <a16:creationId xmlns="" xmlns:a16="http://schemas.microsoft.com/office/drawing/2014/main" id="{18C10840-3832-1DB9-5B13-FCF02AF599EA}"/>
             </a:ext>
           </a:extLst>
         </p:cNvPr>
@@ -5031,7 +5031,7 @@
           <p:cNvPr id="2" name="제목 1">
             <a:extLst>
               <a:ext uri="{FF2B5EF4-FFF2-40B4-BE49-F238E27FC236}">
-                <a16:creationId xmlns:a16="http://schemas.microsoft.com/office/drawing/2014/main" xmlns="" id="{F27A603E-3D55-F09D-ED13-967FE03F333F}"/>
+                <a16:creationId xmlns="" xmlns:a16="http://schemas.microsoft.com/office/drawing/2014/main" id="{F27A603E-3D55-F09D-ED13-967FE03F333F}"/>
               </a:ext>
             </a:extLst>
           </p:cNvPr>
@@ -5069,7 +5069,7 @@
               <p:cNvPr id="3" name="TextBox 2">
                 <a:extLst>
                   <a:ext uri="{FF2B5EF4-FFF2-40B4-BE49-F238E27FC236}">
-                    <a16:creationId xmlns:a16="http://schemas.microsoft.com/office/drawing/2014/main" xmlns="" id="{AD04664E-531E-988C-4519-6BB29C02C49D}"/>
+                    <a16:creationId xmlns="" xmlns:a16="http://schemas.microsoft.com/office/drawing/2014/main" id="{AD04664E-531E-988C-4519-6BB29C02C49D}"/>
                   </a:ext>
                 </a:extLst>
               </p:cNvPr>
@@ -5680,7 +5680,7 @@
         <p:cNvPr id="1" name="">
           <a:extLst>
             <a:ext uri="{FF2B5EF4-FFF2-40B4-BE49-F238E27FC236}">
-              <a16:creationId xmlns:a16="http://schemas.microsoft.com/office/drawing/2014/main" xmlns="" id="{9254BFC5-B7AC-5C33-36B9-771C68A6591E}"/>
+              <a16:creationId xmlns="" xmlns:a16="http://schemas.microsoft.com/office/drawing/2014/main" id="{9254BFC5-B7AC-5C33-36B9-771C68A6591E}"/>
             </a:ext>
           </a:extLst>
         </p:cNvPr>
@@ -5700,7 +5700,7 @@
           <p:cNvPr id="2" name="제목 1">
             <a:extLst>
               <a:ext uri="{FF2B5EF4-FFF2-40B4-BE49-F238E27FC236}">
-                <a16:creationId xmlns:a16="http://schemas.microsoft.com/office/drawing/2014/main" xmlns="" id="{D117FE7E-9F83-9DE6-89C6-880C15E9B836}"/>
+                <a16:creationId xmlns="" xmlns:a16="http://schemas.microsoft.com/office/drawing/2014/main" id="{D117FE7E-9F83-9DE6-89C6-880C15E9B836}"/>
               </a:ext>
             </a:extLst>
           </p:cNvPr>
@@ -5736,7 +5736,7 @@
           <p:cNvPr id="4" name="그림 3">
             <a:extLst>
               <a:ext uri="{FF2B5EF4-FFF2-40B4-BE49-F238E27FC236}">
-                <a16:creationId xmlns:a16="http://schemas.microsoft.com/office/drawing/2014/main" xmlns="" id="{8283B87C-A85B-602D-C41D-6031663B480E}"/>
+                <a16:creationId xmlns="" xmlns:a16="http://schemas.microsoft.com/office/drawing/2014/main" id="{8283B87C-A85B-602D-C41D-6031663B480E}"/>
               </a:ext>
             </a:extLst>
           </p:cNvPr>
@@ -5766,7 +5766,7 @@
           <p:cNvPr id="5" name="TextBox 4">
             <a:extLst>
               <a:ext uri="{FF2B5EF4-FFF2-40B4-BE49-F238E27FC236}">
-                <a16:creationId xmlns:a16="http://schemas.microsoft.com/office/drawing/2014/main" xmlns="" id="{EA6B8746-A085-0065-A793-B9B940017EAC}"/>
+                <a16:creationId xmlns="" xmlns:a16="http://schemas.microsoft.com/office/drawing/2014/main" id="{EA6B8746-A085-0065-A793-B9B940017EAC}"/>
               </a:ext>
             </a:extLst>
           </p:cNvPr>
@@ -5805,7 +5805,7 @@
           <p:cNvPr id="7" name="직선 연결선 6">
             <a:extLst>
               <a:ext uri="{FF2B5EF4-FFF2-40B4-BE49-F238E27FC236}">
-                <a16:creationId xmlns:a16="http://schemas.microsoft.com/office/drawing/2014/main" xmlns="" id="{9A5D1B73-7731-0D67-07B7-1AE271161F6E}"/>
+                <a16:creationId xmlns="" xmlns:a16="http://schemas.microsoft.com/office/drawing/2014/main" id="{9A5D1B73-7731-0D67-07B7-1AE271161F6E}"/>
               </a:ext>
             </a:extLst>
           </p:cNvPr>
@@ -5841,7 +5841,7 @@
           <p:cNvPr id="8" name="TextBox 7">
             <a:extLst>
               <a:ext uri="{FF2B5EF4-FFF2-40B4-BE49-F238E27FC236}">
-                <a16:creationId xmlns:a16="http://schemas.microsoft.com/office/drawing/2014/main" xmlns="" id="{C2C3F293-AAD5-6B80-742C-411D7D5EC638}"/>
+                <a16:creationId xmlns="" xmlns:a16="http://schemas.microsoft.com/office/drawing/2014/main" id="{C2C3F293-AAD5-6B80-742C-411D7D5EC638}"/>
               </a:ext>
             </a:extLst>
           </p:cNvPr>
@@ -5851,7 +5851,7 @@
         <p:spPr>
           <a:xfrm>
             <a:off x="6400800" y="2105891"/>
-            <a:ext cx="4641273" cy="3693319"/>
+            <a:ext cx="5320937" cy="4247317"/>
           </a:xfrm>
           <a:prstGeom prst="rect">
             <a:avLst/>
@@ -5947,15 +5947,15 @@
             <a:endParaRPr lang="en-US" altLang="ko-KR" dirty="0"/>
           </a:p>
           <a:p>
-            <a:endParaRPr lang="en-US" altLang="ko-KR" dirty="0" smtClean="0"/>
-          </a:p>
-          <a:p>
-            <a:r>
-              <a:rPr lang="ko-KR" altLang="en-US" dirty="0" smtClean="0"/>
+            <a:endParaRPr lang="en-US" altLang="ko-KR" b="1" dirty="0" smtClean="0"/>
+          </a:p>
+          <a:p>
+            <a:r>
+              <a:rPr lang="ko-KR" altLang="en-US" b="1" dirty="0" smtClean="0"/>
               <a:t>성향 점수가 같은 사람의 의미 </a:t>
             </a:r>
             <a:r>
-              <a:rPr lang="en-US" altLang="ko-KR" dirty="0" smtClean="0"/>
+              <a:rPr lang="en-US" altLang="ko-KR" b="1" dirty="0" smtClean="0"/>
               <a:t>?</a:t>
             </a:r>
           </a:p>
@@ -5968,7 +5968,125 @@
               <a:rPr lang="en-US" altLang="ko-KR" dirty="0" smtClean="0"/>
               <a:t>.</a:t>
             </a:r>
+          </a:p>
+          <a:p>
             <a:endParaRPr lang="en-US" altLang="ko-KR" dirty="0"/>
+          </a:p>
+          <a:p>
+            <a:r>
+              <a:rPr lang="ko-KR" altLang="en-US" dirty="0" smtClean="0">
+                <a:solidFill>
+                  <a:srgbClr val="0070C0"/>
+                </a:solidFill>
+              </a:rPr>
+              <a:t>성향점수의 기능 </a:t>
+            </a:r>
+            <a:r>
+              <a:rPr lang="en-US" altLang="ko-KR" dirty="0" smtClean="0">
+                <a:solidFill>
+                  <a:srgbClr val="0070C0"/>
+                </a:solidFill>
+              </a:rPr>
+              <a:t>:: </a:t>
+            </a:r>
+            <a:r>
+              <a:rPr lang="ko-KR" altLang="en-US" smtClean="0">
+                <a:solidFill>
+                  <a:srgbClr val="0070C0"/>
+                </a:solidFill>
+              </a:rPr>
+              <a:t>공변량의 차원이 클때</a:t>
+            </a:r>
+            <a:r>
+              <a:rPr lang="en-US" altLang="ko-KR" dirty="0" smtClean="0">
+                <a:solidFill>
+                  <a:srgbClr val="0070C0"/>
+                </a:solidFill>
+              </a:rPr>
+              <a:t>(</a:t>
+            </a:r>
+            <a:r>
+              <a:rPr lang="ko-KR" altLang="en-US" smtClean="0">
+                <a:solidFill>
+                  <a:srgbClr val="0070C0"/>
+                </a:solidFill>
+              </a:rPr>
+              <a:t>변수가 많을때</a:t>
+            </a:r>
+            <a:r>
+              <a:rPr lang="en-US" altLang="ko-KR" dirty="0" smtClean="0">
+                <a:solidFill>
+                  <a:srgbClr val="0070C0"/>
+                </a:solidFill>
+              </a:rPr>
+              <a:t>) </a:t>
+            </a:r>
+            <a:r>
+              <a:rPr lang="ko-KR" altLang="en-US" smtClean="0">
+                <a:solidFill>
+                  <a:srgbClr val="0070C0"/>
+                </a:solidFill>
+              </a:rPr>
+              <a:t>차원축소의 기능이 있음</a:t>
+            </a:r>
+            <a:r>
+              <a:rPr lang="en-US" altLang="ko-KR" dirty="0" smtClean="0">
+                <a:solidFill>
+                  <a:srgbClr val="0070C0"/>
+                </a:solidFill>
+              </a:rPr>
+              <a:t>.</a:t>
+            </a:r>
+          </a:p>
+          <a:p>
+            <a:r>
+              <a:rPr lang="en-US" altLang="ko-KR" dirty="0" smtClean="0">
+                <a:solidFill>
+                  <a:srgbClr val="0070C0"/>
+                </a:solidFill>
+              </a:rPr>
+              <a:t>(p</a:t>
+            </a:r>
+            <a:r>
+              <a:rPr lang="ko-KR" altLang="en-US" smtClean="0">
+                <a:solidFill>
+                  <a:srgbClr val="0070C0"/>
+                </a:solidFill>
+              </a:rPr>
+              <a:t>개의 공변량 변수 </a:t>
+            </a:r>
+            <a:r>
+              <a:rPr lang="en-US" altLang="ko-KR" dirty="0" smtClean="0">
+                <a:solidFill>
+                  <a:srgbClr val="0070C0"/>
+                </a:solidFill>
+                <a:sym typeface="Wingdings" panose="05000000000000000000" pitchFamily="2" charset="2"/>
+              </a:rPr>
+              <a:t> 1</a:t>
+            </a:r>
+            <a:r>
+              <a:rPr lang="ko-KR" altLang="en-US" smtClean="0">
+                <a:solidFill>
+                  <a:srgbClr val="0070C0"/>
+                </a:solidFill>
+                <a:sym typeface="Wingdings" panose="05000000000000000000" pitchFamily="2" charset="2"/>
+              </a:rPr>
+              <a:t>개의 성향점수로 대체</a:t>
+            </a:r>
+            <a:r>
+              <a:rPr lang="en-US" altLang="ko-KR" dirty="0" smtClean="0">
+                <a:solidFill>
+                  <a:srgbClr val="0070C0"/>
+                </a:solidFill>
+                <a:sym typeface="Wingdings" panose="05000000000000000000" pitchFamily="2" charset="2"/>
+              </a:rPr>
+              <a:t>)</a:t>
+            </a:r>
+            <a:endParaRPr lang="en-US" altLang="ko-KR" dirty="0">
+              <a:solidFill>
+                <a:srgbClr val="0070C0"/>
+              </a:solidFill>
+            </a:endParaRPr>
           </a:p>
         </p:txBody>
       </p:sp>
@@ -5993,7 +6111,7 @@
         <p:cNvPr id="1" name="">
           <a:extLst>
             <a:ext uri="{FF2B5EF4-FFF2-40B4-BE49-F238E27FC236}">
-              <a16:creationId xmlns:a16="http://schemas.microsoft.com/office/drawing/2014/main" xmlns="" id="{B3B8C22C-5024-95E5-3CC3-A243CD01A61D}"/>
+              <a16:creationId xmlns="" xmlns:a16="http://schemas.microsoft.com/office/drawing/2014/main" id="{B3B8C22C-5024-95E5-3CC3-A243CD01A61D}"/>
             </a:ext>
           </a:extLst>
         </p:cNvPr>
@@ -6013,7 +6131,7 @@
           <p:cNvPr id="2" name="제목 1">
             <a:extLst>
               <a:ext uri="{FF2B5EF4-FFF2-40B4-BE49-F238E27FC236}">
-                <a16:creationId xmlns:a16="http://schemas.microsoft.com/office/drawing/2014/main" xmlns="" id="{E6288DC9-3F36-5202-28CD-944F3114E946}"/>
+                <a16:creationId xmlns="" xmlns:a16="http://schemas.microsoft.com/office/drawing/2014/main" id="{E6288DC9-3F36-5202-28CD-944F3114E946}"/>
               </a:ext>
             </a:extLst>
           </p:cNvPr>
@@ -6049,7 +6167,7 @@
           <p:cNvPr id="3" name="그림 2">
             <a:extLst>
               <a:ext uri="{FF2B5EF4-FFF2-40B4-BE49-F238E27FC236}">
-                <a16:creationId xmlns:a16="http://schemas.microsoft.com/office/drawing/2014/main" xmlns="" id="{8283B87C-A85B-602D-C41D-6031663B480E}"/>
+                <a16:creationId xmlns="" xmlns:a16="http://schemas.microsoft.com/office/drawing/2014/main" id="{8283B87C-A85B-602D-C41D-6031663B480E}"/>
               </a:ext>
             </a:extLst>
           </p:cNvPr>
@@ -6079,7 +6197,7 @@
           <p:cNvPr id="4" name="TextBox 3">
             <a:extLst>
               <a:ext uri="{FF2B5EF4-FFF2-40B4-BE49-F238E27FC236}">
-                <a16:creationId xmlns:a16="http://schemas.microsoft.com/office/drawing/2014/main" xmlns="" id="{EA6B8746-A085-0065-A793-B9B940017EAC}"/>
+                <a16:creationId xmlns="" xmlns:a16="http://schemas.microsoft.com/office/drawing/2014/main" id="{EA6B8746-A085-0065-A793-B9B940017EAC}"/>
               </a:ext>
             </a:extLst>
           </p:cNvPr>
@@ -6118,7 +6236,7 @@
           <p:cNvPr id="5" name="직선 연결선 4">
             <a:extLst>
               <a:ext uri="{FF2B5EF4-FFF2-40B4-BE49-F238E27FC236}">
-                <a16:creationId xmlns:a16="http://schemas.microsoft.com/office/drawing/2014/main" xmlns="" id="{9A5D1B73-7731-0D67-07B7-1AE271161F6E}"/>
+                <a16:creationId xmlns="" xmlns:a16="http://schemas.microsoft.com/office/drawing/2014/main" id="{9A5D1B73-7731-0D67-07B7-1AE271161F6E}"/>
               </a:ext>
             </a:extLst>
           </p:cNvPr>
@@ -6378,7 +6496,7 @@
         <p:cNvPr id="1" name="">
           <a:extLst>
             <a:ext uri="{FF2B5EF4-FFF2-40B4-BE49-F238E27FC236}">
-              <a16:creationId xmlns:a16="http://schemas.microsoft.com/office/drawing/2014/main" xmlns="" id="{3A814BF5-7EB9-15FB-81DA-C4A7137A38B8}"/>
+              <a16:creationId xmlns="" xmlns:a16="http://schemas.microsoft.com/office/drawing/2014/main" id="{3A814BF5-7EB9-15FB-81DA-C4A7137A38B8}"/>
             </a:ext>
           </a:extLst>
         </p:cNvPr>
@@ -6398,7 +6516,7 @@
           <p:cNvPr id="2" name="제목 1">
             <a:extLst>
               <a:ext uri="{FF2B5EF4-FFF2-40B4-BE49-F238E27FC236}">
-                <a16:creationId xmlns:a16="http://schemas.microsoft.com/office/drawing/2014/main" xmlns="" id="{3E4FC7C6-C760-3359-056B-38059014AC51}"/>
+                <a16:creationId xmlns="" xmlns:a16="http://schemas.microsoft.com/office/drawing/2014/main" id="{3E4FC7C6-C760-3359-056B-38059014AC51}"/>
               </a:ext>
             </a:extLst>
           </p:cNvPr>
@@ -7206,8 +7324,8 @@
           </a:fontRef>
         </p:style>
       </p:cxnSp>
-      <mc:AlternateContent xmlns:mc="http://schemas.openxmlformats.org/markup-compatibility/2006">
-        <mc:Choice xmlns:a14="http://schemas.microsoft.com/office/drawing/2010/main" Requires="a14">
+      <mc:AlternateContent xmlns:mc="http://schemas.openxmlformats.org/markup-compatibility/2006" xmlns:a14="http://schemas.microsoft.com/office/drawing/2010/main">
+        <mc:Choice Requires="a14">
           <p:sp>
             <p:nvSpPr>
               <p:cNvPr id="28" name="TextBox 27"/>
@@ -7230,6 +7348,7 @@
               </a:bodyPr>
               <a:lstStyle/>
               <a:p>
+                <a:pPr/>
                 <a14:m>
                   <m:oMathPara xmlns:m="http://schemas.openxmlformats.org/officeDocument/2006/math">
                     <m:oMathParaPr>
@@ -7546,7 +7665,7 @@
             </p:txBody>
           </p:sp>
         </mc:Choice>
-        <mc:Fallback>
+        <mc:Fallback xmlns="">
           <p:sp>
             <p:nvSpPr>
               <p:cNvPr id="28" name="TextBox 27"/>
@@ -7677,7 +7796,7 @@
         <p:cNvPr id="1" name="">
           <a:extLst>
             <a:ext uri="{FF2B5EF4-FFF2-40B4-BE49-F238E27FC236}">
-              <a16:creationId xmlns:a16="http://schemas.microsoft.com/office/drawing/2014/main" xmlns="" id="{BEB3E296-BFF3-3395-DBDC-64A50A82079D}"/>
+              <a16:creationId xmlns="" xmlns:a16="http://schemas.microsoft.com/office/drawing/2014/main" id="{BEB3E296-BFF3-3395-DBDC-64A50A82079D}"/>
             </a:ext>
           </a:extLst>
         </p:cNvPr>
@@ -7697,7 +7816,7 @@
           <p:cNvPr id="2" name="제목 1">
             <a:extLst>
               <a:ext uri="{FF2B5EF4-FFF2-40B4-BE49-F238E27FC236}">
-                <a16:creationId xmlns:a16="http://schemas.microsoft.com/office/drawing/2014/main" xmlns="" id="{A58B00D9-7B7C-401D-7465-7A2AF160289D}"/>
+                <a16:creationId xmlns="" xmlns:a16="http://schemas.microsoft.com/office/drawing/2014/main" id="{A58B00D9-7B7C-401D-7465-7A2AF160289D}"/>
               </a:ext>
             </a:extLst>
           </p:cNvPr>
@@ -7725,7 +7844,7 @@
           <p:cNvPr id="3" name="타원 2">
             <a:extLst>
               <a:ext uri="{FF2B5EF4-FFF2-40B4-BE49-F238E27FC236}">
-                <a16:creationId xmlns:a16="http://schemas.microsoft.com/office/drawing/2014/main" xmlns="" id="{FF0B015A-13FF-1AA0-2951-446ACF3303B0}"/>
+                <a16:creationId xmlns="" xmlns:a16="http://schemas.microsoft.com/office/drawing/2014/main" id="{FF0B015A-13FF-1AA0-2951-446ACF3303B0}"/>
               </a:ext>
             </a:extLst>
           </p:cNvPr>
@@ -7769,7 +7888,7 @@
           <p:cNvPr id="5" name="직선 화살표 연결선 4">
             <a:extLst>
               <a:ext uri="{FF2B5EF4-FFF2-40B4-BE49-F238E27FC236}">
-                <a16:creationId xmlns:a16="http://schemas.microsoft.com/office/drawing/2014/main" xmlns="" id="{6E795812-A893-2833-43E0-C4195A121588}"/>
+                <a16:creationId xmlns="" xmlns:a16="http://schemas.microsoft.com/office/drawing/2014/main" id="{6E795812-A893-2833-43E0-C4195A121588}"/>
               </a:ext>
             </a:extLst>
           </p:cNvPr>
@@ -7808,7 +7927,7 @@
           <p:cNvPr id="6" name="TextBox 5">
             <a:extLst>
               <a:ext uri="{FF2B5EF4-FFF2-40B4-BE49-F238E27FC236}">
-                <a16:creationId xmlns:a16="http://schemas.microsoft.com/office/drawing/2014/main" xmlns="" id="{622A02EE-0224-6B1C-0EB5-3AF21F66CB57}"/>
+                <a16:creationId xmlns="" xmlns:a16="http://schemas.microsoft.com/office/drawing/2014/main" id="{622A02EE-0224-6B1C-0EB5-3AF21F66CB57}"/>
               </a:ext>
             </a:extLst>
           </p:cNvPr>
@@ -7844,7 +7963,7 @@
           <p:cNvPr id="7" name="직선 화살표 연결선 6">
             <a:extLst>
               <a:ext uri="{FF2B5EF4-FFF2-40B4-BE49-F238E27FC236}">
-                <a16:creationId xmlns:a16="http://schemas.microsoft.com/office/drawing/2014/main" xmlns="" id="{8993A806-6A21-D948-20AE-B0382F947579}"/>
+                <a16:creationId xmlns="" xmlns:a16="http://schemas.microsoft.com/office/drawing/2014/main" id="{8993A806-6A21-D948-20AE-B0382F947579}"/>
               </a:ext>
             </a:extLst>
           </p:cNvPr>
@@ -7885,7 +8004,7 @@
           <p:cNvPr id="9" name="직선 화살표 연결선 8">
             <a:extLst>
               <a:ext uri="{FF2B5EF4-FFF2-40B4-BE49-F238E27FC236}">
-                <a16:creationId xmlns:a16="http://schemas.microsoft.com/office/drawing/2014/main" xmlns="" id="{8D265F69-B204-9F00-4525-77DC4565F1C0}"/>
+                <a16:creationId xmlns="" xmlns:a16="http://schemas.microsoft.com/office/drawing/2014/main" id="{8D265F69-B204-9F00-4525-77DC4565F1C0}"/>
               </a:ext>
             </a:extLst>
           </p:cNvPr>
@@ -7926,7 +8045,7 @@
           <p:cNvPr id="11" name="직선 화살표 연결선 10">
             <a:extLst>
               <a:ext uri="{FF2B5EF4-FFF2-40B4-BE49-F238E27FC236}">
-                <a16:creationId xmlns:a16="http://schemas.microsoft.com/office/drawing/2014/main" xmlns="" id="{6BA8FF11-747D-D2C9-A97D-6FFBB8BAEC35}"/>
+                <a16:creationId xmlns="" xmlns:a16="http://schemas.microsoft.com/office/drawing/2014/main" id="{6BA8FF11-747D-D2C9-A97D-6FFBB8BAEC35}"/>
               </a:ext>
             </a:extLst>
           </p:cNvPr>
@@ -7967,7 +8086,7 @@
           <p:cNvPr id="13" name="TextBox 12">
             <a:extLst>
               <a:ext uri="{FF2B5EF4-FFF2-40B4-BE49-F238E27FC236}">
-                <a16:creationId xmlns:a16="http://schemas.microsoft.com/office/drawing/2014/main" xmlns="" id="{A9E62B51-5338-0D4E-D821-C168CF87EE6C}"/>
+                <a16:creationId xmlns="" xmlns:a16="http://schemas.microsoft.com/office/drawing/2014/main" id="{A9E62B51-5338-0D4E-D821-C168CF87EE6C}"/>
               </a:ext>
             </a:extLst>
           </p:cNvPr>
@@ -8003,7 +8122,7 @@
           <p:cNvPr id="14" name="TextBox 13">
             <a:extLst>
               <a:ext uri="{FF2B5EF4-FFF2-40B4-BE49-F238E27FC236}">
-                <a16:creationId xmlns:a16="http://schemas.microsoft.com/office/drawing/2014/main" xmlns="" id="{E9CA4C93-E2CD-8208-3A0C-F61DAF819D42}"/>
+                <a16:creationId xmlns="" xmlns:a16="http://schemas.microsoft.com/office/drawing/2014/main" id="{E9CA4C93-E2CD-8208-3A0C-F61DAF819D42}"/>
               </a:ext>
             </a:extLst>
           </p:cNvPr>
@@ -8039,7 +8158,7 @@
           <p:cNvPr id="15" name="TextBox 14">
             <a:extLst>
               <a:ext uri="{FF2B5EF4-FFF2-40B4-BE49-F238E27FC236}">
-                <a16:creationId xmlns:a16="http://schemas.microsoft.com/office/drawing/2014/main" xmlns="" id="{0C18587A-DAE6-56F1-DCDB-943325B56976}"/>
+                <a16:creationId xmlns="" xmlns:a16="http://schemas.microsoft.com/office/drawing/2014/main" id="{0C18587A-DAE6-56F1-DCDB-943325B56976}"/>
               </a:ext>
             </a:extLst>
           </p:cNvPr>
@@ -8075,7 +8194,7 @@
           <p:cNvPr id="17" name="직선 연결선 16">
             <a:extLst>
               <a:ext uri="{FF2B5EF4-FFF2-40B4-BE49-F238E27FC236}">
-                <a16:creationId xmlns:a16="http://schemas.microsoft.com/office/drawing/2014/main" xmlns="" id="{57ECAF0C-DD77-3407-44F6-A8DE29258ACB}"/>
+                <a16:creationId xmlns="" xmlns:a16="http://schemas.microsoft.com/office/drawing/2014/main" id="{57ECAF0C-DD77-3407-44F6-A8DE29258ACB}"/>
               </a:ext>
             </a:extLst>
           </p:cNvPr>
@@ -8111,7 +8230,7 @@
           <p:cNvPr id="18" name="TextBox 17">
             <a:extLst>
               <a:ext uri="{FF2B5EF4-FFF2-40B4-BE49-F238E27FC236}">
-                <a16:creationId xmlns:a16="http://schemas.microsoft.com/office/drawing/2014/main" xmlns="" id="{518E7C7E-7280-59A3-0423-E11610532C92}"/>
+                <a16:creationId xmlns="" xmlns:a16="http://schemas.microsoft.com/office/drawing/2014/main" id="{518E7C7E-7280-59A3-0423-E11610532C92}"/>
               </a:ext>
             </a:extLst>
           </p:cNvPr>
@@ -8157,7 +8276,7 @@
           <p:cNvPr id="20" name="직선 연결선 19">
             <a:extLst>
               <a:ext uri="{FF2B5EF4-FFF2-40B4-BE49-F238E27FC236}">
-                <a16:creationId xmlns:a16="http://schemas.microsoft.com/office/drawing/2014/main" xmlns="" id="{15D96320-355D-6466-C701-0AC78AA0C71C}"/>
+                <a16:creationId xmlns="" xmlns:a16="http://schemas.microsoft.com/office/drawing/2014/main" id="{15D96320-355D-6466-C701-0AC78AA0C71C}"/>
               </a:ext>
             </a:extLst>
           </p:cNvPr>
@@ -8198,7 +8317,7 @@
           <p:cNvPr id="21" name="직사각형 20">
             <a:extLst>
               <a:ext uri="{FF2B5EF4-FFF2-40B4-BE49-F238E27FC236}">
-                <a16:creationId xmlns:a16="http://schemas.microsoft.com/office/drawing/2014/main" xmlns="" id="{13337562-C008-EEE4-55F2-325B184C2F34}"/>
+                <a16:creationId xmlns="" xmlns:a16="http://schemas.microsoft.com/office/drawing/2014/main" id="{13337562-C008-EEE4-55F2-325B184C2F34}"/>
               </a:ext>
             </a:extLst>
           </p:cNvPr>
@@ -8250,7 +8369,7 @@
           <p:cNvPr id="23" name="직선 연결선 22">
             <a:extLst>
               <a:ext uri="{FF2B5EF4-FFF2-40B4-BE49-F238E27FC236}">
-                <a16:creationId xmlns:a16="http://schemas.microsoft.com/office/drawing/2014/main" xmlns="" id="{24B4409D-1FFC-96B0-3A15-08C1FBE59E4C}"/>
+                <a16:creationId xmlns="" xmlns:a16="http://schemas.microsoft.com/office/drawing/2014/main" id="{24B4409D-1FFC-96B0-3A15-08C1FBE59E4C}"/>
               </a:ext>
             </a:extLst>
           </p:cNvPr>
@@ -8290,7 +8409,7 @@
               <p:cNvPr id="24" name="TextBox 23">
                 <a:extLst>
                   <a:ext uri="{FF2B5EF4-FFF2-40B4-BE49-F238E27FC236}">
-                    <a16:creationId xmlns:a16="http://schemas.microsoft.com/office/drawing/2014/main" xmlns="" id="{748C1C28-37B9-E2FC-40F6-654AE50B5A27}"/>
+                    <a16:creationId xmlns="" xmlns:a16="http://schemas.microsoft.com/office/drawing/2014/main" id="{748C1C28-37B9-E2FC-40F6-654AE50B5A27}"/>
                   </a:ext>
                 </a:extLst>
               </p:cNvPr>
@@ -8396,7 +8515,7 @@
           <p:cNvPr id="25" name="TextBox 24">
             <a:extLst>
               <a:ext uri="{FF2B5EF4-FFF2-40B4-BE49-F238E27FC236}">
-                <a16:creationId xmlns:a16="http://schemas.microsoft.com/office/drawing/2014/main" xmlns="" id="{D9C4797E-AFFD-B5C9-A83C-EEE2C96A1494}"/>
+                <a16:creationId xmlns="" xmlns:a16="http://schemas.microsoft.com/office/drawing/2014/main" id="{D9C4797E-AFFD-B5C9-A83C-EEE2C96A1494}"/>
               </a:ext>
             </a:extLst>
           </p:cNvPr>
@@ -8434,7 +8553,7 @@
               <p:cNvPr id="26" name="TextBox 25">
                 <a:extLst>
                   <a:ext uri="{FF2B5EF4-FFF2-40B4-BE49-F238E27FC236}">
-                    <a16:creationId xmlns:a16="http://schemas.microsoft.com/office/drawing/2014/main" xmlns="" id="{E4BEB4F0-176F-8929-3ED4-C483CAAB7E5F}"/>
+                    <a16:creationId xmlns="" xmlns:a16="http://schemas.microsoft.com/office/drawing/2014/main" id="{E4BEB4F0-176F-8929-3ED4-C483CAAB7E5F}"/>
                   </a:ext>
                 </a:extLst>
               </p:cNvPr>
@@ -8570,7 +8689,7 @@
           <p:cNvPr id="27" name="TextBox 26">
             <a:extLst>
               <a:ext uri="{FF2B5EF4-FFF2-40B4-BE49-F238E27FC236}">
-                <a16:creationId xmlns:a16="http://schemas.microsoft.com/office/drawing/2014/main" xmlns="" id="{0CB5ECB2-39E9-9C9D-8DD9-729627EDF22E}"/>
+                <a16:creationId xmlns="" xmlns:a16="http://schemas.microsoft.com/office/drawing/2014/main" id="{0CB5ECB2-39E9-9C9D-8DD9-729627EDF22E}"/>
               </a:ext>
             </a:extLst>
           </p:cNvPr>
@@ -8664,7 +8783,7 @@
         <p:cNvPr id="1" name="">
           <a:extLst>
             <a:ext uri="{FF2B5EF4-FFF2-40B4-BE49-F238E27FC236}">
-              <a16:creationId xmlns:a16="http://schemas.microsoft.com/office/drawing/2014/main" xmlns="" id="{A5950ADB-F49C-AF71-D5C2-AE79DC7F6260}"/>
+              <a16:creationId xmlns="" xmlns:a16="http://schemas.microsoft.com/office/drawing/2014/main" id="{A5950ADB-F49C-AF71-D5C2-AE79DC7F6260}"/>
             </a:ext>
           </a:extLst>
         </p:cNvPr>
@@ -8684,7 +8803,7 @@
           <p:cNvPr id="2" name="제목 1">
             <a:extLst>
               <a:ext uri="{FF2B5EF4-FFF2-40B4-BE49-F238E27FC236}">
-                <a16:creationId xmlns:a16="http://schemas.microsoft.com/office/drawing/2014/main" xmlns="" id="{52CC8B7F-39C6-F195-A1B4-F7361B19A756}"/>
+                <a16:creationId xmlns="" xmlns:a16="http://schemas.microsoft.com/office/drawing/2014/main" id="{52CC8B7F-39C6-F195-A1B4-F7361B19A756}"/>
               </a:ext>
             </a:extLst>
           </p:cNvPr>
@@ -8745,7 +8864,7 @@
           <p:cNvPr id="4" name="TextBox 3">
             <a:extLst>
               <a:ext uri="{FF2B5EF4-FFF2-40B4-BE49-F238E27FC236}">
-                <a16:creationId xmlns:a16="http://schemas.microsoft.com/office/drawing/2014/main" xmlns="" id="{98D01A56-84BA-E99D-3DBF-1DF1487B27DB}"/>
+                <a16:creationId xmlns="" xmlns:a16="http://schemas.microsoft.com/office/drawing/2014/main" id="{98D01A56-84BA-E99D-3DBF-1DF1487B27DB}"/>
               </a:ext>
             </a:extLst>
           </p:cNvPr>
@@ -8785,7 +8904,7 @@
           <p:cNvPr id="6" name="그림 5">
             <a:extLst>
               <a:ext uri="{FF2B5EF4-FFF2-40B4-BE49-F238E27FC236}">
-                <a16:creationId xmlns:a16="http://schemas.microsoft.com/office/drawing/2014/main" xmlns="" id="{DF73F12F-6F34-1B44-BF63-7B0C54F48079}"/>
+                <a16:creationId xmlns="" xmlns:a16="http://schemas.microsoft.com/office/drawing/2014/main" id="{DF73F12F-6F34-1B44-BF63-7B0C54F48079}"/>
               </a:ext>
             </a:extLst>
           </p:cNvPr>
@@ -8831,7 +8950,7 @@
         <p:cNvPr id="1" name="">
           <a:extLst>
             <a:ext uri="{FF2B5EF4-FFF2-40B4-BE49-F238E27FC236}">
-              <a16:creationId xmlns:a16="http://schemas.microsoft.com/office/drawing/2014/main" xmlns="" id="{384FF214-3A83-0692-4DB1-15FE4C6455CA}"/>
+              <a16:creationId xmlns="" xmlns:a16="http://schemas.microsoft.com/office/drawing/2014/main" id="{384FF214-3A83-0692-4DB1-15FE4C6455CA}"/>
             </a:ext>
           </a:extLst>
         </p:cNvPr>
@@ -8851,7 +8970,7 @@
           <p:cNvPr id="2" name="제목 1">
             <a:extLst>
               <a:ext uri="{FF2B5EF4-FFF2-40B4-BE49-F238E27FC236}">
-                <a16:creationId xmlns:a16="http://schemas.microsoft.com/office/drawing/2014/main" xmlns="" id="{86806696-678A-0EF7-2F6F-70B74F7D9A58}"/>
+                <a16:creationId xmlns="" xmlns:a16="http://schemas.microsoft.com/office/drawing/2014/main" id="{86806696-678A-0EF7-2F6F-70B74F7D9A58}"/>
               </a:ext>
             </a:extLst>
           </p:cNvPr>
@@ -8912,7 +9031,7 @@
           <p:cNvPr id="4" name="TextBox 3">
             <a:extLst>
               <a:ext uri="{FF2B5EF4-FFF2-40B4-BE49-F238E27FC236}">
-                <a16:creationId xmlns:a16="http://schemas.microsoft.com/office/drawing/2014/main" xmlns="" id="{80FDA4D7-7310-2706-8758-DE202D4546B9}"/>
+                <a16:creationId xmlns="" xmlns:a16="http://schemas.microsoft.com/office/drawing/2014/main" id="{80FDA4D7-7310-2706-8758-DE202D4546B9}"/>
               </a:ext>
             </a:extLst>
           </p:cNvPr>
@@ -8952,7 +9071,7 @@
           <p:cNvPr id="3" name="그림 2">
             <a:extLst>
               <a:ext uri="{FF2B5EF4-FFF2-40B4-BE49-F238E27FC236}">
-                <a16:creationId xmlns:a16="http://schemas.microsoft.com/office/drawing/2014/main" xmlns="" id="{5F291B69-FF93-0873-8A59-0F831022E93C}"/>
+                <a16:creationId xmlns="" xmlns:a16="http://schemas.microsoft.com/office/drawing/2014/main" id="{5F291B69-FF93-0873-8A59-0F831022E93C}"/>
               </a:ext>
             </a:extLst>
           </p:cNvPr>
@@ -8998,7 +9117,7 @@
         <p:cNvPr id="1" name="">
           <a:extLst>
             <a:ext uri="{FF2B5EF4-FFF2-40B4-BE49-F238E27FC236}">
-              <a16:creationId xmlns:a16="http://schemas.microsoft.com/office/drawing/2014/main" xmlns="" id="{E09C9800-9422-2B9A-01F3-2CF79E77DF04}"/>
+              <a16:creationId xmlns="" xmlns:a16="http://schemas.microsoft.com/office/drawing/2014/main" id="{E09C9800-9422-2B9A-01F3-2CF79E77DF04}"/>
             </a:ext>
           </a:extLst>
         </p:cNvPr>
@@ -9018,7 +9137,7 @@
           <p:cNvPr id="2" name="제목 1">
             <a:extLst>
               <a:ext uri="{FF2B5EF4-FFF2-40B4-BE49-F238E27FC236}">
-                <a16:creationId xmlns:a16="http://schemas.microsoft.com/office/drawing/2014/main" xmlns="" id="{6F875218-8F82-69A9-7BAC-48937F6F50C4}"/>
+                <a16:creationId xmlns="" xmlns:a16="http://schemas.microsoft.com/office/drawing/2014/main" id="{6F875218-8F82-69A9-7BAC-48937F6F50C4}"/>
               </a:ext>
             </a:extLst>
           </p:cNvPr>
@@ -9081,7 +9200,7 @@
               <p:cNvPr id="3" name="TextBox 2">
                 <a:extLst>
                   <a:ext uri="{FF2B5EF4-FFF2-40B4-BE49-F238E27FC236}">
-                    <a16:creationId xmlns:a16="http://schemas.microsoft.com/office/drawing/2014/main" xmlns="" id="{4D9C8F0B-4D79-9B49-D8B1-5C1B5C462D8E}"/>
+                    <a16:creationId xmlns="" xmlns:a16="http://schemas.microsoft.com/office/drawing/2014/main" id="{4D9C8F0B-4D79-9B49-D8B1-5C1B5C462D8E}"/>
                   </a:ext>
                 </a:extLst>
               </p:cNvPr>
@@ -9654,7 +9773,7 @@
           <p:cNvPr id="4" name="TextBox 3">
             <a:extLst>
               <a:ext uri="{FF2B5EF4-FFF2-40B4-BE49-F238E27FC236}">
-                <a16:creationId xmlns:a16="http://schemas.microsoft.com/office/drawing/2014/main" xmlns="" id="{4EFDF3EC-55A0-D46C-0228-22E3E122E141}"/>
+                <a16:creationId xmlns="" xmlns:a16="http://schemas.microsoft.com/office/drawing/2014/main" id="{4EFDF3EC-55A0-D46C-0228-22E3E122E141}"/>
               </a:ext>
             </a:extLst>
           </p:cNvPr>
@@ -9696,7 +9815,7 @@
               <p:cNvPr id="5" name="TextBox 4">
                 <a:extLst>
                   <a:ext uri="{FF2B5EF4-FFF2-40B4-BE49-F238E27FC236}">
-                    <a16:creationId xmlns:a16="http://schemas.microsoft.com/office/drawing/2014/main" xmlns="" id="{ACDBEE0D-B826-8D76-8D63-D4AEE13B144D}"/>
+                    <a16:creationId xmlns="" xmlns:a16="http://schemas.microsoft.com/office/drawing/2014/main" id="{ACDBEE0D-B826-8D76-8D63-D4AEE13B144D}"/>
                   </a:ext>
                 </a:extLst>
               </p:cNvPr>
@@ -9829,7 +9948,7 @@
           <p:cNvPr id="2" name="제목 1">
             <a:extLst>
               <a:ext uri="{FF2B5EF4-FFF2-40B4-BE49-F238E27FC236}">
-                <a16:creationId xmlns:a16="http://schemas.microsoft.com/office/drawing/2014/main" xmlns="" id="{14BB1C82-A6EA-6728-B361-E427A5FC1F6A}"/>
+                <a16:creationId xmlns="" xmlns:a16="http://schemas.microsoft.com/office/drawing/2014/main" id="{14BB1C82-A6EA-6728-B361-E427A5FC1F6A}"/>
               </a:ext>
             </a:extLst>
           </p:cNvPr>
@@ -9857,7 +9976,7 @@
           <p:cNvPr id="3" name="TextBox 2">
             <a:extLst>
               <a:ext uri="{FF2B5EF4-FFF2-40B4-BE49-F238E27FC236}">
-                <a16:creationId xmlns:a16="http://schemas.microsoft.com/office/drawing/2014/main" xmlns="" id="{BA1734FD-23B5-B2E9-7423-06CAC347DE34}"/>
+                <a16:creationId xmlns="" xmlns:a16="http://schemas.microsoft.com/office/drawing/2014/main" id="{BA1734FD-23B5-B2E9-7423-06CAC347DE34}"/>
               </a:ext>
             </a:extLst>
           </p:cNvPr>
@@ -9921,7 +10040,7 @@
           <p:cNvPr id="8" name="그림 7">
             <a:extLst>
               <a:ext uri="{FF2B5EF4-FFF2-40B4-BE49-F238E27FC236}">
-                <a16:creationId xmlns:a16="http://schemas.microsoft.com/office/drawing/2014/main" xmlns="" id="{64613356-037B-4FE5-B607-0A471AC23EF4}"/>
+                <a16:creationId xmlns="" xmlns:a16="http://schemas.microsoft.com/office/drawing/2014/main" id="{64613356-037B-4FE5-B607-0A471AC23EF4}"/>
               </a:ext>
             </a:extLst>
           </p:cNvPr>
@@ -9953,7 +10072,7 @@
               <p:cNvPr id="10" name="TextBox 9">
                 <a:extLst>
                   <a:ext uri="{FF2B5EF4-FFF2-40B4-BE49-F238E27FC236}">
-                    <a16:creationId xmlns:a16="http://schemas.microsoft.com/office/drawing/2014/main" xmlns="" id="{58C48D28-6948-1B0C-04E9-B813E89D7888}"/>
+                    <a16:creationId xmlns="" xmlns:a16="http://schemas.microsoft.com/office/drawing/2014/main" id="{58C48D28-6948-1B0C-04E9-B813E89D7888}"/>
                   </a:ext>
                 </a:extLst>
               </p:cNvPr>
@@ -10327,7 +10446,7 @@
           <p:cNvPr id="11" name="직사각형 10">
             <a:extLst>
               <a:ext uri="{FF2B5EF4-FFF2-40B4-BE49-F238E27FC236}">
-                <a16:creationId xmlns:a16="http://schemas.microsoft.com/office/drawing/2014/main" xmlns="" id="{60DB78F1-65BB-8CC9-642D-FB0DCA5D257F}"/>
+                <a16:creationId xmlns="" xmlns:a16="http://schemas.microsoft.com/office/drawing/2014/main" id="{60DB78F1-65BB-8CC9-642D-FB0DCA5D257F}"/>
               </a:ext>
             </a:extLst>
           </p:cNvPr>
@@ -10374,7 +10493,7 @@
           <p:cNvPr id="12" name="TextBox 11">
             <a:extLst>
               <a:ext uri="{FF2B5EF4-FFF2-40B4-BE49-F238E27FC236}">
-                <a16:creationId xmlns:a16="http://schemas.microsoft.com/office/drawing/2014/main" xmlns="" id="{9EB5A7C0-ED4B-9D4E-908C-53A1244FEE72}"/>
+                <a16:creationId xmlns="" xmlns:a16="http://schemas.microsoft.com/office/drawing/2014/main" id="{9EB5A7C0-ED4B-9D4E-908C-53A1244FEE72}"/>
               </a:ext>
             </a:extLst>
           </p:cNvPr>
@@ -10418,7 +10537,7 @@
           <p:cNvPr id="14" name="직선 화살표 연결선 13">
             <a:extLst>
               <a:ext uri="{FF2B5EF4-FFF2-40B4-BE49-F238E27FC236}">
-                <a16:creationId xmlns:a16="http://schemas.microsoft.com/office/drawing/2014/main" xmlns="" id="{879CAF77-0222-A7D0-B4C9-898C17B6A5CB}"/>
+                <a16:creationId xmlns="" xmlns:a16="http://schemas.microsoft.com/office/drawing/2014/main" id="{879CAF77-0222-A7D0-B4C9-898C17B6A5CB}"/>
               </a:ext>
             </a:extLst>
           </p:cNvPr>
@@ -10459,7 +10578,7 @@
               <p:cNvPr id="16" name="TextBox 15">
                 <a:extLst>
                   <a:ext uri="{FF2B5EF4-FFF2-40B4-BE49-F238E27FC236}">
-                    <a16:creationId xmlns:a16="http://schemas.microsoft.com/office/drawing/2014/main" xmlns="" id="{BBF558C1-E7AB-B037-D2EB-84665CAE8DDE}"/>
+                    <a16:creationId xmlns="" xmlns:a16="http://schemas.microsoft.com/office/drawing/2014/main" id="{BBF558C1-E7AB-B037-D2EB-84665CAE8DDE}"/>
                   </a:ext>
                 </a:extLst>
               </p:cNvPr>
@@ -10640,7 +10759,7 @@
         <p:cNvPr id="1" name="">
           <a:extLst>
             <a:ext uri="{FF2B5EF4-FFF2-40B4-BE49-F238E27FC236}">
-              <a16:creationId xmlns:a16="http://schemas.microsoft.com/office/drawing/2014/main" xmlns="" id="{F2ABF2E9-6CAA-1BFC-082B-F540334F5C9C}"/>
+              <a16:creationId xmlns="" xmlns:a16="http://schemas.microsoft.com/office/drawing/2014/main" id="{F2ABF2E9-6CAA-1BFC-082B-F540334F5C9C}"/>
             </a:ext>
           </a:extLst>
         </p:cNvPr>
@@ -10660,7 +10779,7 @@
           <p:cNvPr id="2" name="제목 1">
             <a:extLst>
               <a:ext uri="{FF2B5EF4-FFF2-40B4-BE49-F238E27FC236}">
-                <a16:creationId xmlns:a16="http://schemas.microsoft.com/office/drawing/2014/main" xmlns="" id="{76541239-BC54-DE29-825B-6E21D04E69AE}"/>
+                <a16:creationId xmlns="" xmlns:a16="http://schemas.microsoft.com/office/drawing/2014/main" id="{76541239-BC54-DE29-825B-6E21D04E69AE}"/>
               </a:ext>
             </a:extLst>
           </p:cNvPr>
@@ -10688,7 +10807,7 @@
           <p:cNvPr id="4" name="TextBox 3">
             <a:extLst>
               <a:ext uri="{FF2B5EF4-FFF2-40B4-BE49-F238E27FC236}">
-                <a16:creationId xmlns:a16="http://schemas.microsoft.com/office/drawing/2014/main" xmlns="" id="{515EE11A-A125-CAF2-C642-C2E7193681B5}"/>
+                <a16:creationId xmlns="" xmlns:a16="http://schemas.microsoft.com/office/drawing/2014/main" id="{515EE11A-A125-CAF2-C642-C2E7193681B5}"/>
               </a:ext>
             </a:extLst>
           </p:cNvPr>
@@ -10758,7 +10877,7 @@
           <p:cNvPr id="8" name="그림 7">
             <a:extLst>
               <a:ext uri="{FF2B5EF4-FFF2-40B4-BE49-F238E27FC236}">
-                <a16:creationId xmlns:a16="http://schemas.microsoft.com/office/drawing/2014/main" xmlns="" id="{C28C6014-E9EE-7B10-E7DD-CF5696A2D84C}"/>
+                <a16:creationId xmlns="" xmlns:a16="http://schemas.microsoft.com/office/drawing/2014/main" id="{C28C6014-E9EE-7B10-E7DD-CF5696A2D84C}"/>
               </a:ext>
             </a:extLst>
           </p:cNvPr>
@@ -10788,7 +10907,7 @@
           <p:cNvPr id="9" name="TextBox 8">
             <a:extLst>
               <a:ext uri="{FF2B5EF4-FFF2-40B4-BE49-F238E27FC236}">
-                <a16:creationId xmlns:a16="http://schemas.microsoft.com/office/drawing/2014/main" xmlns="" id="{70A22FFC-9E05-C78D-6829-0E0EF0F28757}"/>
+                <a16:creationId xmlns="" xmlns:a16="http://schemas.microsoft.com/office/drawing/2014/main" id="{70A22FFC-9E05-C78D-6829-0E0EF0F28757}"/>
               </a:ext>
             </a:extLst>
           </p:cNvPr>
@@ -10866,7 +10985,7 @@
           <p:cNvPr id="10" name="직사각형 9">
             <a:extLst>
               <a:ext uri="{FF2B5EF4-FFF2-40B4-BE49-F238E27FC236}">
-                <a16:creationId xmlns:a16="http://schemas.microsoft.com/office/drawing/2014/main" xmlns="" id="{E394B91C-76C9-1258-0238-8629489B1EE0}"/>
+                <a16:creationId xmlns="" xmlns:a16="http://schemas.microsoft.com/office/drawing/2014/main" id="{E394B91C-76C9-1258-0238-8629489B1EE0}"/>
               </a:ext>
             </a:extLst>
           </p:cNvPr>
@@ -10929,7 +11048,7 @@
         <p:cNvPr id="1" name="">
           <a:extLst>
             <a:ext uri="{FF2B5EF4-FFF2-40B4-BE49-F238E27FC236}">
-              <a16:creationId xmlns:a16="http://schemas.microsoft.com/office/drawing/2014/main" xmlns="" id="{58BCE284-379F-426D-7FEB-697EE97F4955}"/>
+              <a16:creationId xmlns="" xmlns:a16="http://schemas.microsoft.com/office/drawing/2014/main" id="{58BCE284-379F-426D-7FEB-697EE97F4955}"/>
             </a:ext>
           </a:extLst>
         </p:cNvPr>
@@ -10949,7 +11068,7 @@
           <p:cNvPr id="2" name="제목 1">
             <a:extLst>
               <a:ext uri="{FF2B5EF4-FFF2-40B4-BE49-F238E27FC236}">
-                <a16:creationId xmlns:a16="http://schemas.microsoft.com/office/drawing/2014/main" xmlns="" id="{17E52FE5-ED2B-6136-662D-7FAADBF0F06A}"/>
+                <a16:creationId xmlns="" xmlns:a16="http://schemas.microsoft.com/office/drawing/2014/main" id="{17E52FE5-ED2B-6136-662D-7FAADBF0F06A}"/>
               </a:ext>
             </a:extLst>
           </p:cNvPr>
@@ -10977,7 +11096,7 @@
           <p:cNvPr id="4" name="TextBox 3">
             <a:extLst>
               <a:ext uri="{FF2B5EF4-FFF2-40B4-BE49-F238E27FC236}">
-                <a16:creationId xmlns:a16="http://schemas.microsoft.com/office/drawing/2014/main" xmlns="" id="{CB567F56-A9BD-E005-7F2A-6C103BE30502}"/>
+                <a16:creationId xmlns="" xmlns:a16="http://schemas.microsoft.com/office/drawing/2014/main" id="{CB567F56-A9BD-E005-7F2A-6C103BE30502}"/>
               </a:ext>
             </a:extLst>
           </p:cNvPr>
@@ -11048,7 +11167,7 @@
           <p:cNvPr id="5" name="그림 4">
             <a:extLst>
               <a:ext uri="{FF2B5EF4-FFF2-40B4-BE49-F238E27FC236}">
-                <a16:creationId xmlns:a16="http://schemas.microsoft.com/office/drawing/2014/main" xmlns="" id="{58BF9930-18B3-5873-09BB-639B2FFA98A0}"/>
+                <a16:creationId xmlns="" xmlns:a16="http://schemas.microsoft.com/office/drawing/2014/main" id="{58BF9930-18B3-5873-09BB-639B2FFA98A0}"/>
               </a:ext>
             </a:extLst>
           </p:cNvPr>
@@ -11078,7 +11197,7 @@
           <p:cNvPr id="6" name="TextBox 5">
             <a:extLst>
               <a:ext uri="{FF2B5EF4-FFF2-40B4-BE49-F238E27FC236}">
-                <a16:creationId xmlns:a16="http://schemas.microsoft.com/office/drawing/2014/main" xmlns="" id="{0C01D5AC-AEA7-CFA4-000D-A94168E285F0}"/>
+                <a16:creationId xmlns="" xmlns:a16="http://schemas.microsoft.com/office/drawing/2014/main" id="{0C01D5AC-AEA7-CFA4-000D-A94168E285F0}"/>
               </a:ext>
             </a:extLst>
           </p:cNvPr>
@@ -11178,7 +11297,7 @@
           <p:cNvPr id="7" name="직사각형 6">
             <a:extLst>
               <a:ext uri="{FF2B5EF4-FFF2-40B4-BE49-F238E27FC236}">
-                <a16:creationId xmlns:a16="http://schemas.microsoft.com/office/drawing/2014/main" xmlns="" id="{470C9A66-D050-080F-EA16-95287C2E0438}"/>
+                <a16:creationId xmlns="" xmlns:a16="http://schemas.microsoft.com/office/drawing/2014/main" id="{470C9A66-D050-080F-EA16-95287C2E0438}"/>
               </a:ext>
             </a:extLst>
           </p:cNvPr>
@@ -11241,7 +11360,7 @@
         <p:cNvPr id="1" name="">
           <a:extLst>
             <a:ext uri="{FF2B5EF4-FFF2-40B4-BE49-F238E27FC236}">
-              <a16:creationId xmlns:a16="http://schemas.microsoft.com/office/drawing/2014/main" xmlns="" id="{33374A11-0A89-3294-5974-D078EE6F031D}"/>
+              <a16:creationId xmlns="" xmlns:a16="http://schemas.microsoft.com/office/drawing/2014/main" id="{33374A11-0A89-3294-5974-D078EE6F031D}"/>
             </a:ext>
           </a:extLst>
         </p:cNvPr>
@@ -11261,7 +11380,7 @@
           <p:cNvPr id="2" name="제목 1">
             <a:extLst>
               <a:ext uri="{FF2B5EF4-FFF2-40B4-BE49-F238E27FC236}">
-                <a16:creationId xmlns:a16="http://schemas.microsoft.com/office/drawing/2014/main" xmlns="" id="{CAA07CD9-66C6-9F5A-F00D-621686950D49}"/>
+                <a16:creationId xmlns="" xmlns:a16="http://schemas.microsoft.com/office/drawing/2014/main" id="{CAA07CD9-66C6-9F5A-F00D-621686950D49}"/>
               </a:ext>
             </a:extLst>
           </p:cNvPr>
@@ -11289,7 +11408,7 @@
           <p:cNvPr id="4" name="TextBox 3">
             <a:extLst>
               <a:ext uri="{FF2B5EF4-FFF2-40B4-BE49-F238E27FC236}">
-                <a16:creationId xmlns:a16="http://schemas.microsoft.com/office/drawing/2014/main" xmlns="" id="{08EC7198-6E5E-F2EE-F9F5-268C596F236A}"/>
+                <a16:creationId xmlns="" xmlns:a16="http://schemas.microsoft.com/office/drawing/2014/main" id="{08EC7198-6E5E-F2EE-F9F5-268C596F236A}"/>
               </a:ext>
             </a:extLst>
           </p:cNvPr>
@@ -11375,7 +11494,7 @@
           <p:cNvPr id="7" name="그림 6">
             <a:extLst>
               <a:ext uri="{FF2B5EF4-FFF2-40B4-BE49-F238E27FC236}">
-                <a16:creationId xmlns:a16="http://schemas.microsoft.com/office/drawing/2014/main" xmlns="" id="{54400E17-FE93-E154-3895-14746CFFF88A}"/>
+                <a16:creationId xmlns="" xmlns:a16="http://schemas.microsoft.com/office/drawing/2014/main" id="{54400E17-FE93-E154-3895-14746CFFF88A}"/>
               </a:ext>
             </a:extLst>
           </p:cNvPr>
@@ -11405,7 +11524,7 @@
           <p:cNvPr id="8" name="TextBox 7">
             <a:extLst>
               <a:ext uri="{FF2B5EF4-FFF2-40B4-BE49-F238E27FC236}">
-                <a16:creationId xmlns:a16="http://schemas.microsoft.com/office/drawing/2014/main" xmlns="" id="{6CC7B855-2475-3A48-DD17-C1632828CC1A}"/>
+                <a16:creationId xmlns="" xmlns:a16="http://schemas.microsoft.com/office/drawing/2014/main" id="{6CC7B855-2475-3A48-DD17-C1632828CC1A}"/>
               </a:ext>
             </a:extLst>
           </p:cNvPr>
